--- a/中越詩歌/得失之間_Khoảnh khắc giữa được và mất.pptx
+++ b/中越詩歌/得失之間_Khoảnh khắc giữa được và mất.pptx
@@ -120,6 +120,11 @@
       </a:defRPr>
     </a:lvl9pPr>
   </p:defaultTextStyle>
+  <p:extLst>
+    <p:ext uri="{EFAFB233-063F-42B5-8137-9DF3F51BA10A}">
+      <p15:sldGuideLst xmlns:p15="http://schemas.microsoft.com/office/powerpoint/2012/main"/>
+    </p:ext>
+  </p:extLst>
 </p:presentation>
 </file>
 
@@ -304,7 +309,7 @@
           <a:p>
             <a:fld id="{AF6752A0-A2A5-4603-BB50-7C74B4A6F9B4}" type="datetimeFigureOut">
               <a:rPr lang="vi-VN" smtClean="0"/>
-              <a:t>07/09/2022</a:t>
+              <a:t>08/09/2022</a:t>
             </a:fld>
             <a:endParaRPr lang="vi-VN"/>
           </a:p>
@@ -474,7 +479,7 @@
           <a:p>
             <a:fld id="{AF6752A0-A2A5-4603-BB50-7C74B4A6F9B4}" type="datetimeFigureOut">
               <a:rPr lang="vi-VN" smtClean="0"/>
-              <a:t>07/09/2022</a:t>
+              <a:t>08/09/2022</a:t>
             </a:fld>
             <a:endParaRPr lang="vi-VN"/>
           </a:p>
@@ -654,7 +659,7 @@
           <a:p>
             <a:fld id="{AF6752A0-A2A5-4603-BB50-7C74B4A6F9B4}" type="datetimeFigureOut">
               <a:rPr lang="vi-VN" smtClean="0"/>
-              <a:t>07/09/2022</a:t>
+              <a:t>08/09/2022</a:t>
             </a:fld>
             <a:endParaRPr lang="vi-VN"/>
           </a:p>
@@ -824,7 +829,7 @@
           <a:p>
             <a:fld id="{AF6752A0-A2A5-4603-BB50-7C74B4A6F9B4}" type="datetimeFigureOut">
               <a:rPr lang="vi-VN" smtClean="0"/>
-              <a:t>07/09/2022</a:t>
+              <a:t>08/09/2022</a:t>
             </a:fld>
             <a:endParaRPr lang="vi-VN"/>
           </a:p>
@@ -1070,7 +1075,7 @@
           <a:p>
             <a:fld id="{AF6752A0-A2A5-4603-BB50-7C74B4A6F9B4}" type="datetimeFigureOut">
               <a:rPr lang="vi-VN" smtClean="0"/>
-              <a:t>07/09/2022</a:t>
+              <a:t>08/09/2022</a:t>
             </a:fld>
             <a:endParaRPr lang="vi-VN"/>
           </a:p>
@@ -1358,7 +1363,7 @@
           <a:p>
             <a:fld id="{AF6752A0-A2A5-4603-BB50-7C74B4A6F9B4}" type="datetimeFigureOut">
               <a:rPr lang="vi-VN" smtClean="0"/>
-              <a:t>07/09/2022</a:t>
+              <a:t>08/09/2022</a:t>
             </a:fld>
             <a:endParaRPr lang="vi-VN"/>
           </a:p>
@@ -1780,7 +1785,7 @@
           <a:p>
             <a:fld id="{AF6752A0-A2A5-4603-BB50-7C74B4A6F9B4}" type="datetimeFigureOut">
               <a:rPr lang="vi-VN" smtClean="0"/>
-              <a:t>07/09/2022</a:t>
+              <a:t>08/09/2022</a:t>
             </a:fld>
             <a:endParaRPr lang="vi-VN"/>
           </a:p>
@@ -1898,7 +1903,7 @@
           <a:p>
             <a:fld id="{AF6752A0-A2A5-4603-BB50-7C74B4A6F9B4}" type="datetimeFigureOut">
               <a:rPr lang="vi-VN" smtClean="0"/>
-              <a:t>07/09/2022</a:t>
+              <a:t>08/09/2022</a:t>
             </a:fld>
             <a:endParaRPr lang="vi-VN"/>
           </a:p>
@@ -1993,7 +1998,7 @@
           <a:p>
             <a:fld id="{AF6752A0-A2A5-4603-BB50-7C74B4A6F9B4}" type="datetimeFigureOut">
               <a:rPr lang="vi-VN" smtClean="0"/>
-              <a:t>07/09/2022</a:t>
+              <a:t>08/09/2022</a:t>
             </a:fld>
             <a:endParaRPr lang="vi-VN"/>
           </a:p>
@@ -2270,7 +2275,7 @@
           <a:p>
             <a:fld id="{AF6752A0-A2A5-4603-BB50-7C74B4A6F9B4}" type="datetimeFigureOut">
               <a:rPr lang="vi-VN" smtClean="0"/>
-              <a:t>07/09/2022</a:t>
+              <a:t>08/09/2022</a:t>
             </a:fld>
             <a:endParaRPr lang="vi-VN"/>
           </a:p>
@@ -2527,7 +2532,7 @@
           <a:p>
             <a:fld id="{AF6752A0-A2A5-4603-BB50-7C74B4A6F9B4}" type="datetimeFigureOut">
               <a:rPr lang="vi-VN" smtClean="0"/>
-              <a:t>07/09/2022</a:t>
+              <a:t>08/09/2022</a:t>
             </a:fld>
             <a:endParaRPr lang="vi-VN"/>
           </a:p>
@@ -2745,7 +2750,7 @@
           <a:p>
             <a:fld id="{AF6752A0-A2A5-4603-BB50-7C74B4A6F9B4}" type="datetimeFigureOut">
               <a:rPr lang="vi-VN" smtClean="0"/>
-              <a:t>07/09/2022</a:t>
+              <a:t>08/09/2022</a:t>
             </a:fld>
             <a:endParaRPr lang="vi-VN"/>
           </a:p>
@@ -4499,31 +4504,7 @@
                 <a:ea typeface="微軟正黑體" pitchFamily="34" charset="-120"/>
                 <a:cs typeface="Calibri" panose="020F0502020204030204" pitchFamily="34" charset="0"/>
               </a:rPr>
-              <a:t> </a:t>
-            </a:r>
-            <a:r>
-              <a:rPr lang="fr-FR" sz="3200" b="1" dirty="0">
-                <a:solidFill>
-                  <a:srgbClr val="660033"/>
-                </a:solidFill>
-                <a:effectLst/>
-                <a:latin typeface="Calibri" panose="020F0502020204030204" pitchFamily="34" charset="0"/>
-                <a:ea typeface="微軟正黑體" pitchFamily="34" charset="-120"/>
-                <a:cs typeface="Calibri" panose="020F0502020204030204" pitchFamily="34" charset="0"/>
-              </a:rPr>
-              <a:t>ý</a:t>
-            </a:r>
-            <a:r>
-              <a:rPr lang="fr-FR" sz="3200" b="1" dirty="0">
-                <a:solidFill>
-                  <a:srgbClr val="660033"/>
-                </a:solidFill>
-                <a:effectLst/>
-                <a:latin typeface="Calibri" panose="020F0502020204030204" pitchFamily="34" charset="0"/>
-                <a:ea typeface="微軟正黑體" pitchFamily="34" charset="-120"/>
-                <a:cs typeface="Calibri" panose="020F0502020204030204" pitchFamily="34" charset="0"/>
-              </a:rPr>
-              <a:t>, </a:t>
+              <a:t> ý, </a:t>
             </a:r>
             <a:r>
               <a:rPr lang="fr-FR" sz="3200" b="1" dirty="0" err="1">
@@ -5192,19 +5173,7 @@
                 <a:ea typeface="微軟正黑體" pitchFamily="34" charset="-120"/>
                 <a:cs typeface="Calibri" panose="020F0502020204030204" pitchFamily="34" charset="0"/>
               </a:rPr>
-              <a:t>c</a:t>
-            </a:r>
-            <a:r>
-              <a:rPr lang="fr-FR" sz="3200" b="1" dirty="0" err="1">
-                <a:solidFill>
-                  <a:srgbClr val="660033"/>
-                </a:solidFill>
-                <a:effectLst/>
-                <a:latin typeface="Calibri" panose="020F0502020204030204" pitchFamily="34" charset="0"/>
-                <a:ea typeface="微軟正黑體" pitchFamily="34" charset="-120"/>
-                <a:cs typeface="Calibri" panose="020F0502020204030204" pitchFamily="34" charset="0"/>
-              </a:rPr>
-              <a:t>am</a:t>
+              <a:t>cam</a:t>
             </a:r>
             <a:r>
               <a:rPr lang="fr-FR" sz="3200" b="1" dirty="0">
@@ -5837,19 +5806,7 @@
                 <a:ea typeface="微軟正黑體" pitchFamily="34" charset="-120"/>
                 <a:cs typeface="Calibri" panose="020F0502020204030204" pitchFamily="34" charset="0"/>
               </a:rPr>
-              <a:t>h</a:t>
-            </a:r>
-            <a:r>
-              <a:rPr lang="fr-FR" sz="3200" b="1" dirty="0" err="1">
-                <a:solidFill>
-                  <a:srgbClr val="660033"/>
-                </a:solidFill>
-                <a:effectLst/>
-                <a:latin typeface="Calibri" panose="020F0502020204030204" pitchFamily="34" charset="0"/>
-                <a:ea typeface="微軟正黑體" pitchFamily="34" charset="-120"/>
-                <a:cs typeface="Calibri" panose="020F0502020204030204" pitchFamily="34" charset="0"/>
-              </a:rPr>
-              <a:t>ưởng</a:t>
+              <a:t>hưởng</a:t>
             </a:r>
             <a:r>
               <a:rPr lang="fr-FR" sz="3200" b="1" dirty="0">
@@ -6554,19 +6511,7 @@
                 <a:ea typeface="微軟正黑體" pitchFamily="34" charset="-120"/>
                 <a:cs typeface="Calibri" panose="020F0502020204030204" pitchFamily="34" charset="0"/>
               </a:rPr>
-              <a:t>k</a:t>
-            </a:r>
-            <a:r>
-              <a:rPr lang="fr-FR" sz="3200" b="1" dirty="0" err="1">
-                <a:solidFill>
-                  <a:srgbClr val="660033"/>
-                </a:solidFill>
-                <a:effectLst/>
-                <a:latin typeface="Calibri" panose="020F0502020204030204" pitchFamily="34" charset="0"/>
-                <a:ea typeface="微軟正黑體" pitchFamily="34" charset="-120"/>
-                <a:cs typeface="Calibri" panose="020F0502020204030204" pitchFamily="34" charset="0"/>
-              </a:rPr>
-              <a:t>hỏi</a:t>
+              <a:t>khỏi</a:t>
             </a:r>
             <a:r>
               <a:rPr lang="fr-FR" sz="3200" b="1" dirty="0">
@@ -6831,10 +6776,30 @@
                 <a:latin typeface="Microsoft JhengHei" panose="020B0604030504040204" pitchFamily="34" charset="-120"/>
                 <a:ea typeface="Microsoft JhengHei" panose="020B0604030504040204" pitchFamily="34" charset="-120"/>
               </a:rPr>
-              <a:t>耶穌拯救是</a:t>
+              <a:t>耶穌拯救</a:t>
             </a:r>
             <a:r>
               <a:rPr lang="zh-TW" altLang="en-US" sz="6600" b="1" dirty="0" smtClean="0">
+                <a:solidFill>
+                  <a:srgbClr val="000066"/>
+                </a:solidFill>
+                <a:latin typeface="Microsoft JhengHei" panose="020B0604030504040204" pitchFamily="34" charset="-120"/>
+                <a:ea typeface="Microsoft JhengHei" panose="020B0604030504040204" pitchFamily="34" charset="-120"/>
+              </a:rPr>
+              <a:t>是</a:t>
+            </a:r>
+            <a:r>
+              <a:rPr lang="zh-CN" altLang="en-US" sz="6600" b="1" smtClean="0">
+                <a:solidFill>
+                  <a:srgbClr val="000066"/>
+                </a:solidFill>
+                <a:latin typeface="Microsoft JhengHei" panose="020B0604030504040204" pitchFamily="34" charset="-120"/>
+                <a:ea typeface="Microsoft JhengHei" panose="020B0604030504040204" pitchFamily="34" charset="-120"/>
+              </a:rPr>
+              <a:t>這</a:t>
+            </a:r>
+            <a:r>
+              <a:rPr lang="zh-TW" altLang="en-US" sz="6600" b="1" smtClean="0">
                 <a:solidFill>
                   <a:srgbClr val="000066"/>
                 </a:solidFill>
@@ -8177,19 +8142,7 @@
                 <a:ea typeface="微軟正黑體" pitchFamily="34" charset="-120"/>
                 <a:cs typeface="Calibri" panose="020F0502020204030204" pitchFamily="34" charset="0"/>
               </a:rPr>
-              <a:t>đ</a:t>
-            </a:r>
-            <a:r>
-              <a:rPr lang="fr-FR" sz="3200" b="1" dirty="0" err="1">
-                <a:solidFill>
-                  <a:srgbClr val="660033"/>
-                </a:solidFill>
-                <a:effectLst/>
-                <a:latin typeface="Calibri" panose="020F0502020204030204" pitchFamily="34" charset="0"/>
-                <a:ea typeface="微軟正黑體" pitchFamily="34" charset="-120"/>
-                <a:cs typeface="Calibri" panose="020F0502020204030204" pitchFamily="34" charset="0"/>
-              </a:rPr>
-              <a:t>ược</a:t>
+              <a:t>được</a:t>
             </a:r>
             <a:r>
               <a:rPr lang="fr-FR" sz="3200" b="1" dirty="0">

--- a/中越詩歌/得失之間_Khoảnh khắc giữa được và mất.pptx
+++ b/中越詩歌/得失之間_Khoảnh khắc giữa được và mất.pptx
@@ -309,7 +309,7 @@
           <a:p>
             <a:fld id="{AF6752A0-A2A5-4603-BB50-7C74B4A6F9B4}" type="datetimeFigureOut">
               <a:rPr lang="vi-VN" smtClean="0"/>
-              <a:t>08/09/2022</a:t>
+              <a:t>29/09/2022</a:t>
             </a:fld>
             <a:endParaRPr lang="vi-VN"/>
           </a:p>
@@ -479,7 +479,7 @@
           <a:p>
             <a:fld id="{AF6752A0-A2A5-4603-BB50-7C74B4A6F9B4}" type="datetimeFigureOut">
               <a:rPr lang="vi-VN" smtClean="0"/>
-              <a:t>08/09/2022</a:t>
+              <a:t>29/09/2022</a:t>
             </a:fld>
             <a:endParaRPr lang="vi-VN"/>
           </a:p>
@@ -659,7 +659,7 @@
           <a:p>
             <a:fld id="{AF6752A0-A2A5-4603-BB50-7C74B4A6F9B4}" type="datetimeFigureOut">
               <a:rPr lang="vi-VN" smtClean="0"/>
-              <a:t>08/09/2022</a:t>
+              <a:t>29/09/2022</a:t>
             </a:fld>
             <a:endParaRPr lang="vi-VN"/>
           </a:p>
@@ -829,7 +829,7 @@
           <a:p>
             <a:fld id="{AF6752A0-A2A5-4603-BB50-7C74B4A6F9B4}" type="datetimeFigureOut">
               <a:rPr lang="vi-VN" smtClean="0"/>
-              <a:t>08/09/2022</a:t>
+              <a:t>29/09/2022</a:t>
             </a:fld>
             <a:endParaRPr lang="vi-VN"/>
           </a:p>
@@ -1075,7 +1075,7 @@
           <a:p>
             <a:fld id="{AF6752A0-A2A5-4603-BB50-7C74B4A6F9B4}" type="datetimeFigureOut">
               <a:rPr lang="vi-VN" smtClean="0"/>
-              <a:t>08/09/2022</a:t>
+              <a:t>29/09/2022</a:t>
             </a:fld>
             <a:endParaRPr lang="vi-VN"/>
           </a:p>
@@ -1363,7 +1363,7 @@
           <a:p>
             <a:fld id="{AF6752A0-A2A5-4603-BB50-7C74B4A6F9B4}" type="datetimeFigureOut">
               <a:rPr lang="vi-VN" smtClean="0"/>
-              <a:t>08/09/2022</a:t>
+              <a:t>29/09/2022</a:t>
             </a:fld>
             <a:endParaRPr lang="vi-VN"/>
           </a:p>
@@ -1785,7 +1785,7 @@
           <a:p>
             <a:fld id="{AF6752A0-A2A5-4603-BB50-7C74B4A6F9B4}" type="datetimeFigureOut">
               <a:rPr lang="vi-VN" smtClean="0"/>
-              <a:t>08/09/2022</a:t>
+              <a:t>29/09/2022</a:t>
             </a:fld>
             <a:endParaRPr lang="vi-VN"/>
           </a:p>
@@ -1903,7 +1903,7 @@
           <a:p>
             <a:fld id="{AF6752A0-A2A5-4603-BB50-7C74B4A6F9B4}" type="datetimeFigureOut">
               <a:rPr lang="vi-VN" smtClean="0"/>
-              <a:t>08/09/2022</a:t>
+              <a:t>29/09/2022</a:t>
             </a:fld>
             <a:endParaRPr lang="vi-VN"/>
           </a:p>
@@ -1998,7 +1998,7 @@
           <a:p>
             <a:fld id="{AF6752A0-A2A5-4603-BB50-7C74B4A6F9B4}" type="datetimeFigureOut">
               <a:rPr lang="vi-VN" smtClean="0"/>
-              <a:t>08/09/2022</a:t>
+              <a:t>29/09/2022</a:t>
             </a:fld>
             <a:endParaRPr lang="vi-VN"/>
           </a:p>
@@ -2275,7 +2275,7 @@
           <a:p>
             <a:fld id="{AF6752A0-A2A5-4603-BB50-7C74B4A6F9B4}" type="datetimeFigureOut">
               <a:rPr lang="vi-VN" smtClean="0"/>
-              <a:t>08/09/2022</a:t>
+              <a:t>29/09/2022</a:t>
             </a:fld>
             <a:endParaRPr lang="vi-VN"/>
           </a:p>
@@ -2532,7 +2532,7 @@
           <a:p>
             <a:fld id="{AF6752A0-A2A5-4603-BB50-7C74B4A6F9B4}" type="datetimeFigureOut">
               <a:rPr lang="vi-VN" smtClean="0"/>
-              <a:t>08/09/2022</a:t>
+              <a:t>29/09/2022</a:t>
             </a:fld>
             <a:endParaRPr lang="vi-VN"/>
           </a:p>
@@ -2750,7 +2750,7 @@
           <a:p>
             <a:fld id="{AF6752A0-A2A5-4603-BB50-7C74B4A6F9B4}" type="datetimeFigureOut">
               <a:rPr lang="vi-VN" smtClean="0"/>
-              <a:t>08/09/2022</a:t>
+              <a:t>29/09/2022</a:t>
             </a:fld>
             <a:endParaRPr lang="vi-VN"/>
           </a:p>
@@ -9347,17 +9347,37 @@
                 <a:latin typeface="Microsoft JhengHei" panose="020B0604030504040204" pitchFamily="34" charset="-120"/>
                 <a:ea typeface="Microsoft JhengHei" panose="020B0604030504040204" pitchFamily="34" charset="-120"/>
               </a:rPr>
-              <a:t>悲</a:t>
-            </a:r>
-            <a:r>
-              <a:rPr lang="zh-TW" altLang="en-US" sz="6600" b="1" dirty="0">
+              <a:t>悲哀</a:t>
+            </a:r>
+            <a:r>
+              <a:rPr lang="zh-CN" altLang="en-US" sz="6600" b="1" dirty="0">
                 <a:solidFill>
                   <a:srgbClr val="000066"/>
                 </a:solidFill>
                 <a:latin typeface="Microsoft JhengHei" panose="020B0604030504040204" pitchFamily="34" charset="-120"/>
                 <a:ea typeface="Microsoft JhengHei" panose="020B0604030504040204" pitchFamily="34" charset="-120"/>
               </a:rPr>
-              <a:t>哀恨不免</a:t>
+              <a:t>痛</a:t>
+            </a:r>
+            <a:r>
+              <a:rPr lang="zh-TW" altLang="en-US" sz="6600" b="1" dirty="0" smtClean="0">
+                <a:solidFill>
+                  <a:srgbClr val="000066"/>
+                </a:solidFill>
+                <a:latin typeface="Microsoft JhengHei" panose="020B0604030504040204" pitchFamily="34" charset="-120"/>
+                <a:ea typeface="Microsoft JhengHei" panose="020B0604030504040204" pitchFamily="34" charset="-120"/>
+              </a:rPr>
+              <a:t>恨</a:t>
+            </a:r>
+            <a:r>
+              <a:rPr lang="zh-TW" altLang="en-US" sz="6600" b="1" dirty="0">
+                <a:solidFill>
+                  <a:srgbClr val="000066"/>
+                </a:solidFill>
+                <a:latin typeface="Microsoft JhengHei" panose="020B0604030504040204" pitchFamily="34" charset="-120"/>
+                <a:ea typeface="Microsoft JhengHei" panose="020B0604030504040204" pitchFamily="34" charset="-120"/>
+              </a:rPr>
+              <a:t>不免</a:t>
             </a:r>
             <a:endParaRPr lang="en-US" altLang="zh-TW" sz="6600" b="1" dirty="0">
               <a:solidFill>
@@ -12182,7 +12202,47 @@
                 <a:latin typeface="Microsoft JhengHei" panose="020B0604030504040204" pitchFamily="34" charset="-120"/>
                 <a:ea typeface="Microsoft JhengHei" panose="020B0604030504040204" pitchFamily="34" charset="-120"/>
               </a:rPr>
-              <a:t>間一切持倚</a:t>
+              <a:t>間一</a:t>
+            </a:r>
+            <a:r>
+              <a:rPr lang="zh-TW" altLang="en-US" sz="6600" b="1" dirty="0" smtClean="0">
+                <a:solidFill>
+                  <a:srgbClr val="000066"/>
+                </a:solidFill>
+                <a:latin typeface="Microsoft JhengHei" panose="020B0604030504040204" pitchFamily="34" charset="-120"/>
+                <a:ea typeface="Microsoft JhengHei" panose="020B0604030504040204" pitchFamily="34" charset="-120"/>
+              </a:rPr>
+              <a:t>切</a:t>
+            </a:r>
+            <a:r>
+              <a:rPr lang="zh-TW" altLang="en-US" sz="6600" b="1" dirty="0">
+                <a:solidFill>
+                  <a:srgbClr val="000066"/>
+                </a:solidFill>
+                <a:latin typeface="Microsoft JhengHei" panose="020B0604030504040204" pitchFamily="34" charset="-120"/>
+                <a:ea typeface="Microsoft JhengHei" panose="020B0604030504040204" pitchFamily="34" charset="-120"/>
+              </a:rPr>
+              <a:t>莫</a:t>
+            </a:r>
+            <a:r>
+              <a:rPr lang="zh-TW" altLang="en-US" sz="6600" b="1" dirty="0" smtClean="0">
+                <a:solidFill>
+                  <a:srgbClr val="000066"/>
+                </a:solidFill>
+                <a:latin typeface="Microsoft JhengHei" panose="020B0604030504040204" pitchFamily="34" charset="-120"/>
+                <a:ea typeface="Microsoft JhengHei" panose="020B0604030504040204" pitchFamily="34" charset="-120"/>
+              </a:rPr>
+              <a:t>持</a:t>
+            </a:r>
+            <a:r>
+              <a:rPr lang="zh-TW" altLang="en-US" sz="6600" b="1" dirty="0">
+                <a:solidFill>
+                  <a:srgbClr val="000066"/>
+                </a:solidFill>
+                <a:latin typeface="Microsoft JhengHei" panose="020B0604030504040204" pitchFamily="34" charset="-120"/>
+                <a:ea typeface="Microsoft JhengHei" panose="020B0604030504040204" pitchFamily="34" charset="-120"/>
+              </a:rPr>
+              <a:t>倚</a:t>
             </a:r>
             <a:endParaRPr lang="en-US" altLang="zh-TW" sz="6600" b="1" dirty="0">
               <a:solidFill>

--- a/中越詩歌/得失之間_Khoảnh khắc giữa được và mất.pptx
+++ b/中越詩歌/得失之間_Khoảnh khắc giữa được và mất.pptx
@@ -309,7 +309,7 @@
           <a:p>
             <a:fld id="{AF6752A0-A2A5-4603-BB50-7C74B4A6F9B4}" type="datetimeFigureOut">
               <a:rPr lang="vi-VN" smtClean="0"/>
-              <a:t>29/09/2022</a:t>
+              <a:t>28/10/2023</a:t>
             </a:fld>
             <a:endParaRPr lang="vi-VN"/>
           </a:p>
@@ -479,7 +479,7 @@
           <a:p>
             <a:fld id="{AF6752A0-A2A5-4603-BB50-7C74B4A6F9B4}" type="datetimeFigureOut">
               <a:rPr lang="vi-VN" smtClean="0"/>
-              <a:t>29/09/2022</a:t>
+              <a:t>28/10/2023</a:t>
             </a:fld>
             <a:endParaRPr lang="vi-VN"/>
           </a:p>
@@ -659,7 +659,7 @@
           <a:p>
             <a:fld id="{AF6752A0-A2A5-4603-BB50-7C74B4A6F9B4}" type="datetimeFigureOut">
               <a:rPr lang="vi-VN" smtClean="0"/>
-              <a:t>29/09/2022</a:t>
+              <a:t>28/10/2023</a:t>
             </a:fld>
             <a:endParaRPr lang="vi-VN"/>
           </a:p>
@@ -829,7 +829,7 @@
           <a:p>
             <a:fld id="{AF6752A0-A2A5-4603-BB50-7C74B4A6F9B4}" type="datetimeFigureOut">
               <a:rPr lang="vi-VN" smtClean="0"/>
-              <a:t>29/09/2022</a:t>
+              <a:t>28/10/2023</a:t>
             </a:fld>
             <a:endParaRPr lang="vi-VN"/>
           </a:p>
@@ -1075,7 +1075,7 @@
           <a:p>
             <a:fld id="{AF6752A0-A2A5-4603-BB50-7C74B4A6F9B4}" type="datetimeFigureOut">
               <a:rPr lang="vi-VN" smtClean="0"/>
-              <a:t>29/09/2022</a:t>
+              <a:t>28/10/2023</a:t>
             </a:fld>
             <a:endParaRPr lang="vi-VN"/>
           </a:p>
@@ -1363,7 +1363,7 @@
           <a:p>
             <a:fld id="{AF6752A0-A2A5-4603-BB50-7C74B4A6F9B4}" type="datetimeFigureOut">
               <a:rPr lang="vi-VN" smtClean="0"/>
-              <a:t>29/09/2022</a:t>
+              <a:t>28/10/2023</a:t>
             </a:fld>
             <a:endParaRPr lang="vi-VN"/>
           </a:p>
@@ -1785,7 +1785,7 @@
           <a:p>
             <a:fld id="{AF6752A0-A2A5-4603-BB50-7C74B4A6F9B4}" type="datetimeFigureOut">
               <a:rPr lang="vi-VN" smtClean="0"/>
-              <a:t>29/09/2022</a:t>
+              <a:t>28/10/2023</a:t>
             </a:fld>
             <a:endParaRPr lang="vi-VN"/>
           </a:p>
@@ -1903,7 +1903,7 @@
           <a:p>
             <a:fld id="{AF6752A0-A2A5-4603-BB50-7C74B4A6F9B4}" type="datetimeFigureOut">
               <a:rPr lang="vi-VN" smtClean="0"/>
-              <a:t>29/09/2022</a:t>
+              <a:t>28/10/2023</a:t>
             </a:fld>
             <a:endParaRPr lang="vi-VN"/>
           </a:p>
@@ -1998,7 +1998,7 @@
           <a:p>
             <a:fld id="{AF6752A0-A2A5-4603-BB50-7C74B4A6F9B4}" type="datetimeFigureOut">
               <a:rPr lang="vi-VN" smtClean="0"/>
-              <a:t>29/09/2022</a:t>
+              <a:t>28/10/2023</a:t>
             </a:fld>
             <a:endParaRPr lang="vi-VN"/>
           </a:p>
@@ -2275,7 +2275,7 @@
           <a:p>
             <a:fld id="{AF6752A0-A2A5-4603-BB50-7C74B4A6F9B4}" type="datetimeFigureOut">
               <a:rPr lang="vi-VN" smtClean="0"/>
-              <a:t>29/09/2022</a:t>
+              <a:t>28/10/2023</a:t>
             </a:fld>
             <a:endParaRPr lang="vi-VN"/>
           </a:p>
@@ -2532,7 +2532,7 @@
           <a:p>
             <a:fld id="{AF6752A0-A2A5-4603-BB50-7C74B4A6F9B4}" type="datetimeFigureOut">
               <a:rPr lang="vi-VN" smtClean="0"/>
-              <a:t>29/09/2022</a:t>
+              <a:t>28/10/2023</a:t>
             </a:fld>
             <a:endParaRPr lang="vi-VN"/>
           </a:p>
@@ -2750,7 +2750,7 @@
           <a:p>
             <a:fld id="{AF6752A0-A2A5-4603-BB50-7C74B4A6F9B4}" type="datetimeFigureOut">
               <a:rPr lang="vi-VN" smtClean="0"/>
-              <a:t>29/09/2022</a:t>
+              <a:t>28/10/2023</a:t>
             </a:fld>
             <a:endParaRPr lang="vi-VN"/>
           </a:p>
@@ -3730,7 +3730,7 @@
               <a:buNone/>
             </a:pPr>
             <a:r>
-              <a:rPr lang="fr-FR" sz="3200" b="1" dirty="0" err="1">
+              <a:rPr lang="fr-FR" sz="3600" b="1" dirty="0" err="1">
                 <a:solidFill>
                   <a:srgbClr val="660033"/>
                 </a:solidFill>
@@ -3742,19 +3742,19 @@
               <a:t>Không</a:t>
             </a:r>
             <a:r>
-              <a:rPr lang="fr-FR" sz="3200" b="1" dirty="0">
-                <a:solidFill>
-                  <a:srgbClr val="660033"/>
-                </a:solidFill>
-                <a:effectLst/>
-                <a:latin typeface="Calibri" panose="020F0502020204030204" pitchFamily="34" charset="0"/>
-                <a:ea typeface="微軟正黑體" pitchFamily="34" charset="-120"/>
-                <a:cs typeface="Calibri" panose="020F0502020204030204" pitchFamily="34" charset="0"/>
-              </a:rPr>
-              <a:t> </a:t>
-            </a:r>
-            <a:r>
-              <a:rPr lang="fr-FR" sz="3200" b="1" dirty="0" err="1">
+              <a:rPr lang="fr-FR" sz="3600" b="1" dirty="0">
+                <a:solidFill>
+                  <a:srgbClr val="660033"/>
+                </a:solidFill>
+                <a:effectLst/>
+                <a:latin typeface="Calibri" panose="020F0502020204030204" pitchFamily="34" charset="0"/>
+                <a:ea typeface="微軟正黑體" pitchFamily="34" charset="-120"/>
+                <a:cs typeface="Calibri" panose="020F0502020204030204" pitchFamily="34" charset="0"/>
+              </a:rPr>
+              <a:t> </a:t>
+            </a:r>
+            <a:r>
+              <a:rPr lang="fr-FR" sz="3600" b="1" dirty="0" err="1">
                 <a:solidFill>
                   <a:srgbClr val="660033"/>
                 </a:solidFill>
@@ -3766,19 +3766,19 @@
               <a:t>cần</a:t>
             </a:r>
             <a:r>
-              <a:rPr lang="fr-FR" sz="3200" b="1" dirty="0">
-                <a:solidFill>
-                  <a:srgbClr val="660033"/>
-                </a:solidFill>
-                <a:effectLst/>
-                <a:latin typeface="Calibri" panose="020F0502020204030204" pitchFamily="34" charset="0"/>
-                <a:ea typeface="微軟正黑體" pitchFamily="34" charset="-120"/>
-                <a:cs typeface="Calibri" panose="020F0502020204030204" pitchFamily="34" charset="0"/>
-              </a:rPr>
-              <a:t> </a:t>
-            </a:r>
-            <a:r>
-              <a:rPr lang="fr-FR" sz="3200" b="1" dirty="0" err="1">
+              <a:rPr lang="fr-FR" sz="3600" b="1" dirty="0">
+                <a:solidFill>
+                  <a:srgbClr val="660033"/>
+                </a:solidFill>
+                <a:effectLst/>
+                <a:latin typeface="Calibri" panose="020F0502020204030204" pitchFamily="34" charset="0"/>
+                <a:ea typeface="微軟正黑體" pitchFamily="34" charset="-120"/>
+                <a:cs typeface="Calibri" panose="020F0502020204030204" pitchFamily="34" charset="0"/>
+              </a:rPr>
+              <a:t> </a:t>
+            </a:r>
+            <a:r>
+              <a:rPr lang="fr-FR" sz="3600" b="1" dirty="0" err="1">
                 <a:solidFill>
                   <a:srgbClr val="660033"/>
                 </a:solidFill>
@@ -3790,19 +3790,19 @@
               <a:t>phải</a:t>
             </a:r>
             <a:r>
-              <a:rPr lang="fr-FR" sz="3200" b="1" dirty="0">
-                <a:solidFill>
-                  <a:srgbClr val="660033"/>
-                </a:solidFill>
-                <a:effectLst/>
-                <a:latin typeface="Calibri" panose="020F0502020204030204" pitchFamily="34" charset="0"/>
-                <a:ea typeface="微軟正黑體" pitchFamily="34" charset="-120"/>
-                <a:cs typeface="Calibri" panose="020F0502020204030204" pitchFamily="34" charset="0"/>
-              </a:rPr>
-              <a:t> </a:t>
-            </a:r>
-            <a:r>
-              <a:rPr lang="fr-FR" sz="3200" b="1" dirty="0" err="1">
+              <a:rPr lang="fr-FR" sz="3600" b="1" dirty="0">
+                <a:solidFill>
+                  <a:srgbClr val="660033"/>
+                </a:solidFill>
+                <a:effectLst/>
+                <a:latin typeface="Calibri" panose="020F0502020204030204" pitchFamily="34" charset="0"/>
+                <a:ea typeface="微軟正黑體" pitchFamily="34" charset="-120"/>
+                <a:cs typeface="Calibri" panose="020F0502020204030204" pitchFamily="34" charset="0"/>
+              </a:rPr>
+              <a:t> </a:t>
+            </a:r>
+            <a:r>
+              <a:rPr lang="fr-FR" sz="3600" b="1" dirty="0" err="1">
                 <a:solidFill>
                   <a:srgbClr val="660033"/>
                 </a:solidFill>
@@ -3814,19 +3814,19 @@
               <a:t>chờ</a:t>
             </a:r>
             <a:r>
-              <a:rPr lang="fr-FR" sz="3200" b="1" dirty="0">
-                <a:solidFill>
-                  <a:srgbClr val="660033"/>
-                </a:solidFill>
-                <a:effectLst/>
-                <a:latin typeface="Calibri" panose="020F0502020204030204" pitchFamily="34" charset="0"/>
-                <a:ea typeface="微軟正黑體" pitchFamily="34" charset="-120"/>
-                <a:cs typeface="Calibri" panose="020F0502020204030204" pitchFamily="34" charset="0"/>
-              </a:rPr>
-              <a:t> </a:t>
-            </a:r>
-            <a:r>
-              <a:rPr lang="fr-FR" sz="3200" b="1" dirty="0" err="1">
+              <a:rPr lang="fr-FR" sz="3600" b="1" dirty="0">
+                <a:solidFill>
+                  <a:srgbClr val="660033"/>
+                </a:solidFill>
+                <a:effectLst/>
+                <a:latin typeface="Calibri" panose="020F0502020204030204" pitchFamily="34" charset="0"/>
+                <a:ea typeface="微軟正黑體" pitchFamily="34" charset="-120"/>
+                <a:cs typeface="Calibri" panose="020F0502020204030204" pitchFamily="34" charset="0"/>
+              </a:rPr>
+              <a:t> </a:t>
+            </a:r>
+            <a:r>
+              <a:rPr lang="fr-FR" sz="3600" b="1" dirty="0" err="1">
                 <a:solidFill>
                   <a:srgbClr val="660033"/>
                 </a:solidFill>
@@ -3838,19 +3838,19 @@
               <a:t>đợi</a:t>
             </a:r>
             <a:r>
-              <a:rPr lang="fr-FR" sz="3200" b="1" dirty="0">
-                <a:solidFill>
-                  <a:srgbClr val="660033"/>
-                </a:solidFill>
-                <a:effectLst/>
-                <a:latin typeface="Calibri" panose="020F0502020204030204" pitchFamily="34" charset="0"/>
-                <a:ea typeface="微軟正黑體" pitchFamily="34" charset="-120"/>
-                <a:cs typeface="Calibri" panose="020F0502020204030204" pitchFamily="34" charset="0"/>
-              </a:rPr>
-              <a:t> </a:t>
-            </a:r>
-            <a:r>
-              <a:rPr lang="fr-FR" sz="3200" b="1" dirty="0" err="1">
+              <a:rPr lang="fr-FR" sz="3600" b="1" dirty="0">
+                <a:solidFill>
+                  <a:srgbClr val="660033"/>
+                </a:solidFill>
+                <a:effectLst/>
+                <a:latin typeface="Calibri" panose="020F0502020204030204" pitchFamily="34" charset="0"/>
+                <a:ea typeface="微軟正黑體" pitchFamily="34" charset="-120"/>
+                <a:cs typeface="Calibri" panose="020F0502020204030204" pitchFamily="34" charset="0"/>
+              </a:rPr>
+              <a:t> </a:t>
+            </a:r>
+            <a:r>
+              <a:rPr lang="fr-FR" sz="3600" b="1" dirty="0" err="1">
                 <a:solidFill>
                   <a:srgbClr val="660033"/>
                 </a:solidFill>
@@ -3862,19 +3862,19 @@
               <a:t>thêm</a:t>
             </a:r>
             <a:r>
-              <a:rPr lang="fr-FR" sz="3200" b="1" dirty="0">
-                <a:solidFill>
-                  <a:srgbClr val="660033"/>
-                </a:solidFill>
-                <a:effectLst/>
-                <a:latin typeface="Calibri" panose="020F0502020204030204" pitchFamily="34" charset="0"/>
-                <a:ea typeface="微軟正黑體" pitchFamily="34" charset="-120"/>
-                <a:cs typeface="Calibri" panose="020F0502020204030204" pitchFamily="34" charset="0"/>
-              </a:rPr>
-              <a:t> </a:t>
-            </a:r>
-            <a:r>
-              <a:rPr lang="fr-FR" sz="3200" b="1" dirty="0" err="1">
+              <a:rPr lang="fr-FR" sz="3600" b="1" dirty="0">
+                <a:solidFill>
+                  <a:srgbClr val="660033"/>
+                </a:solidFill>
+                <a:effectLst/>
+                <a:latin typeface="Calibri" panose="020F0502020204030204" pitchFamily="34" charset="0"/>
+                <a:ea typeface="微軟正黑體" pitchFamily="34" charset="-120"/>
+                <a:cs typeface="Calibri" panose="020F0502020204030204" pitchFamily="34" charset="0"/>
+              </a:rPr>
+              <a:t> </a:t>
+            </a:r>
+            <a:r>
+              <a:rPr lang="fr-FR" sz="3600" b="1" dirty="0" err="1">
                 <a:solidFill>
                   <a:srgbClr val="660033"/>
                 </a:solidFill>
@@ -3886,7 +3886,7 @@
               <a:t>nữa</a:t>
             </a:r>
             <a:r>
-              <a:rPr lang="fr-FR" sz="3200" b="1" dirty="0">
+              <a:rPr lang="fr-FR" sz="3600" b="1" dirty="0">
                 <a:solidFill>
                   <a:srgbClr val="660033"/>
                 </a:solidFill>
@@ -3898,7 +3898,7 @@
               <a:t>, </a:t>
             </a:r>
             <a:r>
-              <a:rPr lang="fr-FR" sz="3200" b="1" dirty="0" err="1">
+              <a:rPr lang="fr-FR" sz="3600" b="1" dirty="0" err="1">
                 <a:solidFill>
                   <a:srgbClr val="660033"/>
                 </a:solidFill>
@@ -3910,19 +3910,19 @@
               <a:t>Chúa</a:t>
             </a:r>
             <a:r>
-              <a:rPr lang="fr-FR" sz="3200" b="1" dirty="0">
-                <a:solidFill>
-                  <a:srgbClr val="660033"/>
-                </a:solidFill>
-                <a:effectLst/>
-                <a:latin typeface="Calibri" panose="020F0502020204030204" pitchFamily="34" charset="0"/>
-                <a:ea typeface="微軟正黑體" pitchFamily="34" charset="-120"/>
-                <a:cs typeface="Calibri" panose="020F0502020204030204" pitchFamily="34" charset="0"/>
-              </a:rPr>
-              <a:t> </a:t>
-            </a:r>
-            <a:r>
-              <a:rPr lang="fr-FR" sz="3200" b="1" dirty="0" err="1">
+              <a:rPr lang="fr-FR" sz="3600" b="1" dirty="0">
+                <a:solidFill>
+                  <a:srgbClr val="660033"/>
+                </a:solidFill>
+                <a:effectLst/>
+                <a:latin typeface="Calibri" panose="020F0502020204030204" pitchFamily="34" charset="0"/>
+                <a:ea typeface="微軟正黑體" pitchFamily="34" charset="-120"/>
+                <a:cs typeface="Calibri" panose="020F0502020204030204" pitchFamily="34" charset="0"/>
+              </a:rPr>
+              <a:t> </a:t>
+            </a:r>
+            <a:r>
+              <a:rPr lang="fr-FR" sz="3600" b="1" dirty="0" err="1">
                 <a:solidFill>
                   <a:srgbClr val="660033"/>
                 </a:solidFill>
@@ -3934,19 +3934,19 @@
               <a:t>đang</a:t>
             </a:r>
             <a:r>
-              <a:rPr lang="fr-FR" sz="3200" b="1" dirty="0">
-                <a:solidFill>
-                  <a:srgbClr val="660033"/>
-                </a:solidFill>
-                <a:effectLst/>
-                <a:latin typeface="Calibri" panose="020F0502020204030204" pitchFamily="34" charset="0"/>
-                <a:ea typeface="微軟正黑體" pitchFamily="34" charset="-120"/>
-                <a:cs typeface="Calibri" panose="020F0502020204030204" pitchFamily="34" charset="0"/>
-              </a:rPr>
-              <a:t> </a:t>
-            </a:r>
-            <a:r>
-              <a:rPr lang="fr-FR" sz="3200" b="1" dirty="0" err="1">
+              <a:rPr lang="fr-FR" sz="3600" b="1" dirty="0">
+                <a:solidFill>
+                  <a:srgbClr val="660033"/>
+                </a:solidFill>
+                <a:effectLst/>
+                <a:latin typeface="Calibri" panose="020F0502020204030204" pitchFamily="34" charset="0"/>
+                <a:ea typeface="微軟正黑體" pitchFamily="34" charset="-120"/>
+                <a:cs typeface="Calibri" panose="020F0502020204030204" pitchFamily="34" charset="0"/>
+              </a:rPr>
+              <a:t> </a:t>
+            </a:r>
+            <a:r>
+              <a:rPr lang="fr-FR" sz="3600" b="1" dirty="0" err="1">
                 <a:solidFill>
                   <a:srgbClr val="660033"/>
                 </a:solidFill>
@@ -3958,19 +3958,19 @@
               <a:t>chờ</a:t>
             </a:r>
             <a:r>
-              <a:rPr lang="fr-FR" sz="3200" b="1" dirty="0">
-                <a:solidFill>
-                  <a:srgbClr val="660033"/>
-                </a:solidFill>
-                <a:effectLst/>
-                <a:latin typeface="Calibri" panose="020F0502020204030204" pitchFamily="34" charset="0"/>
-                <a:ea typeface="微軟正黑體" pitchFamily="34" charset="-120"/>
-                <a:cs typeface="Calibri" panose="020F0502020204030204" pitchFamily="34" charset="0"/>
-              </a:rPr>
-              <a:t> </a:t>
-            </a:r>
-            <a:r>
-              <a:rPr lang="fr-FR" sz="3200" b="1" dirty="0" err="1">
+              <a:rPr lang="fr-FR" sz="3600" b="1" dirty="0">
+                <a:solidFill>
+                  <a:srgbClr val="660033"/>
+                </a:solidFill>
+                <a:effectLst/>
+                <a:latin typeface="Calibri" panose="020F0502020204030204" pitchFamily="34" charset="0"/>
+                <a:ea typeface="微軟正黑體" pitchFamily="34" charset="-120"/>
+                <a:cs typeface="Calibri" panose="020F0502020204030204" pitchFamily="34" charset="0"/>
+              </a:rPr>
+              <a:t> </a:t>
+            </a:r>
+            <a:r>
+              <a:rPr lang="fr-FR" sz="3600" b="1" dirty="0" err="1">
                 <a:solidFill>
                   <a:srgbClr val="660033"/>
                 </a:solidFill>
@@ -3982,19 +3982,19 @@
               <a:t>đợi</a:t>
             </a:r>
             <a:r>
-              <a:rPr lang="fr-FR" sz="3200" b="1" dirty="0">
-                <a:solidFill>
-                  <a:srgbClr val="660033"/>
-                </a:solidFill>
-                <a:effectLst/>
-                <a:latin typeface="Calibri" panose="020F0502020204030204" pitchFamily="34" charset="0"/>
-                <a:ea typeface="微軟正黑體" pitchFamily="34" charset="-120"/>
-                <a:cs typeface="Calibri" panose="020F0502020204030204" pitchFamily="34" charset="0"/>
-              </a:rPr>
-              <a:t> </a:t>
-            </a:r>
-            <a:r>
-              <a:rPr lang="fr-FR" sz="3200" b="1" dirty="0" err="1">
+              <a:rPr lang="fr-FR" sz="3600" b="1" dirty="0">
+                <a:solidFill>
+                  <a:srgbClr val="660033"/>
+                </a:solidFill>
+                <a:effectLst/>
+                <a:latin typeface="Calibri" panose="020F0502020204030204" pitchFamily="34" charset="0"/>
+                <a:ea typeface="微軟正黑體" pitchFamily="34" charset="-120"/>
+                <a:cs typeface="Calibri" panose="020F0502020204030204" pitchFamily="34" charset="0"/>
+              </a:rPr>
+              <a:t> </a:t>
+            </a:r>
+            <a:r>
+              <a:rPr lang="fr-FR" sz="3600" b="1" dirty="0" err="1">
                 <a:solidFill>
                   <a:srgbClr val="660033"/>
                 </a:solidFill>
@@ -4005,7 +4005,7 @@
               </a:rPr>
               <a:t>bạn</a:t>
             </a:r>
-            <a:endParaRPr lang="vi-VN" sz="3200" b="1" dirty="0">
+            <a:endParaRPr lang="vi-VN" sz="3600" b="1" dirty="0">
               <a:solidFill>
                 <a:srgbClr val="660033"/>
               </a:solidFill>
@@ -4026,7 +4026,7 @@
         <p:spPr>
           <a:xfrm>
             <a:off x="0" y="5157192"/>
-            <a:ext cx="12192000" cy="748988"/>
+            <a:ext cx="12192000" cy="646331"/>
           </a:xfrm>
           <a:prstGeom prst="rect">
             <a:avLst/>
@@ -4041,7 +4041,7 @@
           <a:p>
             <a:pPr algn="ctr"/>
             <a:r>
-              <a:rPr lang="en-US" sz="4267" b="1" dirty="0">
+              <a:rPr lang="en-US" sz="3600" b="1" dirty="0">
                 <a:solidFill>
                   <a:srgbClr val="000066"/>
                 </a:solidFill>
@@ -4050,33 +4050,24 @@
               <a:t>( </a:t>
             </a:r>
             <a:r>
-              <a:rPr lang="en-US" altLang="zh-CN" sz="4267" b="1" dirty="0" smtClean="0">
+              <a:rPr lang="en-US" altLang="zh-CN" sz="3600" b="1" dirty="0">
                 <a:solidFill>
                   <a:srgbClr val="000066"/>
                 </a:solidFill>
                 <a:ea typeface="Microsoft JhengHei" panose="020B0604030504040204" pitchFamily="34" charset="-120"/>
               </a:rPr>
-              <a:t>1</a:t>
-            </a:r>
-            <a:r>
-              <a:rPr lang="en-US" sz="4267" b="1" dirty="0" smtClean="0">
+              <a:t>1 / 2</a:t>
+            </a:r>
+            <a:r>
+              <a:rPr lang="en-US" sz="3600" b="1" dirty="0">
                 <a:solidFill>
                   <a:srgbClr val="000066"/>
                 </a:solidFill>
                 <a:ea typeface="Microsoft JhengHei" panose="020B0604030504040204" pitchFamily="34" charset="-120"/>
               </a:rPr>
-              <a:t> </a:t>
-            </a:r>
-            <a:r>
-              <a:rPr lang="en-US" sz="4267" b="1" dirty="0">
-                <a:solidFill>
-                  <a:srgbClr val="000066"/>
-                </a:solidFill>
-                <a:ea typeface="Microsoft JhengHei" panose="020B0604030504040204" pitchFamily="34" charset="-120"/>
-              </a:rPr>
-              <a:t>)</a:t>
-            </a:r>
-            <a:endParaRPr lang="vi-VN" sz="4267" b="1" dirty="0">
+              <a:t> )</a:t>
+            </a:r>
+            <a:endParaRPr lang="vi-VN" sz="3600" b="1" dirty="0">
               <a:solidFill>
                 <a:srgbClr val="000066"/>
               </a:solidFill>
@@ -4659,7 +4650,7 @@
         <p:spPr>
           <a:xfrm>
             <a:off x="0" y="5157192"/>
-            <a:ext cx="12192000" cy="748988"/>
+            <a:ext cx="12192000" cy="646331"/>
           </a:xfrm>
           <a:prstGeom prst="rect">
             <a:avLst/>
@@ -4674,7 +4665,7 @@
           <a:p>
             <a:pPr algn="ctr"/>
             <a:r>
-              <a:rPr lang="en-US" sz="4267" b="1" dirty="0">
+              <a:rPr lang="en-US" sz="3600" b="1" dirty="0">
                 <a:solidFill>
                   <a:srgbClr val="000066"/>
                 </a:solidFill>
@@ -4683,33 +4674,33 @@
               <a:t>( </a:t>
             </a:r>
             <a:r>
-              <a:rPr lang="en-US" altLang="zh-CN" sz="4267" b="1" dirty="0" smtClean="0">
+              <a:rPr lang="en-US" altLang="zh-CN" sz="3600" b="1" dirty="0">
                 <a:solidFill>
                   <a:srgbClr val="000066"/>
                 </a:solidFill>
                 <a:ea typeface="Microsoft JhengHei" panose="020B0604030504040204" pitchFamily="34" charset="-120"/>
               </a:rPr>
-              <a:t>2</a:t>
-            </a:r>
-            <a:r>
-              <a:rPr lang="en-US" sz="4267" b="1" dirty="0" smtClean="0">
+              <a:t>2 </a:t>
+            </a:r>
+            <a:r>
+              <a:rPr lang="en-US" altLang="zh-CN" sz="3600" b="1" dirty="0">
                 <a:solidFill>
                   <a:srgbClr val="000066"/>
                 </a:solidFill>
                 <a:ea typeface="Microsoft JhengHei" panose="020B0604030504040204" pitchFamily="34" charset="-120"/>
               </a:rPr>
-              <a:t> </a:t>
-            </a:r>
-            <a:r>
-              <a:rPr lang="en-US" sz="4267" b="1" dirty="0">
+              <a:t>/ 2</a:t>
+            </a:r>
+            <a:r>
+              <a:rPr lang="en-US" sz="3600" b="1" dirty="0">
                 <a:solidFill>
                   <a:srgbClr val="000066"/>
                 </a:solidFill>
                 <a:ea typeface="Microsoft JhengHei" panose="020B0604030504040204" pitchFamily="34" charset="-120"/>
               </a:rPr>
-              <a:t>)</a:t>
-            </a:r>
-            <a:endParaRPr lang="vi-VN" sz="4267" b="1" dirty="0">
+              <a:t> )</a:t>
+            </a:r>
+            <a:endParaRPr lang="vi-VN" sz="3600" b="1" dirty="0">
               <a:solidFill>
                 <a:srgbClr val="000066"/>
               </a:solidFill>
@@ -5340,7 +5331,7 @@
         <p:spPr>
           <a:xfrm>
             <a:off x="0" y="5157192"/>
-            <a:ext cx="12192000" cy="748988"/>
+            <a:ext cx="12192000" cy="646331"/>
           </a:xfrm>
           <a:prstGeom prst="rect">
             <a:avLst/>
@@ -5355,7 +5346,7 @@
           <a:p>
             <a:pPr algn="ctr"/>
             <a:r>
-              <a:rPr lang="en-US" sz="4267" b="1" dirty="0">
+              <a:rPr lang="en-US" sz="3600" b="1" dirty="0">
                 <a:solidFill>
                   <a:srgbClr val="000066"/>
                 </a:solidFill>
@@ -5364,33 +5355,24 @@
               <a:t>( </a:t>
             </a:r>
             <a:r>
-              <a:rPr lang="en-US" altLang="zh-CN" sz="4267" b="1" dirty="0" smtClean="0">
+              <a:rPr lang="en-US" altLang="zh-CN" sz="3600" b="1" dirty="0">
                 <a:solidFill>
                   <a:srgbClr val="000066"/>
                 </a:solidFill>
                 <a:ea typeface="Microsoft JhengHei" panose="020B0604030504040204" pitchFamily="34" charset="-120"/>
               </a:rPr>
-              <a:t>2</a:t>
-            </a:r>
-            <a:r>
-              <a:rPr lang="en-US" sz="4267" b="1" dirty="0" smtClean="0">
+              <a:t>2 / 2</a:t>
+            </a:r>
+            <a:r>
+              <a:rPr lang="en-US" sz="3600" b="1" dirty="0">
                 <a:solidFill>
                   <a:srgbClr val="000066"/>
                 </a:solidFill>
                 <a:ea typeface="Microsoft JhengHei" panose="020B0604030504040204" pitchFamily="34" charset="-120"/>
               </a:rPr>
-              <a:t> </a:t>
-            </a:r>
-            <a:r>
-              <a:rPr lang="en-US" sz="4267" b="1" dirty="0">
-                <a:solidFill>
-                  <a:srgbClr val="000066"/>
-                </a:solidFill>
-                <a:ea typeface="Microsoft JhengHei" panose="020B0604030504040204" pitchFamily="34" charset="-120"/>
-              </a:rPr>
-              <a:t>)</a:t>
-            </a:r>
-            <a:endParaRPr lang="vi-VN" sz="4267" b="1" dirty="0">
+              <a:t> )</a:t>
+            </a:r>
+            <a:endParaRPr lang="vi-VN" sz="3600" b="1" dirty="0">
               <a:solidFill>
                 <a:srgbClr val="000066"/>
               </a:solidFill>
@@ -5677,7 +5659,7 @@
               <a:buNone/>
             </a:pPr>
             <a:r>
-              <a:rPr lang="fr-FR" sz="3200" b="1" dirty="0" err="1">
+              <a:rPr lang="fr-FR" sz="3600" b="1" dirty="0" err="1">
                 <a:solidFill>
                   <a:srgbClr val="660033"/>
                 </a:solidFill>
@@ -5689,19 +5671,19 @@
               <a:t>Chúa</a:t>
             </a:r>
             <a:r>
-              <a:rPr lang="fr-FR" sz="3200" b="1" dirty="0">
-                <a:solidFill>
-                  <a:srgbClr val="660033"/>
-                </a:solidFill>
-                <a:effectLst/>
-                <a:latin typeface="Calibri" panose="020F0502020204030204" pitchFamily="34" charset="0"/>
-                <a:ea typeface="微軟正黑體" pitchFamily="34" charset="-120"/>
-                <a:cs typeface="Calibri" panose="020F0502020204030204" pitchFamily="34" charset="0"/>
-              </a:rPr>
-              <a:t> </a:t>
-            </a:r>
-            <a:r>
-              <a:rPr lang="fr-FR" sz="3200" b="1" dirty="0" err="1">
+              <a:rPr lang="fr-FR" sz="3600" b="1" dirty="0">
+                <a:solidFill>
+                  <a:srgbClr val="660033"/>
+                </a:solidFill>
+                <a:effectLst/>
+                <a:latin typeface="Calibri" panose="020F0502020204030204" pitchFamily="34" charset="0"/>
+                <a:ea typeface="微軟正黑體" pitchFamily="34" charset="-120"/>
+                <a:cs typeface="Calibri" panose="020F0502020204030204" pitchFamily="34" charset="0"/>
+              </a:rPr>
+              <a:t> </a:t>
+            </a:r>
+            <a:r>
+              <a:rPr lang="fr-FR" sz="3600" b="1" dirty="0" err="1">
                 <a:solidFill>
                   <a:srgbClr val="660033"/>
                 </a:solidFill>
@@ -5713,7 +5695,7 @@
               <a:t>Giê</a:t>
             </a:r>
             <a:r>
-              <a:rPr lang="fr-FR" sz="3200" b="1" dirty="0">
+              <a:rPr lang="fr-FR" sz="3600" b="1" dirty="0">
                 <a:solidFill>
                   <a:srgbClr val="660033"/>
                 </a:solidFill>
@@ -5725,7 +5707,7 @@
               <a:t>-su </a:t>
             </a:r>
             <a:r>
-              <a:rPr lang="fr-FR" sz="3200" b="1" dirty="0" err="1">
+              <a:rPr lang="fr-FR" sz="3600" b="1" dirty="0" err="1">
                 <a:solidFill>
                   <a:srgbClr val="660033"/>
                 </a:solidFill>
@@ -5737,19 +5719,19 @@
               <a:t>mong</a:t>
             </a:r>
             <a:r>
-              <a:rPr lang="fr-FR" sz="3200" b="1" dirty="0">
-                <a:solidFill>
-                  <a:srgbClr val="660033"/>
-                </a:solidFill>
-                <a:effectLst/>
-                <a:latin typeface="Calibri" panose="020F0502020204030204" pitchFamily="34" charset="0"/>
-                <a:ea typeface="微軟正黑體" pitchFamily="34" charset="-120"/>
-                <a:cs typeface="Calibri" panose="020F0502020204030204" pitchFamily="34" charset="0"/>
-              </a:rPr>
-              <a:t> </a:t>
-            </a:r>
-            <a:r>
-              <a:rPr lang="fr-FR" sz="3200" b="1" dirty="0" err="1">
+              <a:rPr lang="fr-FR" sz="3600" b="1" dirty="0">
+                <a:solidFill>
+                  <a:srgbClr val="660033"/>
+                </a:solidFill>
+                <a:effectLst/>
+                <a:latin typeface="Calibri" panose="020F0502020204030204" pitchFamily="34" charset="0"/>
+                <a:ea typeface="微軟正黑體" pitchFamily="34" charset="-120"/>
+                <a:cs typeface="Calibri" panose="020F0502020204030204" pitchFamily="34" charset="0"/>
+              </a:rPr>
+              <a:t> </a:t>
+            </a:r>
+            <a:r>
+              <a:rPr lang="fr-FR" sz="3600" b="1" dirty="0" err="1">
                 <a:solidFill>
                   <a:srgbClr val="660033"/>
                 </a:solidFill>
@@ -5761,19 +5743,19 @@
               <a:t>chờ</a:t>
             </a:r>
             <a:r>
-              <a:rPr lang="fr-FR" sz="3200" b="1" dirty="0">
-                <a:solidFill>
-                  <a:srgbClr val="660033"/>
-                </a:solidFill>
-                <a:effectLst/>
-                <a:latin typeface="Calibri" panose="020F0502020204030204" pitchFamily="34" charset="0"/>
-                <a:ea typeface="微軟正黑體" pitchFamily="34" charset="-120"/>
-                <a:cs typeface="Calibri" panose="020F0502020204030204" pitchFamily="34" charset="0"/>
-              </a:rPr>
-              <a:t> </a:t>
-            </a:r>
-            <a:r>
-              <a:rPr lang="fr-FR" sz="3200" b="1" dirty="0" err="1">
+              <a:rPr lang="fr-FR" sz="3600" b="1" dirty="0">
+                <a:solidFill>
+                  <a:srgbClr val="660033"/>
+                </a:solidFill>
+                <a:effectLst/>
+                <a:latin typeface="Calibri" panose="020F0502020204030204" pitchFamily="34" charset="0"/>
+                <a:ea typeface="微軟正黑體" pitchFamily="34" charset="-120"/>
+                <a:cs typeface="Calibri" panose="020F0502020204030204" pitchFamily="34" charset="0"/>
+              </a:rPr>
+              <a:t> </a:t>
+            </a:r>
+            <a:r>
+              <a:rPr lang="fr-FR" sz="3600" b="1" dirty="0" err="1">
                 <a:solidFill>
                   <a:srgbClr val="660033"/>
                 </a:solidFill>
@@ -5785,7 +5767,7 @@
               <a:t>bạn</a:t>
             </a:r>
             <a:r>
-              <a:rPr lang="fr-FR" sz="3200" b="1" dirty="0">
+              <a:rPr lang="fr-FR" sz="3600" b="1" dirty="0">
                 <a:solidFill>
                   <a:srgbClr val="660033"/>
                 </a:solidFill>
@@ -5797,7 +5779,7 @@
               <a:t>, </a:t>
             </a:r>
             <a:r>
-              <a:rPr lang="fr-FR" sz="3200" b="1" dirty="0" err="1">
+              <a:rPr lang="fr-FR" sz="3600" b="1" dirty="0" err="1">
                 <a:solidFill>
                   <a:srgbClr val="660033"/>
                 </a:solidFill>
@@ -5809,19 +5791,19 @@
               <a:t>hưởng</a:t>
             </a:r>
             <a:r>
-              <a:rPr lang="fr-FR" sz="3200" b="1" dirty="0">
-                <a:solidFill>
-                  <a:srgbClr val="660033"/>
-                </a:solidFill>
-                <a:effectLst/>
-                <a:latin typeface="Calibri" panose="020F0502020204030204" pitchFamily="34" charset="0"/>
-                <a:ea typeface="微軟正黑體" pitchFamily="34" charset="-120"/>
-                <a:cs typeface="Calibri" panose="020F0502020204030204" pitchFamily="34" charset="0"/>
-              </a:rPr>
-              <a:t> </a:t>
-            </a:r>
-            <a:r>
-              <a:rPr lang="fr-FR" sz="3200" b="1" dirty="0" err="1">
+              <a:rPr lang="fr-FR" sz="3600" b="1" dirty="0">
+                <a:solidFill>
+                  <a:srgbClr val="660033"/>
+                </a:solidFill>
+                <a:effectLst/>
+                <a:latin typeface="Calibri" panose="020F0502020204030204" pitchFamily="34" charset="0"/>
+                <a:ea typeface="微軟正黑體" pitchFamily="34" charset="-120"/>
+                <a:cs typeface="Calibri" panose="020F0502020204030204" pitchFamily="34" charset="0"/>
+              </a:rPr>
+              <a:t> </a:t>
+            </a:r>
+            <a:r>
+              <a:rPr lang="fr-FR" sz="3600" b="1" dirty="0" err="1">
                 <a:solidFill>
                   <a:srgbClr val="660033"/>
                 </a:solidFill>
@@ -5833,19 +5815,19 @@
               <a:t>được</a:t>
             </a:r>
             <a:r>
-              <a:rPr lang="fr-FR" sz="3200" b="1" dirty="0">
-                <a:solidFill>
-                  <a:srgbClr val="660033"/>
-                </a:solidFill>
-                <a:effectLst/>
-                <a:latin typeface="Calibri" panose="020F0502020204030204" pitchFamily="34" charset="0"/>
-                <a:ea typeface="微軟正黑體" pitchFamily="34" charset="-120"/>
-                <a:cs typeface="Calibri" panose="020F0502020204030204" pitchFamily="34" charset="0"/>
-              </a:rPr>
-              <a:t> </a:t>
-            </a:r>
-            <a:r>
-              <a:rPr lang="fr-FR" sz="3200" b="1" dirty="0" err="1">
+              <a:rPr lang="fr-FR" sz="3600" b="1" dirty="0">
+                <a:solidFill>
+                  <a:srgbClr val="660033"/>
+                </a:solidFill>
+                <a:effectLst/>
+                <a:latin typeface="Calibri" panose="020F0502020204030204" pitchFamily="34" charset="0"/>
+                <a:ea typeface="微軟正黑體" pitchFamily="34" charset="-120"/>
+                <a:cs typeface="Calibri" panose="020F0502020204030204" pitchFamily="34" charset="0"/>
+              </a:rPr>
+              <a:t> </a:t>
+            </a:r>
+            <a:r>
+              <a:rPr lang="fr-FR" sz="3600" b="1" dirty="0" err="1">
                 <a:solidFill>
                   <a:srgbClr val="660033"/>
                 </a:solidFill>
@@ -5857,19 +5839,19 @@
               <a:t>sự</a:t>
             </a:r>
             <a:r>
-              <a:rPr lang="fr-FR" sz="3200" b="1" dirty="0">
-                <a:solidFill>
-                  <a:srgbClr val="660033"/>
-                </a:solidFill>
-                <a:effectLst/>
-                <a:latin typeface="Calibri" panose="020F0502020204030204" pitchFamily="34" charset="0"/>
-                <a:ea typeface="微軟正黑體" pitchFamily="34" charset="-120"/>
-                <a:cs typeface="Calibri" panose="020F0502020204030204" pitchFamily="34" charset="0"/>
-              </a:rPr>
-              <a:t> </a:t>
-            </a:r>
-            <a:r>
-              <a:rPr lang="fr-FR" sz="3200" b="1" dirty="0" err="1">
+              <a:rPr lang="fr-FR" sz="3600" b="1" dirty="0">
+                <a:solidFill>
+                  <a:srgbClr val="660033"/>
+                </a:solidFill>
+                <a:effectLst/>
+                <a:latin typeface="Calibri" panose="020F0502020204030204" pitchFamily="34" charset="0"/>
+                <a:ea typeface="微軟正黑體" pitchFamily="34" charset="-120"/>
+                <a:cs typeface="Calibri" panose="020F0502020204030204" pitchFamily="34" charset="0"/>
+              </a:rPr>
+              <a:t> </a:t>
+            </a:r>
+            <a:r>
+              <a:rPr lang="fr-FR" sz="3600" b="1" dirty="0" err="1">
                 <a:solidFill>
                   <a:srgbClr val="660033"/>
                 </a:solidFill>
@@ -5881,19 +5863,19 @@
               <a:t>vui</a:t>
             </a:r>
             <a:r>
-              <a:rPr lang="fr-FR" sz="3200" b="1" dirty="0">
-                <a:solidFill>
-                  <a:srgbClr val="660033"/>
-                </a:solidFill>
-                <a:effectLst/>
-                <a:latin typeface="Calibri" panose="020F0502020204030204" pitchFamily="34" charset="0"/>
-                <a:ea typeface="微軟正黑體" pitchFamily="34" charset="-120"/>
-                <a:cs typeface="Calibri" panose="020F0502020204030204" pitchFamily="34" charset="0"/>
-              </a:rPr>
-              <a:t> </a:t>
-            </a:r>
-            <a:r>
-              <a:rPr lang="fr-FR" sz="3200" b="1" dirty="0" err="1">
+              <a:rPr lang="fr-FR" sz="3600" b="1" dirty="0">
+                <a:solidFill>
+                  <a:srgbClr val="660033"/>
+                </a:solidFill>
+                <a:effectLst/>
+                <a:latin typeface="Calibri" panose="020F0502020204030204" pitchFamily="34" charset="0"/>
+                <a:ea typeface="微軟正黑體" pitchFamily="34" charset="-120"/>
+                <a:cs typeface="Calibri" panose="020F0502020204030204" pitchFamily="34" charset="0"/>
+              </a:rPr>
+              <a:t> </a:t>
+            </a:r>
+            <a:r>
+              <a:rPr lang="fr-FR" sz="3600" b="1" dirty="0" err="1">
                 <a:solidFill>
                   <a:srgbClr val="660033"/>
                 </a:solidFill>
@@ -5904,7 +5886,7 @@
               </a:rPr>
               <a:t>mừng</a:t>
             </a:r>
-            <a:endParaRPr lang="vi-VN" sz="3200" b="1" dirty="0">
+            <a:endParaRPr lang="vi-VN" sz="3600" b="1" dirty="0">
               <a:solidFill>
                 <a:srgbClr val="660033"/>
               </a:solidFill>
@@ -5925,7 +5907,7 @@
         <p:spPr>
           <a:xfrm>
             <a:off x="0" y="5157192"/>
-            <a:ext cx="12192000" cy="748988"/>
+            <a:ext cx="12192000" cy="646331"/>
           </a:xfrm>
           <a:prstGeom prst="rect">
             <a:avLst/>
@@ -5940,7 +5922,7 @@
           <a:p>
             <a:pPr algn="ctr"/>
             <a:r>
-              <a:rPr lang="en-US" sz="4267" b="1" dirty="0">
+              <a:rPr lang="en-US" sz="3600" b="1" dirty="0">
                 <a:solidFill>
                   <a:srgbClr val="000066"/>
                 </a:solidFill>
@@ -5949,33 +5931,24 @@
               <a:t>( </a:t>
             </a:r>
             <a:r>
-              <a:rPr lang="en-US" altLang="zh-CN" sz="4267" b="1" dirty="0" smtClean="0">
+              <a:rPr lang="en-US" altLang="zh-CN" sz="3600" b="1" dirty="0">
                 <a:solidFill>
                   <a:srgbClr val="000066"/>
                 </a:solidFill>
                 <a:ea typeface="Microsoft JhengHei" panose="020B0604030504040204" pitchFamily="34" charset="-120"/>
               </a:rPr>
-              <a:t>2</a:t>
-            </a:r>
-            <a:r>
-              <a:rPr lang="en-US" sz="4267" b="1" dirty="0" smtClean="0">
+              <a:t>2 / 2</a:t>
+            </a:r>
+            <a:r>
+              <a:rPr lang="en-US" sz="3600" b="1" dirty="0">
                 <a:solidFill>
                   <a:srgbClr val="000066"/>
                 </a:solidFill>
                 <a:ea typeface="Microsoft JhengHei" panose="020B0604030504040204" pitchFamily="34" charset="-120"/>
               </a:rPr>
-              <a:t> </a:t>
-            </a:r>
-            <a:r>
-              <a:rPr lang="en-US" sz="4267" b="1" dirty="0">
-                <a:solidFill>
-                  <a:srgbClr val="000066"/>
-                </a:solidFill>
-                <a:ea typeface="Microsoft JhengHei" panose="020B0604030504040204" pitchFamily="34" charset="-120"/>
-              </a:rPr>
-              <a:t>)</a:t>
-            </a:r>
-            <a:endParaRPr lang="vi-VN" sz="4267" b="1" dirty="0">
+              <a:t> )</a:t>
+            </a:r>
+            <a:endParaRPr lang="vi-VN" sz="3600" b="1" dirty="0">
               <a:solidFill>
                 <a:srgbClr val="000066"/>
               </a:solidFill>
@@ -6262,7 +6235,7 @@
               <a:buNone/>
             </a:pPr>
             <a:r>
-              <a:rPr lang="fr-FR" sz="3200" b="1" dirty="0" err="1">
+              <a:rPr lang="fr-FR" sz="3000" b="1" dirty="0" err="1">
                 <a:solidFill>
                   <a:srgbClr val="660033"/>
                 </a:solidFill>
@@ -6274,19 +6247,19 @@
               <a:t>Bây</a:t>
             </a:r>
             <a:r>
-              <a:rPr lang="fr-FR" sz="3200" b="1" dirty="0">
-                <a:solidFill>
-                  <a:srgbClr val="660033"/>
-                </a:solidFill>
-                <a:effectLst/>
-                <a:latin typeface="Calibri" panose="020F0502020204030204" pitchFamily="34" charset="0"/>
-                <a:ea typeface="微軟正黑體" pitchFamily="34" charset="-120"/>
-                <a:cs typeface="Calibri" panose="020F0502020204030204" pitchFamily="34" charset="0"/>
-              </a:rPr>
-              <a:t> </a:t>
-            </a:r>
-            <a:r>
-              <a:rPr lang="fr-FR" sz="3200" b="1" dirty="0" err="1">
+              <a:rPr lang="fr-FR" sz="3000" b="1" dirty="0">
+                <a:solidFill>
+                  <a:srgbClr val="660033"/>
+                </a:solidFill>
+                <a:effectLst/>
+                <a:latin typeface="Calibri" panose="020F0502020204030204" pitchFamily="34" charset="0"/>
+                <a:ea typeface="微軟正黑體" pitchFamily="34" charset="-120"/>
+                <a:cs typeface="Calibri" panose="020F0502020204030204" pitchFamily="34" charset="0"/>
+              </a:rPr>
+              <a:t> </a:t>
+            </a:r>
+            <a:r>
+              <a:rPr lang="fr-FR" sz="3000" b="1" dirty="0" err="1">
                 <a:solidFill>
                   <a:srgbClr val="660033"/>
                 </a:solidFill>
@@ -6298,19 +6271,19 @@
               <a:t>giờ</a:t>
             </a:r>
             <a:r>
-              <a:rPr lang="fr-FR" sz="3200" b="1" dirty="0">
-                <a:solidFill>
-                  <a:srgbClr val="660033"/>
-                </a:solidFill>
-                <a:effectLst/>
-                <a:latin typeface="Calibri" panose="020F0502020204030204" pitchFamily="34" charset="0"/>
-                <a:ea typeface="微軟正黑體" pitchFamily="34" charset="-120"/>
-                <a:cs typeface="Calibri" panose="020F0502020204030204" pitchFamily="34" charset="0"/>
-              </a:rPr>
-              <a:t> </a:t>
-            </a:r>
-            <a:r>
-              <a:rPr lang="fr-FR" sz="3200" b="1" dirty="0" err="1">
+              <a:rPr lang="fr-FR" sz="3000" b="1" dirty="0">
+                <a:solidFill>
+                  <a:srgbClr val="660033"/>
+                </a:solidFill>
+                <a:effectLst/>
+                <a:latin typeface="Calibri" panose="020F0502020204030204" pitchFamily="34" charset="0"/>
+                <a:ea typeface="微軟正黑體" pitchFamily="34" charset="-120"/>
+                <a:cs typeface="Calibri" panose="020F0502020204030204" pitchFamily="34" charset="0"/>
+              </a:rPr>
+              <a:t> </a:t>
+            </a:r>
+            <a:r>
+              <a:rPr lang="fr-FR" sz="3000" b="1" dirty="0" err="1">
                 <a:solidFill>
                   <a:srgbClr val="660033"/>
                 </a:solidFill>
@@ -6322,19 +6295,19 @@
               <a:t>hãy</a:t>
             </a:r>
             <a:r>
-              <a:rPr lang="fr-FR" sz="3200" b="1" dirty="0">
-                <a:solidFill>
-                  <a:srgbClr val="660033"/>
-                </a:solidFill>
-                <a:effectLst/>
-                <a:latin typeface="Calibri" panose="020F0502020204030204" pitchFamily="34" charset="0"/>
-                <a:ea typeface="微軟正黑體" pitchFamily="34" charset="-120"/>
-                <a:cs typeface="Calibri" panose="020F0502020204030204" pitchFamily="34" charset="0"/>
-              </a:rPr>
-              <a:t> </a:t>
-            </a:r>
-            <a:r>
-              <a:rPr lang="fr-FR" sz="3200" b="1" dirty="0" err="1">
+              <a:rPr lang="fr-FR" sz="3000" b="1" dirty="0">
+                <a:solidFill>
+                  <a:srgbClr val="660033"/>
+                </a:solidFill>
+                <a:effectLst/>
+                <a:latin typeface="Calibri" panose="020F0502020204030204" pitchFamily="34" charset="0"/>
+                <a:ea typeface="微軟正黑體" pitchFamily="34" charset="-120"/>
+                <a:cs typeface="Calibri" panose="020F0502020204030204" pitchFamily="34" charset="0"/>
+              </a:rPr>
+              <a:t> </a:t>
+            </a:r>
+            <a:r>
+              <a:rPr lang="fr-FR" sz="3000" b="1" dirty="0" err="1">
                 <a:solidFill>
                   <a:srgbClr val="660033"/>
                 </a:solidFill>
@@ -6346,19 +6319,19 @@
               <a:t>bước</a:t>
             </a:r>
             <a:r>
-              <a:rPr lang="fr-FR" sz="3200" b="1" dirty="0">
-                <a:solidFill>
-                  <a:srgbClr val="660033"/>
-                </a:solidFill>
-                <a:effectLst/>
-                <a:latin typeface="Calibri" panose="020F0502020204030204" pitchFamily="34" charset="0"/>
-                <a:ea typeface="微軟正黑體" pitchFamily="34" charset="-120"/>
-                <a:cs typeface="Calibri" panose="020F0502020204030204" pitchFamily="34" charset="0"/>
-              </a:rPr>
-              <a:t> </a:t>
-            </a:r>
-            <a:r>
-              <a:rPr lang="fr-FR" sz="3200" b="1" dirty="0" err="1">
+              <a:rPr lang="fr-FR" sz="3000" b="1" dirty="0">
+                <a:solidFill>
+                  <a:srgbClr val="660033"/>
+                </a:solidFill>
+                <a:effectLst/>
+                <a:latin typeface="Calibri" panose="020F0502020204030204" pitchFamily="34" charset="0"/>
+                <a:ea typeface="微軟正黑體" pitchFamily="34" charset="-120"/>
+                <a:cs typeface="Calibri" panose="020F0502020204030204" pitchFamily="34" charset="0"/>
+              </a:rPr>
+              <a:t> </a:t>
+            </a:r>
+            <a:r>
+              <a:rPr lang="fr-FR" sz="3000" b="1" dirty="0" err="1">
                 <a:solidFill>
                   <a:srgbClr val="660033"/>
                 </a:solidFill>
@@ -6370,19 +6343,19 @@
               <a:t>đến</a:t>
             </a:r>
             <a:r>
-              <a:rPr lang="fr-FR" sz="3200" b="1" dirty="0">
-                <a:solidFill>
-                  <a:srgbClr val="660033"/>
-                </a:solidFill>
-                <a:effectLst/>
-                <a:latin typeface="Calibri" panose="020F0502020204030204" pitchFamily="34" charset="0"/>
-                <a:ea typeface="微軟正黑體" pitchFamily="34" charset="-120"/>
-                <a:cs typeface="Calibri" panose="020F0502020204030204" pitchFamily="34" charset="0"/>
-              </a:rPr>
-              <a:t> </a:t>
-            </a:r>
-            <a:r>
-              <a:rPr lang="fr-FR" sz="3200" b="1" dirty="0" err="1">
+              <a:rPr lang="fr-FR" sz="3000" b="1" dirty="0">
+                <a:solidFill>
+                  <a:srgbClr val="660033"/>
+                </a:solidFill>
+                <a:effectLst/>
+                <a:latin typeface="Calibri" panose="020F0502020204030204" pitchFamily="34" charset="0"/>
+                <a:ea typeface="微軟正黑體" pitchFamily="34" charset="-120"/>
+                <a:cs typeface="Calibri" panose="020F0502020204030204" pitchFamily="34" charset="0"/>
+              </a:rPr>
+              <a:t> </a:t>
+            </a:r>
+            <a:r>
+              <a:rPr lang="fr-FR" sz="3000" b="1" dirty="0" err="1">
                 <a:solidFill>
                   <a:srgbClr val="660033"/>
                 </a:solidFill>
@@ -6394,19 +6367,19 @@
               <a:t>nhận</a:t>
             </a:r>
             <a:r>
-              <a:rPr lang="fr-FR" sz="3200" b="1" dirty="0">
-                <a:solidFill>
-                  <a:srgbClr val="660033"/>
-                </a:solidFill>
-                <a:effectLst/>
-                <a:latin typeface="Calibri" panose="020F0502020204030204" pitchFamily="34" charset="0"/>
-                <a:ea typeface="微軟正黑體" pitchFamily="34" charset="-120"/>
-                <a:cs typeface="Calibri" panose="020F0502020204030204" pitchFamily="34" charset="0"/>
-              </a:rPr>
-              <a:t> </a:t>
-            </a:r>
-            <a:r>
-              <a:rPr lang="fr-FR" sz="3200" b="1" dirty="0" err="1">
+              <a:rPr lang="fr-FR" sz="3000" b="1" dirty="0">
+                <a:solidFill>
+                  <a:srgbClr val="660033"/>
+                </a:solidFill>
+                <a:effectLst/>
+                <a:latin typeface="Calibri" panose="020F0502020204030204" pitchFamily="34" charset="0"/>
+                <a:ea typeface="微軟正黑體" pitchFamily="34" charset="-120"/>
+                <a:cs typeface="Calibri" panose="020F0502020204030204" pitchFamily="34" charset="0"/>
+              </a:rPr>
+              <a:t> </a:t>
+            </a:r>
+            <a:r>
+              <a:rPr lang="fr-FR" sz="3000" b="1" dirty="0" err="1">
                 <a:solidFill>
                   <a:srgbClr val="660033"/>
                 </a:solidFill>
@@ -6418,19 +6391,19 @@
               <a:t>lãnh</a:t>
             </a:r>
             <a:r>
-              <a:rPr lang="fr-FR" sz="3200" b="1" dirty="0">
-                <a:solidFill>
-                  <a:srgbClr val="660033"/>
-                </a:solidFill>
-                <a:effectLst/>
-                <a:latin typeface="Calibri" panose="020F0502020204030204" pitchFamily="34" charset="0"/>
-                <a:ea typeface="微軟正黑體" pitchFamily="34" charset="-120"/>
-                <a:cs typeface="Calibri" panose="020F0502020204030204" pitchFamily="34" charset="0"/>
-              </a:rPr>
-              <a:t> </a:t>
-            </a:r>
-            <a:r>
-              <a:rPr lang="fr-FR" sz="3200" b="1" dirty="0" err="1">
+              <a:rPr lang="fr-FR" sz="3000" b="1" dirty="0">
+                <a:solidFill>
+                  <a:srgbClr val="660033"/>
+                </a:solidFill>
+                <a:effectLst/>
+                <a:latin typeface="Calibri" panose="020F0502020204030204" pitchFamily="34" charset="0"/>
+                <a:ea typeface="微軟正黑體" pitchFamily="34" charset="-120"/>
+                <a:cs typeface="Calibri" panose="020F0502020204030204" pitchFamily="34" charset="0"/>
+              </a:rPr>
+              <a:t> </a:t>
+            </a:r>
+            <a:r>
+              <a:rPr lang="fr-FR" sz="3000" b="1" dirty="0" err="1">
                 <a:solidFill>
                   <a:srgbClr val="660033"/>
                 </a:solidFill>
@@ -6442,19 +6415,19 @@
               <a:t>ơn</a:t>
             </a:r>
             <a:r>
-              <a:rPr lang="fr-FR" sz="3200" b="1" dirty="0">
-                <a:solidFill>
-                  <a:srgbClr val="660033"/>
-                </a:solidFill>
-                <a:effectLst/>
-                <a:latin typeface="Calibri" panose="020F0502020204030204" pitchFamily="34" charset="0"/>
-                <a:ea typeface="微軟正黑體" pitchFamily="34" charset="-120"/>
-                <a:cs typeface="Calibri" panose="020F0502020204030204" pitchFamily="34" charset="0"/>
-              </a:rPr>
-              <a:t> </a:t>
-            </a:r>
-            <a:r>
-              <a:rPr lang="fr-FR" sz="3200" b="1" dirty="0" err="1">
+              <a:rPr lang="fr-FR" sz="3000" b="1" dirty="0">
+                <a:solidFill>
+                  <a:srgbClr val="660033"/>
+                </a:solidFill>
+                <a:effectLst/>
+                <a:latin typeface="Calibri" panose="020F0502020204030204" pitchFamily="34" charset="0"/>
+                <a:ea typeface="微軟正黑體" pitchFamily="34" charset="-120"/>
+                <a:cs typeface="Calibri" panose="020F0502020204030204" pitchFamily="34" charset="0"/>
+              </a:rPr>
+              <a:t> </a:t>
+            </a:r>
+            <a:r>
+              <a:rPr lang="fr-FR" sz="3000" b="1" dirty="0" err="1">
                 <a:solidFill>
                   <a:srgbClr val="660033"/>
                 </a:solidFill>
@@ -6466,19 +6439,19 @@
               <a:t>cứu</a:t>
             </a:r>
             <a:r>
-              <a:rPr lang="fr-FR" sz="3200" b="1" dirty="0">
-                <a:solidFill>
-                  <a:srgbClr val="660033"/>
-                </a:solidFill>
-                <a:effectLst/>
-                <a:latin typeface="Calibri" panose="020F0502020204030204" pitchFamily="34" charset="0"/>
-                <a:ea typeface="微軟正黑體" pitchFamily="34" charset="-120"/>
-                <a:cs typeface="Calibri" panose="020F0502020204030204" pitchFamily="34" charset="0"/>
-              </a:rPr>
-              <a:t> </a:t>
-            </a:r>
-            <a:r>
-              <a:rPr lang="fr-FR" sz="3200" b="1" dirty="0" err="1">
+              <a:rPr lang="fr-FR" sz="3000" b="1" dirty="0">
+                <a:solidFill>
+                  <a:srgbClr val="660033"/>
+                </a:solidFill>
+                <a:effectLst/>
+                <a:latin typeface="Calibri" panose="020F0502020204030204" pitchFamily="34" charset="0"/>
+                <a:ea typeface="微軟正黑體" pitchFamily="34" charset="-120"/>
+                <a:cs typeface="Calibri" panose="020F0502020204030204" pitchFamily="34" charset="0"/>
+              </a:rPr>
+              <a:t> </a:t>
+            </a:r>
+            <a:r>
+              <a:rPr lang="fr-FR" sz="3000" b="1" dirty="0" err="1" smtClean="0">
                 <a:solidFill>
                   <a:srgbClr val="660033"/>
                 </a:solidFill>
@@ -6490,19 +6463,18 @@
               <a:t>rỗi</a:t>
             </a:r>
             <a:r>
-              <a:rPr lang="fr-FR" sz="3200" b="1" dirty="0">
-                <a:solidFill>
-                  <a:srgbClr val="660033"/>
-                </a:solidFill>
-                <a:effectLst/>
-                <a:latin typeface="Calibri" panose="020F0502020204030204" pitchFamily="34" charset="0"/>
-                <a:ea typeface="微軟正黑體" pitchFamily="34" charset="-120"/>
-                <a:cs typeface="Calibri" panose="020F0502020204030204" pitchFamily="34" charset="0"/>
-              </a:rPr>
-              <a:t>, </a:t>
-            </a:r>
-            <a:r>
-              <a:rPr lang="fr-FR" sz="3200" b="1" dirty="0" err="1">
+              <a:rPr lang="fr-FR" sz="3000" b="1" dirty="0">
+                <a:solidFill>
+                  <a:srgbClr val="660033"/>
+                </a:solidFill>
+                <a:latin typeface="Calibri" panose="020F0502020204030204" pitchFamily="34" charset="0"/>
+                <a:ea typeface="微軟正黑體" pitchFamily="34" charset="-120"/>
+                <a:cs typeface="Calibri" panose="020F0502020204030204" pitchFamily="34" charset="0"/>
+              </a:rPr>
+              <a:t> </a:t>
+            </a:r>
+            <a:r>
+              <a:rPr lang="fr-FR" sz="3000" b="1" dirty="0" err="1" smtClean="0">
                 <a:solidFill>
                   <a:srgbClr val="660033"/>
                 </a:solidFill>
@@ -6514,19 +6486,19 @@
               <a:t>khỏi</a:t>
             </a:r>
             <a:r>
-              <a:rPr lang="fr-FR" sz="3200" b="1" dirty="0">
-                <a:solidFill>
-                  <a:srgbClr val="660033"/>
-                </a:solidFill>
-                <a:effectLst/>
-                <a:latin typeface="Calibri" panose="020F0502020204030204" pitchFamily="34" charset="0"/>
-                <a:ea typeface="微軟正黑體" pitchFamily="34" charset="-120"/>
-                <a:cs typeface="Calibri" panose="020F0502020204030204" pitchFamily="34" charset="0"/>
-              </a:rPr>
-              <a:t> </a:t>
-            </a:r>
-            <a:r>
-              <a:rPr lang="fr-FR" sz="3200" b="1" dirty="0" err="1">
+              <a:rPr lang="fr-FR" sz="3000" b="1" dirty="0" smtClean="0">
+                <a:solidFill>
+                  <a:srgbClr val="660033"/>
+                </a:solidFill>
+                <a:effectLst/>
+                <a:latin typeface="Calibri" panose="020F0502020204030204" pitchFamily="34" charset="0"/>
+                <a:ea typeface="微軟正黑體" pitchFamily="34" charset="-120"/>
+                <a:cs typeface="Calibri" panose="020F0502020204030204" pitchFamily="34" charset="0"/>
+              </a:rPr>
+              <a:t> </a:t>
+            </a:r>
+            <a:r>
+              <a:rPr lang="fr-FR" sz="3000" b="1" dirty="0" err="1">
                 <a:solidFill>
                   <a:srgbClr val="660033"/>
                 </a:solidFill>
@@ -6538,19 +6510,19 @@
               <a:t>chịu</a:t>
             </a:r>
             <a:r>
-              <a:rPr lang="fr-FR" sz="3200" b="1" dirty="0">
-                <a:solidFill>
-                  <a:srgbClr val="660033"/>
-                </a:solidFill>
-                <a:effectLst/>
-                <a:latin typeface="Calibri" panose="020F0502020204030204" pitchFamily="34" charset="0"/>
-                <a:ea typeface="微軟正黑體" pitchFamily="34" charset="-120"/>
-                <a:cs typeface="Calibri" panose="020F0502020204030204" pitchFamily="34" charset="0"/>
-              </a:rPr>
-              <a:t> </a:t>
-            </a:r>
-            <a:r>
-              <a:rPr lang="fr-FR" sz="3200" b="1" dirty="0" err="1">
+              <a:rPr lang="fr-FR" sz="3000" b="1" dirty="0">
+                <a:solidFill>
+                  <a:srgbClr val="660033"/>
+                </a:solidFill>
+                <a:effectLst/>
+                <a:latin typeface="Calibri" panose="020F0502020204030204" pitchFamily="34" charset="0"/>
+                <a:ea typeface="微軟正黑體" pitchFamily="34" charset="-120"/>
+                <a:cs typeface="Calibri" panose="020F0502020204030204" pitchFamily="34" charset="0"/>
+              </a:rPr>
+              <a:t> </a:t>
+            </a:r>
+            <a:r>
+              <a:rPr lang="fr-FR" sz="3000" b="1" dirty="0" err="1">
                 <a:solidFill>
                   <a:srgbClr val="660033"/>
                 </a:solidFill>
@@ -6562,19 +6534,19 @@
               <a:t>hình</a:t>
             </a:r>
             <a:r>
-              <a:rPr lang="fr-FR" sz="3200" b="1" dirty="0">
-                <a:solidFill>
-                  <a:srgbClr val="660033"/>
-                </a:solidFill>
-                <a:effectLst/>
-                <a:latin typeface="Calibri" panose="020F0502020204030204" pitchFamily="34" charset="0"/>
-                <a:ea typeface="微軟正黑體" pitchFamily="34" charset="-120"/>
-                <a:cs typeface="Calibri" panose="020F0502020204030204" pitchFamily="34" charset="0"/>
-              </a:rPr>
-              <a:t> </a:t>
-            </a:r>
-            <a:r>
-              <a:rPr lang="fr-FR" sz="3200" b="1" dirty="0" err="1">
+              <a:rPr lang="fr-FR" sz="3000" b="1" dirty="0">
+                <a:solidFill>
+                  <a:srgbClr val="660033"/>
+                </a:solidFill>
+                <a:effectLst/>
+                <a:latin typeface="Calibri" panose="020F0502020204030204" pitchFamily="34" charset="0"/>
+                <a:ea typeface="微軟正黑體" pitchFamily="34" charset="-120"/>
+                <a:cs typeface="Calibri" panose="020F0502020204030204" pitchFamily="34" charset="0"/>
+              </a:rPr>
+              <a:t> </a:t>
+            </a:r>
+            <a:r>
+              <a:rPr lang="fr-FR" sz="3000" b="1" dirty="0" err="1">
                 <a:solidFill>
                   <a:srgbClr val="660033"/>
                 </a:solidFill>
@@ -6586,19 +6558,19 @@
               <a:t>phạt</a:t>
             </a:r>
             <a:r>
-              <a:rPr lang="fr-FR" sz="3200" b="1" dirty="0">
-                <a:solidFill>
-                  <a:srgbClr val="660033"/>
-                </a:solidFill>
-                <a:effectLst/>
-                <a:latin typeface="Calibri" panose="020F0502020204030204" pitchFamily="34" charset="0"/>
-                <a:ea typeface="微軟正黑體" pitchFamily="34" charset="-120"/>
-                <a:cs typeface="Calibri" panose="020F0502020204030204" pitchFamily="34" charset="0"/>
-              </a:rPr>
-              <a:t> </a:t>
-            </a:r>
-            <a:r>
-              <a:rPr lang="fr-FR" sz="3200" b="1" dirty="0" err="1">
+              <a:rPr lang="fr-FR" sz="3000" b="1" dirty="0">
+                <a:solidFill>
+                  <a:srgbClr val="660033"/>
+                </a:solidFill>
+                <a:effectLst/>
+                <a:latin typeface="Calibri" panose="020F0502020204030204" pitchFamily="34" charset="0"/>
+                <a:ea typeface="微軟正黑體" pitchFamily="34" charset="-120"/>
+                <a:cs typeface="Calibri" panose="020F0502020204030204" pitchFamily="34" charset="0"/>
+              </a:rPr>
+              <a:t> </a:t>
+            </a:r>
+            <a:r>
+              <a:rPr lang="fr-FR" sz="3000" b="1" dirty="0" err="1">
                 <a:solidFill>
                   <a:srgbClr val="660033"/>
                 </a:solidFill>
@@ -6610,19 +6582,19 @@
               <a:t>đời</a:t>
             </a:r>
             <a:r>
-              <a:rPr lang="fr-FR" sz="3200" b="1" dirty="0">
-                <a:solidFill>
-                  <a:srgbClr val="660033"/>
-                </a:solidFill>
-                <a:effectLst/>
-                <a:latin typeface="Calibri" panose="020F0502020204030204" pitchFamily="34" charset="0"/>
-                <a:ea typeface="微軟正黑體" pitchFamily="34" charset="-120"/>
-                <a:cs typeface="Calibri" panose="020F0502020204030204" pitchFamily="34" charset="0"/>
-              </a:rPr>
-              <a:t> </a:t>
-            </a:r>
-            <a:r>
-              <a:rPr lang="fr-FR" sz="3200" b="1" dirty="0" err="1">
+              <a:rPr lang="fr-FR" sz="3000" b="1" dirty="0">
+                <a:solidFill>
+                  <a:srgbClr val="660033"/>
+                </a:solidFill>
+                <a:effectLst/>
+                <a:latin typeface="Calibri" panose="020F0502020204030204" pitchFamily="34" charset="0"/>
+                <a:ea typeface="微軟正黑體" pitchFamily="34" charset="-120"/>
+                <a:cs typeface="Calibri" panose="020F0502020204030204" pitchFamily="34" charset="0"/>
+              </a:rPr>
+              <a:t> </a:t>
+            </a:r>
+            <a:r>
+              <a:rPr lang="fr-FR" sz="3000" b="1" dirty="0" err="1">
                 <a:solidFill>
                   <a:srgbClr val="660033"/>
                 </a:solidFill>
@@ -6633,7 +6605,7 @@
               </a:rPr>
               <a:t>đời</a:t>
             </a:r>
-            <a:endParaRPr lang="vi-VN" sz="3200" b="1" dirty="0">
+            <a:endParaRPr lang="vi-VN" sz="3000" b="1" dirty="0">
               <a:solidFill>
                 <a:srgbClr val="660033"/>
               </a:solidFill>
@@ -6654,7 +6626,7 @@
         <p:spPr>
           <a:xfrm>
             <a:off x="0" y="5157192"/>
-            <a:ext cx="12192000" cy="748988"/>
+            <a:ext cx="12192000" cy="646331"/>
           </a:xfrm>
           <a:prstGeom prst="rect">
             <a:avLst/>
@@ -6669,7 +6641,7 @@
           <a:p>
             <a:pPr algn="ctr"/>
             <a:r>
-              <a:rPr lang="en-US" sz="4267" b="1" dirty="0">
+              <a:rPr lang="en-US" sz="3600" b="1" dirty="0">
                 <a:solidFill>
                   <a:srgbClr val="000066"/>
                 </a:solidFill>
@@ -6678,33 +6650,24 @@
               <a:t>( </a:t>
             </a:r>
             <a:r>
-              <a:rPr lang="en-US" altLang="zh-CN" sz="4267" b="1" dirty="0" smtClean="0">
+              <a:rPr lang="en-US" altLang="zh-CN" sz="3600" b="1" dirty="0">
                 <a:solidFill>
                   <a:srgbClr val="000066"/>
                 </a:solidFill>
                 <a:ea typeface="Microsoft JhengHei" panose="020B0604030504040204" pitchFamily="34" charset="-120"/>
               </a:rPr>
-              <a:t>2</a:t>
-            </a:r>
-            <a:r>
-              <a:rPr lang="en-US" sz="4267" b="1" dirty="0" smtClean="0">
+              <a:t>2 / 2</a:t>
+            </a:r>
+            <a:r>
+              <a:rPr lang="en-US" sz="3600" b="1" dirty="0">
                 <a:solidFill>
                   <a:srgbClr val="000066"/>
                 </a:solidFill>
                 <a:ea typeface="Microsoft JhengHei" panose="020B0604030504040204" pitchFamily="34" charset="-120"/>
               </a:rPr>
-              <a:t> </a:t>
-            </a:r>
-            <a:r>
-              <a:rPr lang="en-US" sz="4267" b="1" dirty="0">
-                <a:solidFill>
-                  <a:srgbClr val="000066"/>
-                </a:solidFill>
-                <a:ea typeface="Microsoft JhengHei" panose="020B0604030504040204" pitchFamily="34" charset="-120"/>
-              </a:rPr>
-              <a:t>)</a:t>
-            </a:r>
-            <a:endParaRPr lang="vi-VN" sz="4267" b="1" dirty="0">
+              <a:t> )</a:t>
+            </a:r>
+            <a:endParaRPr lang="vi-VN" sz="3600" b="1" dirty="0">
               <a:solidFill>
                 <a:srgbClr val="000066"/>
               </a:solidFill>
@@ -7217,7 +7180,7 @@
         <p:spPr>
           <a:xfrm>
             <a:off x="0" y="5157192"/>
-            <a:ext cx="12192000" cy="748988"/>
+            <a:ext cx="12192000" cy="646331"/>
           </a:xfrm>
           <a:prstGeom prst="rect">
             <a:avLst/>
@@ -7232,7 +7195,7 @@
           <a:p>
             <a:pPr algn="ctr"/>
             <a:r>
-              <a:rPr lang="en-US" sz="4267" b="1" dirty="0">
+              <a:rPr lang="en-US" sz="3600" b="1" dirty="0">
                 <a:solidFill>
                   <a:srgbClr val="000066"/>
                 </a:solidFill>
@@ -7241,33 +7204,24 @@
               <a:t>( </a:t>
             </a:r>
             <a:r>
-              <a:rPr lang="en-US" altLang="zh-CN" sz="4267" b="1" dirty="0" smtClean="0">
+              <a:rPr lang="en-US" altLang="zh-CN" sz="3600" b="1" dirty="0">
                 <a:solidFill>
                   <a:srgbClr val="000066"/>
                 </a:solidFill>
                 <a:ea typeface="Microsoft JhengHei" panose="020B0604030504040204" pitchFamily="34" charset="-120"/>
               </a:rPr>
-              <a:t>2</a:t>
-            </a:r>
-            <a:r>
-              <a:rPr lang="en-US" sz="4267" b="1" dirty="0" smtClean="0">
+              <a:t>2 / 2</a:t>
+            </a:r>
+            <a:r>
+              <a:rPr lang="en-US" sz="3600" b="1" dirty="0">
                 <a:solidFill>
                   <a:srgbClr val="000066"/>
                 </a:solidFill>
                 <a:ea typeface="Microsoft JhengHei" panose="020B0604030504040204" pitchFamily="34" charset="-120"/>
               </a:rPr>
-              <a:t> </a:t>
-            </a:r>
-            <a:r>
-              <a:rPr lang="en-US" sz="4267" b="1" dirty="0">
-                <a:solidFill>
-                  <a:srgbClr val="000066"/>
-                </a:solidFill>
-                <a:ea typeface="Microsoft JhengHei" panose="020B0604030504040204" pitchFamily="34" charset="-120"/>
-              </a:rPr>
-              <a:t>)</a:t>
-            </a:r>
-            <a:endParaRPr lang="vi-VN" sz="4267" b="1" dirty="0">
+              <a:t> )</a:t>
+            </a:r>
+            <a:endParaRPr lang="vi-VN" sz="3600" b="1" dirty="0">
               <a:solidFill>
                 <a:srgbClr val="000066"/>
               </a:solidFill>
@@ -7524,59 +7478,120 @@
               <a:buNone/>
             </a:pPr>
             <a:r>
-              <a:rPr lang="fr-FR" sz="3600" b="1" dirty="0" err="1" smtClean="0">
-                <a:solidFill>
-                  <a:srgbClr val="660033"/>
-                </a:solidFill>
-                <a:effectLst/>
-                <a:latin typeface="Calibri" panose="020F0502020204030204" pitchFamily="34" charset="0"/>
-                <a:ea typeface="微軟正黑體" pitchFamily="34" charset="-120"/>
-                <a:cs typeface="Calibri" panose="020F0502020204030204" pitchFamily="34" charset="0"/>
-              </a:rPr>
-              <a:t>Những</a:t>
-            </a:r>
-            <a:r>
-              <a:rPr lang="fr-FR" sz="3600" b="1" dirty="0" smtClean="0">
-                <a:solidFill>
-                  <a:srgbClr val="660033"/>
-                </a:solidFill>
-                <a:effectLst/>
-                <a:latin typeface="Calibri" panose="020F0502020204030204" pitchFamily="34" charset="0"/>
-                <a:ea typeface="微軟正黑體" pitchFamily="34" charset="-120"/>
-                <a:cs typeface="Calibri" panose="020F0502020204030204" pitchFamily="34" charset="0"/>
-              </a:rPr>
-              <a:t> </a:t>
-            </a:r>
-            <a:r>
-              <a:rPr lang="fr-FR" sz="3600" b="1" dirty="0" err="1">
-                <a:solidFill>
-                  <a:srgbClr val="660033"/>
-                </a:solidFill>
-                <a:effectLst/>
-                <a:latin typeface="Calibri" panose="020F0502020204030204" pitchFamily="34" charset="0"/>
-                <a:ea typeface="微軟正黑體" pitchFamily="34" charset="-120"/>
-                <a:cs typeface="Calibri" panose="020F0502020204030204" pitchFamily="34" charset="0"/>
-              </a:rPr>
-              <a:t>điều</a:t>
-            </a:r>
-            <a:r>
-              <a:rPr lang="fr-FR" sz="3600" b="1" dirty="0">
-                <a:solidFill>
-                  <a:srgbClr val="660033"/>
-                </a:solidFill>
-                <a:effectLst/>
-                <a:latin typeface="Calibri" panose="020F0502020204030204" pitchFamily="34" charset="0"/>
-                <a:ea typeface="微軟正黑體" pitchFamily="34" charset="-120"/>
-                <a:cs typeface="Calibri" panose="020F0502020204030204" pitchFamily="34" charset="0"/>
-              </a:rPr>
-              <a:t> </a:t>
-            </a:r>
-            <a:r>
-              <a:rPr lang="fr-FR" sz="3600" b="1" dirty="0" err="1">
-                <a:solidFill>
-                  <a:srgbClr val="660033"/>
-                </a:solidFill>
-                <a:effectLst/>
+              <a:rPr lang="en-US" sz="3600" b="1" dirty="0" err="1">
+                <a:solidFill>
+                  <a:srgbClr val="660033"/>
+                </a:solidFill>
+                <a:latin typeface="Calibri" panose="020F0502020204030204" pitchFamily="34" charset="0"/>
+                <a:ea typeface="微軟正黑體" pitchFamily="34" charset="-120"/>
+                <a:cs typeface="Calibri" panose="020F0502020204030204" pitchFamily="34" charset="0"/>
+              </a:rPr>
+              <a:t>Thế</a:t>
+            </a:r>
+            <a:r>
+              <a:rPr lang="en-US" sz="3600" b="1" dirty="0">
+                <a:solidFill>
+                  <a:srgbClr val="660033"/>
+                </a:solidFill>
+                <a:latin typeface="Calibri" panose="020F0502020204030204" pitchFamily="34" charset="0"/>
+                <a:ea typeface="微軟正黑體" pitchFamily="34" charset="-120"/>
+                <a:cs typeface="Calibri" panose="020F0502020204030204" pitchFamily="34" charset="0"/>
+              </a:rPr>
+              <a:t> </a:t>
+            </a:r>
+            <a:r>
+              <a:rPr lang="en-US" sz="3600" b="1" dirty="0" err="1">
+                <a:solidFill>
+                  <a:srgbClr val="660033"/>
+                </a:solidFill>
+                <a:latin typeface="Calibri" panose="020F0502020204030204" pitchFamily="34" charset="0"/>
+                <a:ea typeface="微軟正黑體" pitchFamily="34" charset="-120"/>
+                <a:cs typeface="Calibri" panose="020F0502020204030204" pitchFamily="34" charset="0"/>
+              </a:rPr>
+              <a:t>gian</a:t>
+            </a:r>
+            <a:r>
+              <a:rPr lang="en-US" sz="3600" b="1" dirty="0">
+                <a:solidFill>
+                  <a:srgbClr val="660033"/>
+                </a:solidFill>
+                <a:latin typeface="Calibri" panose="020F0502020204030204" pitchFamily="34" charset="0"/>
+                <a:ea typeface="微軟正黑體" pitchFamily="34" charset="-120"/>
+                <a:cs typeface="Calibri" panose="020F0502020204030204" pitchFamily="34" charset="0"/>
+              </a:rPr>
+              <a:t> </a:t>
+            </a:r>
+            <a:r>
+              <a:rPr lang="en-US" sz="3600" b="1" dirty="0" err="1">
+                <a:solidFill>
+                  <a:srgbClr val="660033"/>
+                </a:solidFill>
+                <a:latin typeface="Calibri" panose="020F0502020204030204" pitchFamily="34" charset="0"/>
+                <a:ea typeface="微軟正黑體" pitchFamily="34" charset="-120"/>
+                <a:cs typeface="Calibri" panose="020F0502020204030204" pitchFamily="34" charset="0"/>
+              </a:rPr>
+              <a:t>có</a:t>
+            </a:r>
+            <a:r>
+              <a:rPr lang="en-US" sz="3600" b="1" dirty="0">
+                <a:solidFill>
+                  <a:srgbClr val="660033"/>
+                </a:solidFill>
+                <a:latin typeface="Calibri" panose="020F0502020204030204" pitchFamily="34" charset="0"/>
+                <a:ea typeface="微軟正黑體" pitchFamily="34" charset="-120"/>
+                <a:cs typeface="Calibri" panose="020F0502020204030204" pitchFamily="34" charset="0"/>
+              </a:rPr>
+              <a:t> </a:t>
+            </a:r>
+            <a:r>
+              <a:rPr lang="en-US" sz="3600" b="1" dirty="0" err="1">
+                <a:solidFill>
+                  <a:srgbClr val="660033"/>
+                </a:solidFill>
+                <a:latin typeface="Calibri" panose="020F0502020204030204" pitchFamily="34" charset="0"/>
+                <a:ea typeface="微軟正黑體" pitchFamily="34" charset="-120"/>
+                <a:cs typeface="Calibri" panose="020F0502020204030204" pitchFamily="34" charset="0"/>
+              </a:rPr>
+              <a:t>nhiều</a:t>
+            </a:r>
+            <a:r>
+              <a:rPr lang="en-US" sz="3600" b="1" dirty="0">
+                <a:solidFill>
+                  <a:srgbClr val="660033"/>
+                </a:solidFill>
+                <a:latin typeface="Calibri" panose="020F0502020204030204" pitchFamily="34" charset="0"/>
+                <a:ea typeface="微軟正黑體" pitchFamily="34" charset="-120"/>
+                <a:cs typeface="Calibri" panose="020F0502020204030204" pitchFamily="34" charset="0"/>
+              </a:rPr>
+              <a:t> </a:t>
+            </a:r>
+            <a:r>
+              <a:rPr lang="en-US" sz="3600" b="1" dirty="0" err="1">
+                <a:solidFill>
+                  <a:srgbClr val="660033"/>
+                </a:solidFill>
+                <a:latin typeface="Calibri" panose="020F0502020204030204" pitchFamily="34" charset="0"/>
+                <a:ea typeface="微軟正黑體" pitchFamily="34" charset="-120"/>
+                <a:cs typeface="Calibri" panose="020F0502020204030204" pitchFamily="34" charset="0"/>
+              </a:rPr>
+              <a:t>thứ</a:t>
+            </a:r>
+            <a:r>
+              <a:rPr lang="en-US" sz="3600" b="1" dirty="0">
+                <a:solidFill>
+                  <a:srgbClr val="660033"/>
+                </a:solidFill>
+                <a:latin typeface="Calibri" panose="020F0502020204030204" pitchFamily="34" charset="0"/>
+                <a:ea typeface="微軟正黑體" pitchFamily="34" charset="-120"/>
+                <a:cs typeface="Calibri" panose="020F0502020204030204" pitchFamily="34" charset="0"/>
+              </a:rPr>
+              <a:t> </a:t>
+            </a:r>
+            <a:r>
+              <a:rPr lang="en-US" sz="3600" b="1" dirty="0" err="1">
+                <a:solidFill>
+                  <a:srgbClr val="660033"/>
+                </a:solidFill>
                 <a:latin typeface="Calibri" panose="020F0502020204030204" pitchFamily="34" charset="0"/>
                 <a:ea typeface="微軟正黑體" pitchFamily="34" charset="-120"/>
                 <a:cs typeface="Calibri" panose="020F0502020204030204" pitchFamily="34" charset="0"/>
@@ -7584,106 +7599,31 @@
               <a:t>hư</a:t>
             </a:r>
             <a:r>
-              <a:rPr lang="fr-FR" sz="3600" b="1" dirty="0">
-                <a:solidFill>
-                  <a:srgbClr val="660033"/>
-                </a:solidFill>
-                <a:effectLst/>
-                <a:latin typeface="Calibri" panose="020F0502020204030204" pitchFamily="34" charset="0"/>
-                <a:ea typeface="微軟正黑體" pitchFamily="34" charset="-120"/>
-                <a:cs typeface="Calibri" panose="020F0502020204030204" pitchFamily="34" charset="0"/>
-              </a:rPr>
-              <a:t> </a:t>
-            </a:r>
-            <a:r>
-              <a:rPr lang="fr-FR" sz="3600" b="1" dirty="0" err="1">
-                <a:solidFill>
-                  <a:srgbClr val="660033"/>
-                </a:solidFill>
-                <a:effectLst/>
+              <a:rPr lang="en-US" sz="3600" b="1" dirty="0">
+                <a:solidFill>
+                  <a:srgbClr val="660033"/>
+                </a:solidFill>
+                <a:latin typeface="Calibri" panose="020F0502020204030204" pitchFamily="34" charset="0"/>
+                <a:ea typeface="微軟正黑體" pitchFamily="34" charset="-120"/>
+                <a:cs typeface="Calibri" panose="020F0502020204030204" pitchFamily="34" charset="0"/>
+              </a:rPr>
+              <a:t> </a:t>
+            </a:r>
+            <a:r>
+              <a:rPr lang="en-US" sz="3600" b="1" dirty="0" err="1">
+                <a:solidFill>
+                  <a:srgbClr val="660033"/>
+                </a:solidFill>
                 <a:latin typeface="Calibri" panose="020F0502020204030204" pitchFamily="34" charset="0"/>
                 <a:ea typeface="微軟正黑體" pitchFamily="34" charset="-120"/>
                 <a:cs typeface="Calibri" panose="020F0502020204030204" pitchFamily="34" charset="0"/>
               </a:rPr>
               <a:t>vô</a:t>
-            </a:r>
-            <a:r>
-              <a:rPr lang="fr-FR" sz="3600" b="1" dirty="0">
-                <a:solidFill>
-                  <a:srgbClr val="660033"/>
-                </a:solidFill>
-                <a:effectLst/>
-                <a:latin typeface="Calibri" panose="020F0502020204030204" pitchFamily="34" charset="0"/>
-                <a:ea typeface="微軟正黑體" pitchFamily="34" charset="-120"/>
-                <a:cs typeface="Calibri" panose="020F0502020204030204" pitchFamily="34" charset="0"/>
-              </a:rPr>
-              <a:t> </a:t>
-            </a:r>
-            <a:r>
-              <a:rPr lang="fr-FR" sz="3600" b="1" dirty="0" err="1">
-                <a:solidFill>
-                  <a:srgbClr val="660033"/>
-                </a:solidFill>
-                <a:effectLst/>
-                <a:latin typeface="Calibri" panose="020F0502020204030204" pitchFamily="34" charset="0"/>
-                <a:ea typeface="微軟正黑體" pitchFamily="34" charset="-120"/>
-                <a:cs typeface="Calibri" panose="020F0502020204030204" pitchFamily="34" charset="0"/>
-              </a:rPr>
-              <a:t>trong</a:t>
-            </a:r>
-            <a:r>
-              <a:rPr lang="fr-FR" sz="3600" b="1" dirty="0">
-                <a:solidFill>
-                  <a:srgbClr val="660033"/>
-                </a:solidFill>
-                <a:effectLst/>
-                <a:latin typeface="Calibri" panose="020F0502020204030204" pitchFamily="34" charset="0"/>
-                <a:ea typeface="微軟正黑體" pitchFamily="34" charset="-120"/>
-                <a:cs typeface="Calibri" panose="020F0502020204030204" pitchFamily="34" charset="0"/>
-              </a:rPr>
-              <a:t> </a:t>
-            </a:r>
-            <a:r>
-              <a:rPr lang="fr-FR" sz="3600" b="1" dirty="0" err="1">
-                <a:solidFill>
-                  <a:srgbClr val="660033"/>
-                </a:solidFill>
-                <a:effectLst/>
-                <a:latin typeface="Calibri" panose="020F0502020204030204" pitchFamily="34" charset="0"/>
-                <a:ea typeface="微軟正黑體" pitchFamily="34" charset="-120"/>
-                <a:cs typeface="Calibri" panose="020F0502020204030204" pitchFamily="34" charset="0"/>
-              </a:rPr>
-              <a:t>thế</a:t>
-            </a:r>
-            <a:r>
-              <a:rPr lang="fr-FR" sz="3600" b="1" dirty="0">
-                <a:solidFill>
-                  <a:srgbClr val="660033"/>
-                </a:solidFill>
-                <a:effectLst/>
-                <a:latin typeface="Calibri" panose="020F0502020204030204" pitchFamily="34" charset="0"/>
-                <a:ea typeface="微軟正黑體" pitchFamily="34" charset="-120"/>
-                <a:cs typeface="Calibri" panose="020F0502020204030204" pitchFamily="34" charset="0"/>
-              </a:rPr>
-              <a:t> </a:t>
-            </a:r>
-            <a:r>
-              <a:rPr lang="fr-FR" sz="3600" b="1" dirty="0" err="1">
-                <a:solidFill>
-                  <a:srgbClr val="660033"/>
-                </a:solidFill>
-                <a:effectLst/>
-                <a:latin typeface="Calibri" panose="020F0502020204030204" pitchFamily="34" charset="0"/>
-                <a:ea typeface="微軟正黑體" pitchFamily="34" charset="-120"/>
-                <a:cs typeface="Calibri" panose="020F0502020204030204" pitchFamily="34" charset="0"/>
-              </a:rPr>
-              <a:t>gian</a:t>
             </a:r>
             <a:endParaRPr lang="vi-VN" sz="3600" b="1" dirty="0">
               <a:solidFill>
                 <a:srgbClr val="660033"/>
               </a:solidFill>
-              <a:effectLst/>
               <a:latin typeface="Calibri" panose="020F0502020204030204" pitchFamily="34" charset="0"/>
               <a:ea typeface="微軟正黑體" pitchFamily="34" charset="-120"/>
               <a:cs typeface="Calibri" panose="020F0502020204030204" pitchFamily="34" charset="0"/>
@@ -7700,7 +7640,7 @@
         <p:spPr>
           <a:xfrm>
             <a:off x="0" y="5157192"/>
-            <a:ext cx="12192000" cy="748988"/>
+            <a:ext cx="12192000" cy="646331"/>
           </a:xfrm>
           <a:prstGeom prst="rect">
             <a:avLst/>
@@ -7715,7 +7655,7 @@
           <a:p>
             <a:pPr algn="ctr"/>
             <a:r>
-              <a:rPr lang="en-US" sz="4267" b="1" dirty="0">
+              <a:rPr lang="en-US" sz="3600" b="1" dirty="0">
                 <a:solidFill>
                   <a:srgbClr val="000066"/>
                 </a:solidFill>
@@ -7724,33 +7664,24 @@
               <a:t>( </a:t>
             </a:r>
             <a:r>
-              <a:rPr lang="en-US" altLang="zh-CN" sz="4267" b="1" dirty="0" smtClean="0">
+              <a:rPr lang="en-US" altLang="zh-CN" sz="3600" b="1" dirty="0">
                 <a:solidFill>
                   <a:srgbClr val="000066"/>
                 </a:solidFill>
                 <a:ea typeface="Microsoft JhengHei" panose="020B0604030504040204" pitchFamily="34" charset="-120"/>
               </a:rPr>
-              <a:t>2</a:t>
-            </a:r>
-            <a:r>
-              <a:rPr lang="en-US" sz="4267" b="1" dirty="0" smtClean="0">
+              <a:t>2 / 2</a:t>
+            </a:r>
+            <a:r>
+              <a:rPr lang="en-US" sz="3600" b="1" dirty="0">
                 <a:solidFill>
                   <a:srgbClr val="000066"/>
                 </a:solidFill>
                 <a:ea typeface="Microsoft JhengHei" panose="020B0604030504040204" pitchFamily="34" charset="-120"/>
               </a:rPr>
-              <a:t> </a:t>
-            </a:r>
-            <a:r>
-              <a:rPr lang="en-US" sz="4267" b="1" dirty="0">
-                <a:solidFill>
-                  <a:srgbClr val="000066"/>
-                </a:solidFill>
-                <a:ea typeface="Microsoft JhengHei" panose="020B0604030504040204" pitchFamily="34" charset="-120"/>
-              </a:rPr>
-              <a:t>)</a:t>
-            </a:r>
-            <a:endParaRPr lang="vi-VN" sz="4267" b="1" dirty="0">
+              <a:t> )</a:t>
+            </a:r>
+            <a:endParaRPr lang="vi-VN" sz="3600" b="1" dirty="0">
               <a:solidFill>
                 <a:srgbClr val="000066"/>
               </a:solidFill>
@@ -8037,35 +7968,98 @@
               <a:buNone/>
             </a:pPr>
             <a:r>
-              <a:rPr lang="fr-FR" sz="3200" b="1" dirty="0" err="1">
-                <a:solidFill>
-                  <a:srgbClr val="660033"/>
-                </a:solidFill>
-                <a:effectLst/>
-                <a:latin typeface="Calibri" panose="020F0502020204030204" pitchFamily="34" charset="0"/>
-                <a:ea typeface="微軟正黑體" pitchFamily="34" charset="-120"/>
-                <a:cs typeface="Calibri" panose="020F0502020204030204" pitchFamily="34" charset="0"/>
-              </a:rPr>
-              <a:t>Chớp</a:t>
-            </a:r>
-            <a:r>
-              <a:rPr lang="fr-FR" sz="3200" b="1" dirty="0">
-                <a:solidFill>
-                  <a:srgbClr val="660033"/>
-                </a:solidFill>
-                <a:effectLst/>
-                <a:latin typeface="Calibri" panose="020F0502020204030204" pitchFamily="34" charset="0"/>
-                <a:ea typeface="微軟正黑體" pitchFamily="34" charset="-120"/>
-                <a:cs typeface="Calibri" panose="020F0502020204030204" pitchFamily="34" charset="0"/>
-              </a:rPr>
-              <a:t> </a:t>
-            </a:r>
-            <a:r>
-              <a:rPr lang="fr-FR" sz="3200" b="1" dirty="0" err="1">
-                <a:solidFill>
-                  <a:srgbClr val="660033"/>
-                </a:solidFill>
-                <a:effectLst/>
+              <a:rPr lang="en-US" sz="3000" b="1" dirty="0" err="1">
+                <a:solidFill>
+                  <a:srgbClr val="660033"/>
+                </a:solidFill>
+                <a:latin typeface="Calibri" panose="020F0502020204030204" pitchFamily="34" charset="0"/>
+                <a:ea typeface="微軟正黑體" pitchFamily="34" charset="-120"/>
+                <a:cs typeface="Calibri" panose="020F0502020204030204" pitchFamily="34" charset="0"/>
+              </a:rPr>
+              <a:t>Cơ</a:t>
+            </a:r>
+            <a:r>
+              <a:rPr lang="en-US" sz="3000" b="1" dirty="0">
+                <a:solidFill>
+                  <a:srgbClr val="660033"/>
+                </a:solidFill>
+                <a:latin typeface="Calibri" panose="020F0502020204030204" pitchFamily="34" charset="0"/>
+                <a:ea typeface="微軟正黑體" pitchFamily="34" charset="-120"/>
+                <a:cs typeface="Calibri" panose="020F0502020204030204" pitchFamily="34" charset="0"/>
+              </a:rPr>
+              <a:t> </a:t>
+            </a:r>
+            <a:r>
+              <a:rPr lang="en-US" sz="3000" b="1" dirty="0" err="1">
+                <a:solidFill>
+                  <a:srgbClr val="660033"/>
+                </a:solidFill>
+                <a:latin typeface="Calibri" panose="020F0502020204030204" pitchFamily="34" charset="0"/>
+                <a:ea typeface="微軟正黑體" pitchFamily="34" charset="-120"/>
+                <a:cs typeface="Calibri" panose="020F0502020204030204" pitchFamily="34" charset="0"/>
+              </a:rPr>
+              <a:t>hội</a:t>
+            </a:r>
+            <a:r>
+              <a:rPr lang="en-US" sz="3000" b="1" dirty="0">
+                <a:solidFill>
+                  <a:srgbClr val="660033"/>
+                </a:solidFill>
+                <a:latin typeface="Calibri" panose="020F0502020204030204" pitchFamily="34" charset="0"/>
+                <a:ea typeface="微軟正黑體" pitchFamily="34" charset="-120"/>
+                <a:cs typeface="Calibri" panose="020F0502020204030204" pitchFamily="34" charset="0"/>
+              </a:rPr>
+              <a:t> </a:t>
+            </a:r>
+            <a:r>
+              <a:rPr lang="en-US" sz="3000" b="1" dirty="0" err="1">
+                <a:solidFill>
+                  <a:srgbClr val="660033"/>
+                </a:solidFill>
+                <a:latin typeface="Calibri" panose="020F0502020204030204" pitchFamily="34" charset="0"/>
+                <a:ea typeface="微軟正黑體" pitchFamily="34" charset="-120"/>
+                <a:cs typeface="Calibri" panose="020F0502020204030204" pitchFamily="34" charset="0"/>
+              </a:rPr>
+              <a:t>chỉ</a:t>
+            </a:r>
+            <a:r>
+              <a:rPr lang="en-US" sz="3000" b="1" dirty="0">
+                <a:solidFill>
+                  <a:srgbClr val="660033"/>
+                </a:solidFill>
+                <a:latin typeface="Calibri" panose="020F0502020204030204" pitchFamily="34" charset="0"/>
+                <a:ea typeface="微軟正黑體" pitchFamily="34" charset="-120"/>
+                <a:cs typeface="Calibri" panose="020F0502020204030204" pitchFamily="34" charset="0"/>
+              </a:rPr>
+              <a:t> </a:t>
+            </a:r>
+            <a:r>
+              <a:rPr lang="en-US" sz="3000" b="1" dirty="0" err="1">
+                <a:solidFill>
+                  <a:srgbClr val="660033"/>
+                </a:solidFill>
+                <a:latin typeface="Calibri" panose="020F0502020204030204" pitchFamily="34" charset="0"/>
+                <a:ea typeface="微軟正黑體" pitchFamily="34" charset="-120"/>
+                <a:cs typeface="Calibri" panose="020F0502020204030204" pitchFamily="34" charset="0"/>
+              </a:rPr>
+              <a:t>chớp</a:t>
+            </a:r>
+            <a:r>
+              <a:rPr lang="en-US" sz="3000" b="1" dirty="0">
+                <a:solidFill>
+                  <a:srgbClr val="660033"/>
+                </a:solidFill>
+                <a:latin typeface="Calibri" panose="020F0502020204030204" pitchFamily="34" charset="0"/>
+                <a:ea typeface="微軟正黑體" pitchFamily="34" charset="-120"/>
+                <a:cs typeface="Calibri" panose="020F0502020204030204" pitchFamily="34" charset="0"/>
+              </a:rPr>
+              <a:t> </a:t>
+            </a:r>
+            <a:r>
+              <a:rPr lang="en-US" sz="3000" b="1" dirty="0" err="1">
+                <a:solidFill>
+                  <a:srgbClr val="660033"/>
+                </a:solidFill>
                 <a:latin typeface="Calibri" panose="020F0502020204030204" pitchFamily="34" charset="0"/>
                 <a:ea typeface="微軟正黑體" pitchFamily="34" charset="-120"/>
                 <a:cs typeface="Calibri" panose="020F0502020204030204" pitchFamily="34" charset="0"/>
@@ -8073,35 +8067,32 @@
               <a:t>mắt</a:t>
             </a:r>
             <a:r>
-              <a:rPr lang="fr-FR" sz="3200" b="1" dirty="0">
-                <a:solidFill>
-                  <a:srgbClr val="660033"/>
-                </a:solidFill>
-                <a:effectLst/>
-                <a:latin typeface="Calibri" panose="020F0502020204030204" pitchFamily="34" charset="0"/>
-                <a:ea typeface="微軟正黑體" pitchFamily="34" charset="-120"/>
-                <a:cs typeface="Calibri" panose="020F0502020204030204" pitchFamily="34" charset="0"/>
-              </a:rPr>
-              <a:t> </a:t>
-            </a:r>
-            <a:r>
-              <a:rPr lang="fr-FR" sz="3200" b="1" dirty="0" err="1">
-                <a:solidFill>
-                  <a:srgbClr val="660033"/>
-                </a:solidFill>
-                <a:effectLst/>
-                <a:latin typeface="Calibri" panose="020F0502020204030204" pitchFamily="34" charset="0"/>
-                <a:ea typeface="微軟正黑體" pitchFamily="34" charset="-120"/>
-                <a:cs typeface="Calibri" panose="020F0502020204030204" pitchFamily="34" charset="0"/>
-              </a:rPr>
-              <a:t>đều</a:t>
-            </a:r>
-            <a:r>
-              <a:rPr lang="fr-FR" sz="3200" b="1" dirty="0">
-                <a:solidFill>
-                  <a:srgbClr val="660033"/>
-                </a:solidFill>
-                <a:effectLst/>
+              <a:rPr lang="en-US" sz="3000" b="1" dirty="0">
+                <a:solidFill>
+                  <a:srgbClr val="660033"/>
+                </a:solidFill>
+                <a:latin typeface="Calibri" panose="020F0502020204030204" pitchFamily="34" charset="0"/>
+                <a:ea typeface="微軟正黑體" pitchFamily="34" charset="-120"/>
+                <a:cs typeface="Calibri" panose="020F0502020204030204" pitchFamily="34" charset="0"/>
+              </a:rPr>
+              <a:t> </a:t>
+            </a:r>
+            <a:r>
+              <a:rPr lang="en-US" sz="3000" b="1" dirty="0" err="1">
+                <a:solidFill>
+                  <a:srgbClr val="660033"/>
+                </a:solidFill>
+                <a:latin typeface="Calibri" panose="020F0502020204030204" pitchFamily="34" charset="0"/>
+                <a:ea typeface="微軟正黑體" pitchFamily="34" charset="-120"/>
+                <a:cs typeface="Calibri" panose="020F0502020204030204" pitchFamily="34" charset="0"/>
+              </a:rPr>
+              <a:t>liền</a:t>
+            </a:r>
+            <a:r>
+              <a:rPr lang="en-US" sz="3000" b="1" dirty="0">
+                <a:solidFill>
+                  <a:srgbClr val="660033"/>
+                </a:solidFill>
                 <a:latin typeface="Calibri" panose="020F0502020204030204" pitchFamily="34" charset="0"/>
                 <a:ea typeface="微軟正黑體" pitchFamily="34" charset="-120"/>
                 <a:cs typeface="Calibri" panose="020F0502020204030204" pitchFamily="34" charset="0"/>
@@ -8109,11 +8100,10 @@
               <a:t> tan </a:t>
             </a:r>
             <a:r>
-              <a:rPr lang="fr-FR" sz="3200" b="1" dirty="0" err="1">
-                <a:solidFill>
-                  <a:srgbClr val="660033"/>
-                </a:solidFill>
-                <a:effectLst/>
+              <a:rPr lang="en-US" sz="3000" b="1" dirty="0" err="1">
+                <a:solidFill>
+                  <a:srgbClr val="660033"/>
+                </a:solidFill>
                 <a:latin typeface="Calibri" panose="020F0502020204030204" pitchFamily="34" charset="0"/>
                 <a:ea typeface="微軟正黑體" pitchFamily="34" charset="-120"/>
                 <a:cs typeface="Calibri" panose="020F0502020204030204" pitchFamily="34" charset="0"/>
@@ -8121,11 +8111,10 @@
               <a:t>biến</a:t>
             </a:r>
             <a:r>
-              <a:rPr lang="fr-FR" sz="3200" b="1" dirty="0">
-                <a:solidFill>
-                  <a:srgbClr val="660033"/>
-                </a:solidFill>
-                <a:effectLst/>
+              <a:rPr lang="en-US" sz="3000" b="1" dirty="0">
+                <a:solidFill>
+                  <a:srgbClr val="660033"/>
+                </a:solidFill>
                 <a:latin typeface="Calibri" panose="020F0502020204030204" pitchFamily="34" charset="0"/>
                 <a:ea typeface="微軟正黑體" pitchFamily="34" charset="-120"/>
                 <a:cs typeface="Calibri" panose="020F0502020204030204" pitchFamily="34" charset="0"/>
@@ -8133,11 +8122,10 @@
               <a:t>, </a:t>
             </a:r>
             <a:r>
-              <a:rPr lang="fr-FR" sz="3200" b="1" dirty="0" err="1">
-                <a:solidFill>
-                  <a:srgbClr val="660033"/>
-                </a:solidFill>
-                <a:effectLst/>
+              <a:rPr lang="en-US" sz="3000" b="1" dirty="0" err="1">
+                <a:solidFill>
+                  <a:srgbClr val="660033"/>
+                </a:solidFill>
                 <a:latin typeface="Calibri" panose="020F0502020204030204" pitchFamily="34" charset="0"/>
                 <a:ea typeface="微軟正黑體" pitchFamily="34" charset="-120"/>
                 <a:cs typeface="Calibri" panose="020F0502020204030204" pitchFamily="34" charset="0"/>
@@ -8145,23 +8133,21 @@
               <a:t>được</a:t>
             </a:r>
             <a:r>
-              <a:rPr lang="fr-FR" sz="3200" b="1" dirty="0">
-                <a:solidFill>
-                  <a:srgbClr val="660033"/>
-                </a:solidFill>
-                <a:effectLst/>
-                <a:latin typeface="Calibri" panose="020F0502020204030204" pitchFamily="34" charset="0"/>
-                <a:ea typeface="微軟正黑體" pitchFamily="34" charset="-120"/>
-                <a:cs typeface="Calibri" panose="020F0502020204030204" pitchFamily="34" charset="0"/>
-              </a:rPr>
-              <a:t> </a:t>
-            </a:r>
-            <a:r>
-              <a:rPr lang="fr-FR" sz="3200" b="1" dirty="0" err="1">
-                <a:solidFill>
-                  <a:srgbClr val="660033"/>
-                </a:solidFill>
-                <a:effectLst/>
+              <a:rPr lang="en-US" sz="3000" b="1" dirty="0">
+                <a:solidFill>
+                  <a:srgbClr val="660033"/>
+                </a:solidFill>
+                <a:latin typeface="Calibri" panose="020F0502020204030204" pitchFamily="34" charset="0"/>
+                <a:ea typeface="微軟正黑體" pitchFamily="34" charset="-120"/>
+                <a:cs typeface="Calibri" panose="020F0502020204030204" pitchFamily="34" charset="0"/>
+              </a:rPr>
+              <a:t> </a:t>
+            </a:r>
+            <a:r>
+              <a:rPr lang="en-US" sz="3000" b="1" dirty="0" err="1">
+                <a:solidFill>
+                  <a:srgbClr val="660033"/>
+                </a:solidFill>
                 <a:latin typeface="Calibri" panose="020F0502020204030204" pitchFamily="34" charset="0"/>
                 <a:ea typeface="微軟正黑體" pitchFamily="34" charset="-120"/>
                 <a:cs typeface="Calibri" panose="020F0502020204030204" pitchFamily="34" charset="0"/>
@@ -8169,23 +8155,21 @@
               <a:t>và</a:t>
             </a:r>
             <a:r>
-              <a:rPr lang="fr-FR" sz="3200" b="1" dirty="0">
-                <a:solidFill>
-                  <a:srgbClr val="660033"/>
-                </a:solidFill>
-                <a:effectLst/>
-                <a:latin typeface="Calibri" panose="020F0502020204030204" pitchFamily="34" charset="0"/>
-                <a:ea typeface="微軟正黑體" pitchFamily="34" charset="-120"/>
-                <a:cs typeface="Calibri" panose="020F0502020204030204" pitchFamily="34" charset="0"/>
-              </a:rPr>
-              <a:t> </a:t>
-            </a:r>
-            <a:r>
-              <a:rPr lang="fr-FR" sz="3200" b="1" dirty="0" err="1">
-                <a:solidFill>
-                  <a:srgbClr val="660033"/>
-                </a:solidFill>
-                <a:effectLst/>
+              <a:rPr lang="en-US" sz="3000" b="1" dirty="0">
+                <a:solidFill>
+                  <a:srgbClr val="660033"/>
+                </a:solidFill>
+                <a:latin typeface="Calibri" panose="020F0502020204030204" pitchFamily="34" charset="0"/>
+                <a:ea typeface="微軟正黑體" pitchFamily="34" charset="-120"/>
+                <a:cs typeface="Calibri" panose="020F0502020204030204" pitchFamily="34" charset="0"/>
+              </a:rPr>
+              <a:t> </a:t>
+            </a:r>
+            <a:r>
+              <a:rPr lang="en-US" sz="3000" b="1" dirty="0" err="1">
+                <a:solidFill>
+                  <a:srgbClr val="660033"/>
+                </a:solidFill>
                 <a:latin typeface="Calibri" panose="020F0502020204030204" pitchFamily="34" charset="0"/>
                 <a:ea typeface="微軟正黑體" pitchFamily="34" charset="-120"/>
                 <a:cs typeface="Calibri" panose="020F0502020204030204" pitchFamily="34" charset="0"/>
@@ -8193,23 +8177,21 @@
               <a:t>mất</a:t>
             </a:r>
             <a:r>
-              <a:rPr lang="fr-FR" sz="3200" b="1" dirty="0">
-                <a:solidFill>
-                  <a:srgbClr val="660033"/>
-                </a:solidFill>
-                <a:effectLst/>
-                <a:latin typeface="Calibri" panose="020F0502020204030204" pitchFamily="34" charset="0"/>
-                <a:ea typeface="微軟正黑體" pitchFamily="34" charset="-120"/>
-                <a:cs typeface="Calibri" panose="020F0502020204030204" pitchFamily="34" charset="0"/>
-              </a:rPr>
-              <a:t> </a:t>
-            </a:r>
-            <a:r>
-              <a:rPr lang="fr-FR" sz="3200" b="1" dirty="0" err="1">
-                <a:solidFill>
-                  <a:srgbClr val="660033"/>
-                </a:solidFill>
-                <a:effectLst/>
+              <a:rPr lang="en-US" sz="3000" b="1" dirty="0">
+                <a:solidFill>
+                  <a:srgbClr val="660033"/>
+                </a:solidFill>
+                <a:latin typeface="Calibri" panose="020F0502020204030204" pitchFamily="34" charset="0"/>
+                <a:ea typeface="微軟正黑體" pitchFamily="34" charset="-120"/>
+                <a:cs typeface="Calibri" panose="020F0502020204030204" pitchFamily="34" charset="0"/>
+              </a:rPr>
+              <a:t> </a:t>
+            </a:r>
+            <a:r>
+              <a:rPr lang="en-US" sz="3000" b="1" dirty="0" err="1">
+                <a:solidFill>
+                  <a:srgbClr val="660033"/>
+                </a:solidFill>
                 <a:latin typeface="Calibri" panose="020F0502020204030204" pitchFamily="34" charset="0"/>
                 <a:ea typeface="微軟正黑體" pitchFamily="34" charset="-120"/>
                 <a:cs typeface="Calibri" panose="020F0502020204030204" pitchFamily="34" charset="0"/>
@@ -8217,23 +8199,21 @@
               <a:t>chỉ</a:t>
             </a:r>
             <a:r>
-              <a:rPr lang="fr-FR" sz="3200" b="1" dirty="0">
-                <a:solidFill>
-                  <a:srgbClr val="660033"/>
-                </a:solidFill>
-                <a:effectLst/>
-                <a:latin typeface="Calibri" panose="020F0502020204030204" pitchFamily="34" charset="0"/>
-                <a:ea typeface="微軟正黑體" pitchFamily="34" charset="-120"/>
-                <a:cs typeface="Calibri" panose="020F0502020204030204" pitchFamily="34" charset="0"/>
-              </a:rPr>
-              <a:t> </a:t>
-            </a:r>
-            <a:r>
-              <a:rPr lang="fr-FR" sz="3200" b="1" dirty="0" err="1">
-                <a:solidFill>
-                  <a:srgbClr val="660033"/>
-                </a:solidFill>
-                <a:effectLst/>
+              <a:rPr lang="en-US" sz="3000" b="1" dirty="0">
+                <a:solidFill>
+                  <a:srgbClr val="660033"/>
+                </a:solidFill>
+                <a:latin typeface="Calibri" panose="020F0502020204030204" pitchFamily="34" charset="0"/>
+                <a:ea typeface="微軟正黑體" pitchFamily="34" charset="-120"/>
+                <a:cs typeface="Calibri" panose="020F0502020204030204" pitchFamily="34" charset="0"/>
+              </a:rPr>
+              <a:t> </a:t>
+            </a:r>
+            <a:r>
+              <a:rPr lang="en-US" sz="3000" b="1" dirty="0" err="1">
+                <a:solidFill>
+                  <a:srgbClr val="660033"/>
+                </a:solidFill>
                 <a:latin typeface="Calibri" panose="020F0502020204030204" pitchFamily="34" charset="0"/>
                 <a:ea typeface="微軟正黑體" pitchFamily="34" charset="-120"/>
                 <a:cs typeface="Calibri" panose="020F0502020204030204" pitchFamily="34" charset="0"/>
@@ -8241,23 +8221,21 @@
               <a:t>cách</a:t>
             </a:r>
             <a:r>
-              <a:rPr lang="fr-FR" sz="3200" b="1" dirty="0">
-                <a:solidFill>
-                  <a:srgbClr val="660033"/>
-                </a:solidFill>
-                <a:effectLst/>
-                <a:latin typeface="Calibri" panose="020F0502020204030204" pitchFamily="34" charset="0"/>
-                <a:ea typeface="微軟正黑體" pitchFamily="34" charset="-120"/>
-                <a:cs typeface="Calibri" panose="020F0502020204030204" pitchFamily="34" charset="0"/>
-              </a:rPr>
-              <a:t> </a:t>
-            </a:r>
-            <a:r>
-              <a:rPr lang="fr-FR" sz="3200" b="1" dirty="0" err="1">
-                <a:solidFill>
-                  <a:srgbClr val="660033"/>
-                </a:solidFill>
-                <a:effectLst/>
+              <a:rPr lang="en-US" sz="3000" b="1" dirty="0">
+                <a:solidFill>
+                  <a:srgbClr val="660033"/>
+                </a:solidFill>
+                <a:latin typeface="Calibri" panose="020F0502020204030204" pitchFamily="34" charset="0"/>
+                <a:ea typeface="微軟正黑體" pitchFamily="34" charset="-120"/>
+                <a:cs typeface="Calibri" panose="020F0502020204030204" pitchFamily="34" charset="0"/>
+              </a:rPr>
+              <a:t> </a:t>
+            </a:r>
+            <a:r>
+              <a:rPr lang="en-US" sz="3000" b="1" dirty="0" err="1">
+                <a:solidFill>
+                  <a:srgbClr val="660033"/>
+                </a:solidFill>
                 <a:latin typeface="Calibri" panose="020F0502020204030204" pitchFamily="34" charset="0"/>
                 <a:ea typeface="微軟正黑體" pitchFamily="34" charset="-120"/>
                 <a:cs typeface="Calibri" panose="020F0502020204030204" pitchFamily="34" charset="0"/>
@@ -8265,23 +8243,21 @@
               <a:t>một</a:t>
             </a:r>
             <a:r>
-              <a:rPr lang="fr-FR" sz="3200" b="1" dirty="0">
-                <a:solidFill>
-                  <a:srgbClr val="660033"/>
-                </a:solidFill>
-                <a:effectLst/>
-                <a:latin typeface="Calibri" panose="020F0502020204030204" pitchFamily="34" charset="0"/>
-                <a:ea typeface="微軟正黑體" pitchFamily="34" charset="-120"/>
-                <a:cs typeface="Calibri" panose="020F0502020204030204" pitchFamily="34" charset="0"/>
-              </a:rPr>
-              <a:t> </a:t>
-            </a:r>
-            <a:r>
-              <a:rPr lang="fr-FR" sz="3200" b="1" dirty="0" err="1">
-                <a:solidFill>
-                  <a:srgbClr val="660033"/>
-                </a:solidFill>
-                <a:effectLst/>
+              <a:rPr lang="en-US" sz="3000" b="1" dirty="0">
+                <a:solidFill>
+                  <a:srgbClr val="660033"/>
+                </a:solidFill>
+                <a:latin typeface="Calibri" panose="020F0502020204030204" pitchFamily="34" charset="0"/>
+                <a:ea typeface="微軟正黑體" pitchFamily="34" charset="-120"/>
+                <a:cs typeface="Calibri" panose="020F0502020204030204" pitchFamily="34" charset="0"/>
+              </a:rPr>
+              <a:t> </a:t>
+            </a:r>
+            <a:r>
+              <a:rPr lang="en-US" sz="3000" b="1" dirty="0" err="1">
+                <a:solidFill>
+                  <a:srgbClr val="660033"/>
+                </a:solidFill>
                 <a:latin typeface="Calibri" panose="020F0502020204030204" pitchFamily="34" charset="0"/>
                 <a:ea typeface="微軟正黑體" pitchFamily="34" charset="-120"/>
                 <a:cs typeface="Calibri" panose="020F0502020204030204" pitchFamily="34" charset="0"/>
@@ -8289,34 +8265,31 @@
               <a:t>khoảnh</a:t>
             </a:r>
             <a:r>
-              <a:rPr lang="fr-FR" sz="3200" b="1" dirty="0">
-                <a:solidFill>
-                  <a:srgbClr val="660033"/>
-                </a:solidFill>
-                <a:effectLst/>
-                <a:latin typeface="Calibri" panose="020F0502020204030204" pitchFamily="34" charset="0"/>
-                <a:ea typeface="微軟正黑體" pitchFamily="34" charset="-120"/>
-                <a:cs typeface="Calibri" panose="020F0502020204030204" pitchFamily="34" charset="0"/>
-              </a:rPr>
-              <a:t> </a:t>
-            </a:r>
-            <a:r>
-              <a:rPr lang="fr-FR" sz="3200" b="1" dirty="0" err="1">
-                <a:solidFill>
-                  <a:srgbClr val="660033"/>
-                </a:solidFill>
-                <a:effectLst/>
+              <a:rPr lang="en-US" sz="3000" b="1" dirty="0">
+                <a:solidFill>
+                  <a:srgbClr val="660033"/>
+                </a:solidFill>
+                <a:latin typeface="Calibri" panose="020F0502020204030204" pitchFamily="34" charset="0"/>
+                <a:ea typeface="微軟正黑體" pitchFamily="34" charset="-120"/>
+                <a:cs typeface="Calibri" panose="020F0502020204030204" pitchFamily="34" charset="0"/>
+              </a:rPr>
+              <a:t> </a:t>
+            </a:r>
+            <a:r>
+              <a:rPr lang="en-US" sz="3000" b="1" dirty="0" err="1">
+                <a:solidFill>
+                  <a:srgbClr val="660033"/>
+                </a:solidFill>
                 <a:latin typeface="Calibri" panose="020F0502020204030204" pitchFamily="34" charset="0"/>
                 <a:ea typeface="微軟正黑體" pitchFamily="34" charset="-120"/>
                 <a:cs typeface="Calibri" panose="020F0502020204030204" pitchFamily="34" charset="0"/>
               </a:rPr>
               <a:t>khắc</a:t>
             </a:r>
-            <a:endParaRPr lang="vi-VN" sz="3200" b="1" dirty="0">
+            <a:endParaRPr lang="vi-VN" sz="3000" b="1" dirty="0">
               <a:solidFill>
                 <a:srgbClr val="660033"/>
               </a:solidFill>
-              <a:effectLst/>
               <a:latin typeface="Calibri" panose="020F0502020204030204" pitchFamily="34" charset="0"/>
               <a:ea typeface="微軟正黑體" pitchFamily="34" charset="-120"/>
               <a:cs typeface="Calibri" panose="020F0502020204030204" pitchFamily="34" charset="0"/>
@@ -8333,7 +8306,7 @@
         <p:spPr>
           <a:xfrm>
             <a:off x="0" y="5157192"/>
-            <a:ext cx="12192000" cy="748988"/>
+            <a:ext cx="12192000" cy="646331"/>
           </a:xfrm>
           <a:prstGeom prst="rect">
             <a:avLst/>
@@ -8348,7 +8321,7 @@
           <a:p>
             <a:pPr algn="ctr"/>
             <a:r>
-              <a:rPr lang="en-US" sz="4267" b="1" dirty="0">
+              <a:rPr lang="en-US" sz="3600" b="1" dirty="0">
                 <a:solidFill>
                   <a:srgbClr val="000066"/>
                 </a:solidFill>
@@ -8357,33 +8330,24 @@
               <a:t>( </a:t>
             </a:r>
             <a:r>
-              <a:rPr lang="en-US" altLang="zh-CN" sz="4267" b="1" dirty="0" smtClean="0">
+              <a:rPr lang="en-US" altLang="zh-CN" sz="3600" b="1" dirty="0">
                 <a:solidFill>
                   <a:srgbClr val="000066"/>
                 </a:solidFill>
                 <a:ea typeface="Microsoft JhengHei" panose="020B0604030504040204" pitchFamily="34" charset="-120"/>
               </a:rPr>
-              <a:t>2</a:t>
-            </a:r>
-            <a:r>
-              <a:rPr lang="en-US" sz="4267" b="1" dirty="0" smtClean="0">
+              <a:t>2 / 2</a:t>
+            </a:r>
+            <a:r>
+              <a:rPr lang="en-US" sz="3600" b="1" dirty="0">
                 <a:solidFill>
                   <a:srgbClr val="000066"/>
                 </a:solidFill>
                 <a:ea typeface="Microsoft JhengHei" panose="020B0604030504040204" pitchFamily="34" charset="-120"/>
               </a:rPr>
-              <a:t> </a:t>
-            </a:r>
-            <a:r>
-              <a:rPr lang="en-US" sz="4267" b="1" dirty="0">
-                <a:solidFill>
-                  <a:srgbClr val="000066"/>
-                </a:solidFill>
-                <a:ea typeface="Microsoft JhengHei" panose="020B0604030504040204" pitchFamily="34" charset="-120"/>
-              </a:rPr>
-              <a:t>)</a:t>
-            </a:r>
-            <a:endParaRPr lang="vi-VN" sz="4267" b="1" dirty="0">
+              <a:t> )</a:t>
+            </a:r>
+            <a:endParaRPr lang="vi-VN" sz="3600" b="1" dirty="0">
               <a:solidFill>
                 <a:srgbClr val="000066"/>
               </a:solidFill>
@@ -8770,7 +8734,7 @@
         <p:spPr>
           <a:xfrm>
             <a:off x="0" y="5157192"/>
-            <a:ext cx="12192000" cy="748988"/>
+            <a:ext cx="12192000" cy="646331"/>
           </a:xfrm>
           <a:prstGeom prst="rect">
             <a:avLst/>
@@ -8785,7 +8749,7 @@
           <a:p>
             <a:pPr algn="ctr"/>
             <a:r>
-              <a:rPr lang="en-US" sz="4267" b="1" dirty="0">
+              <a:rPr lang="en-US" sz="3600" b="1" dirty="0">
                 <a:solidFill>
                   <a:srgbClr val="000066"/>
                 </a:solidFill>
@@ -8794,16 +8758,16 @@
               <a:t>( </a:t>
             </a:r>
             <a:r>
-              <a:rPr lang="en-US" altLang="zh-CN" sz="4267" b="1" dirty="0" smtClean="0">
+              <a:rPr lang="en-US" altLang="zh-CN" sz="3600" b="1" dirty="0" smtClean="0">
                 <a:solidFill>
                   <a:srgbClr val="000066"/>
                 </a:solidFill>
                 <a:ea typeface="Microsoft JhengHei" panose="020B0604030504040204" pitchFamily="34" charset="-120"/>
               </a:rPr>
-              <a:t>1</a:t>
-            </a:r>
-            <a:r>
-              <a:rPr lang="en-US" sz="4267" b="1" dirty="0" smtClean="0">
+              <a:t>1 / 2</a:t>
+            </a:r>
+            <a:r>
+              <a:rPr lang="en-US" sz="3600" b="1" dirty="0" smtClean="0">
                 <a:solidFill>
                   <a:srgbClr val="000066"/>
                 </a:solidFill>
@@ -8812,7 +8776,7 @@
               <a:t> </a:t>
             </a:r>
             <a:r>
-              <a:rPr lang="en-US" sz="4267" b="1" dirty="0">
+              <a:rPr lang="en-US" sz="3600" b="1" dirty="0">
                 <a:solidFill>
                   <a:srgbClr val="000066"/>
                 </a:solidFill>
@@ -8820,7 +8784,7 @@
               </a:rPr>
               <a:t>)</a:t>
             </a:r>
-            <a:endParaRPr lang="vi-VN" sz="4267" b="1" dirty="0">
+            <a:endParaRPr lang="vi-VN" sz="3600" b="1" dirty="0">
               <a:solidFill>
                 <a:srgbClr val="000066"/>
               </a:solidFill>
@@ -9195,7 +9159,7 @@
         <p:spPr>
           <a:xfrm>
             <a:off x="0" y="5157192"/>
-            <a:ext cx="12192000" cy="748988"/>
+            <a:ext cx="12192000" cy="646331"/>
           </a:xfrm>
           <a:prstGeom prst="rect">
             <a:avLst/>
@@ -9210,7 +9174,7 @@
           <a:p>
             <a:pPr algn="ctr"/>
             <a:r>
-              <a:rPr lang="en-US" sz="4267" b="1" dirty="0">
+              <a:rPr lang="en-US" sz="3600" b="1" dirty="0">
                 <a:solidFill>
                   <a:srgbClr val="000066"/>
                 </a:solidFill>
@@ -9219,33 +9183,24 @@
               <a:t>( </a:t>
             </a:r>
             <a:r>
-              <a:rPr lang="en-US" altLang="zh-CN" sz="4267" b="1" dirty="0" smtClean="0">
+              <a:rPr lang="en-US" altLang="zh-CN" sz="3600" b="1" dirty="0">
                 <a:solidFill>
                   <a:srgbClr val="000066"/>
                 </a:solidFill>
                 <a:ea typeface="Microsoft JhengHei" panose="020B0604030504040204" pitchFamily="34" charset="-120"/>
               </a:rPr>
-              <a:t>1</a:t>
-            </a:r>
-            <a:r>
-              <a:rPr lang="en-US" sz="4267" b="1" dirty="0" smtClean="0">
+              <a:t>1 / 2</a:t>
+            </a:r>
+            <a:r>
+              <a:rPr lang="en-US" sz="3600" b="1" dirty="0">
                 <a:solidFill>
                   <a:srgbClr val="000066"/>
                 </a:solidFill>
                 <a:ea typeface="Microsoft JhengHei" panose="020B0604030504040204" pitchFamily="34" charset="-120"/>
               </a:rPr>
-              <a:t> </a:t>
-            </a:r>
-            <a:r>
-              <a:rPr lang="en-US" sz="4267" b="1" dirty="0">
-                <a:solidFill>
-                  <a:srgbClr val="000066"/>
-                </a:solidFill>
-                <a:ea typeface="Microsoft JhengHei" panose="020B0604030504040204" pitchFamily="34" charset="-120"/>
-              </a:rPr>
-              <a:t>)</a:t>
-            </a:r>
-            <a:endParaRPr lang="vi-VN" sz="4267" b="1" dirty="0">
+              <a:t> )</a:t>
+            </a:r>
+            <a:endParaRPr lang="vi-VN" sz="3600" b="1" dirty="0">
               <a:solidFill>
                 <a:srgbClr val="000066"/>
               </a:solidFill>
@@ -9552,7 +9507,7 @@
               <a:buNone/>
             </a:pPr>
             <a:r>
-              <a:rPr lang="fr-FR" sz="3200" b="1" dirty="0">
+              <a:rPr lang="fr-FR" sz="3400" b="1" dirty="0">
                 <a:solidFill>
                   <a:srgbClr val="660033"/>
                 </a:solidFill>
@@ -9564,7 +9519,7 @@
               <a:t>Con </a:t>
             </a:r>
             <a:r>
-              <a:rPr lang="fr-FR" sz="3200" b="1" dirty="0" err="1">
+              <a:rPr lang="fr-FR" sz="3400" b="1" dirty="0" err="1">
                 <a:solidFill>
                   <a:srgbClr val="660033"/>
                 </a:solidFill>
@@ -9576,19 +9531,19 @@
               <a:t>người</a:t>
             </a:r>
             <a:r>
-              <a:rPr lang="fr-FR" sz="3200" b="1" dirty="0">
-                <a:solidFill>
-                  <a:srgbClr val="660033"/>
-                </a:solidFill>
-                <a:effectLst/>
-                <a:latin typeface="Calibri" panose="020F0502020204030204" pitchFamily="34" charset="0"/>
-                <a:ea typeface="微軟正黑體" pitchFamily="34" charset="-120"/>
-                <a:cs typeface="Calibri" panose="020F0502020204030204" pitchFamily="34" charset="0"/>
-              </a:rPr>
-              <a:t> </a:t>
-            </a:r>
-            <a:r>
-              <a:rPr lang="fr-FR" sz="3200" b="1" dirty="0" err="1">
+              <a:rPr lang="fr-FR" sz="3400" b="1" dirty="0">
+                <a:solidFill>
+                  <a:srgbClr val="660033"/>
+                </a:solidFill>
+                <a:effectLst/>
+                <a:latin typeface="Calibri" panose="020F0502020204030204" pitchFamily="34" charset="0"/>
+                <a:ea typeface="微軟正黑體" pitchFamily="34" charset="-120"/>
+                <a:cs typeface="Calibri" panose="020F0502020204030204" pitchFamily="34" charset="0"/>
+              </a:rPr>
+              <a:t> </a:t>
+            </a:r>
+            <a:r>
+              <a:rPr lang="fr-FR" sz="3400" b="1" dirty="0" err="1">
                 <a:solidFill>
                   <a:srgbClr val="660033"/>
                 </a:solidFill>
@@ -9600,19 +9555,19 @@
               <a:t>bị</a:t>
             </a:r>
             <a:r>
-              <a:rPr lang="fr-FR" sz="3200" b="1" dirty="0">
-                <a:solidFill>
-                  <a:srgbClr val="660033"/>
-                </a:solidFill>
-                <a:effectLst/>
-                <a:latin typeface="Calibri" panose="020F0502020204030204" pitchFamily="34" charset="0"/>
-                <a:ea typeface="微軟正黑體" pitchFamily="34" charset="-120"/>
-                <a:cs typeface="Calibri" panose="020F0502020204030204" pitchFamily="34" charset="0"/>
-              </a:rPr>
-              <a:t> </a:t>
-            </a:r>
-            <a:r>
-              <a:rPr lang="fr-FR" sz="3200" b="1" dirty="0" err="1">
+              <a:rPr lang="fr-FR" sz="3400" b="1" dirty="0">
+                <a:solidFill>
+                  <a:srgbClr val="660033"/>
+                </a:solidFill>
+                <a:effectLst/>
+                <a:latin typeface="Calibri" panose="020F0502020204030204" pitchFamily="34" charset="0"/>
+                <a:ea typeface="微軟正黑體" pitchFamily="34" charset="-120"/>
+                <a:cs typeface="Calibri" panose="020F0502020204030204" pitchFamily="34" charset="0"/>
+              </a:rPr>
+              <a:t> </a:t>
+            </a:r>
+            <a:r>
+              <a:rPr lang="fr-FR" sz="3400" b="1" dirty="0" err="1">
                 <a:solidFill>
                   <a:srgbClr val="660033"/>
                 </a:solidFill>
@@ -9624,19 +9579,19 @@
               <a:t>tội</a:t>
             </a:r>
             <a:r>
-              <a:rPr lang="fr-FR" sz="3200" b="1" dirty="0">
-                <a:solidFill>
-                  <a:srgbClr val="660033"/>
-                </a:solidFill>
-                <a:effectLst/>
-                <a:latin typeface="Calibri" panose="020F0502020204030204" pitchFamily="34" charset="0"/>
-                <a:ea typeface="微軟正黑體" pitchFamily="34" charset="-120"/>
-                <a:cs typeface="Calibri" panose="020F0502020204030204" pitchFamily="34" charset="0"/>
-              </a:rPr>
-              <a:t> </a:t>
-            </a:r>
-            <a:r>
-              <a:rPr lang="fr-FR" sz="3200" b="1" dirty="0" err="1">
+              <a:rPr lang="fr-FR" sz="3400" b="1" dirty="0">
+                <a:solidFill>
+                  <a:srgbClr val="660033"/>
+                </a:solidFill>
+                <a:effectLst/>
+                <a:latin typeface="Calibri" panose="020F0502020204030204" pitchFamily="34" charset="0"/>
+                <a:ea typeface="微軟正黑體" pitchFamily="34" charset="-120"/>
+                <a:cs typeface="Calibri" panose="020F0502020204030204" pitchFamily="34" charset="0"/>
+              </a:rPr>
+              <a:t> </a:t>
+            </a:r>
+            <a:r>
+              <a:rPr lang="fr-FR" sz="3400" b="1" dirty="0" err="1">
                 <a:solidFill>
                   <a:srgbClr val="660033"/>
                 </a:solidFill>
@@ -9648,19 +9603,19 @@
               <a:t>lỗi</a:t>
             </a:r>
             <a:r>
-              <a:rPr lang="fr-FR" sz="3200" b="1" dirty="0">
-                <a:solidFill>
-                  <a:srgbClr val="660033"/>
-                </a:solidFill>
-                <a:effectLst/>
-                <a:latin typeface="Calibri" panose="020F0502020204030204" pitchFamily="34" charset="0"/>
-                <a:ea typeface="微軟正黑體" pitchFamily="34" charset="-120"/>
-                <a:cs typeface="Calibri" panose="020F0502020204030204" pitchFamily="34" charset="0"/>
-              </a:rPr>
-              <a:t> </a:t>
-            </a:r>
-            <a:r>
-              <a:rPr lang="fr-FR" sz="3200" b="1" dirty="0" err="1">
+              <a:rPr lang="fr-FR" sz="3400" b="1" dirty="0">
+                <a:solidFill>
+                  <a:srgbClr val="660033"/>
+                </a:solidFill>
+                <a:effectLst/>
+                <a:latin typeface="Calibri" panose="020F0502020204030204" pitchFamily="34" charset="0"/>
+                <a:ea typeface="微軟正黑體" pitchFamily="34" charset="-120"/>
+                <a:cs typeface="Calibri" panose="020F0502020204030204" pitchFamily="34" charset="0"/>
+              </a:rPr>
+              <a:t> </a:t>
+            </a:r>
+            <a:r>
+              <a:rPr lang="fr-FR" sz="3400" b="1" dirty="0" err="1">
                 <a:solidFill>
                   <a:srgbClr val="660033"/>
                 </a:solidFill>
@@ -9672,19 +9627,19 @@
               <a:t>trói</a:t>
             </a:r>
             <a:r>
-              <a:rPr lang="fr-FR" sz="3200" b="1" dirty="0">
-                <a:solidFill>
-                  <a:srgbClr val="660033"/>
-                </a:solidFill>
-                <a:effectLst/>
-                <a:latin typeface="Calibri" panose="020F0502020204030204" pitchFamily="34" charset="0"/>
-                <a:ea typeface="微軟正黑體" pitchFamily="34" charset="-120"/>
-                <a:cs typeface="Calibri" panose="020F0502020204030204" pitchFamily="34" charset="0"/>
-              </a:rPr>
-              <a:t> </a:t>
-            </a:r>
-            <a:r>
-              <a:rPr lang="fr-FR" sz="3200" b="1" dirty="0" err="1">
+              <a:rPr lang="fr-FR" sz="3400" b="1" dirty="0">
+                <a:solidFill>
+                  <a:srgbClr val="660033"/>
+                </a:solidFill>
+                <a:effectLst/>
+                <a:latin typeface="Calibri" panose="020F0502020204030204" pitchFamily="34" charset="0"/>
+                <a:ea typeface="微軟正黑體" pitchFamily="34" charset="-120"/>
+                <a:cs typeface="Calibri" panose="020F0502020204030204" pitchFamily="34" charset="0"/>
+              </a:rPr>
+              <a:t> </a:t>
+            </a:r>
+            <a:r>
+              <a:rPr lang="fr-FR" sz="3400" b="1" dirty="0" err="1">
                 <a:solidFill>
                   <a:srgbClr val="660033"/>
                 </a:solidFill>
@@ -9696,7 +9651,7 @@
               <a:t>buộc</a:t>
             </a:r>
             <a:r>
-              <a:rPr lang="fr-FR" sz="3200" b="1" dirty="0">
+              <a:rPr lang="fr-FR" sz="3400" b="1" dirty="0">
                 <a:solidFill>
                   <a:srgbClr val="660033"/>
                 </a:solidFill>
@@ -9708,7 +9663,7 @@
               <a:t>, </a:t>
             </a:r>
             <a:r>
-              <a:rPr lang="fr-FR" sz="3200" b="1" dirty="0" err="1">
+              <a:rPr lang="fr-FR" sz="3400" b="1" dirty="0" err="1">
                 <a:solidFill>
                   <a:srgbClr val="660033"/>
                 </a:solidFill>
@@ -9720,19 +9675,19 @@
               <a:t>đau</a:t>
             </a:r>
             <a:r>
-              <a:rPr lang="fr-FR" sz="3200" b="1" dirty="0">
-                <a:solidFill>
-                  <a:srgbClr val="660033"/>
-                </a:solidFill>
-                <a:effectLst/>
-                <a:latin typeface="Calibri" panose="020F0502020204030204" pitchFamily="34" charset="0"/>
-                <a:ea typeface="微軟正黑體" pitchFamily="34" charset="-120"/>
-                <a:cs typeface="Calibri" panose="020F0502020204030204" pitchFamily="34" charset="0"/>
-              </a:rPr>
-              <a:t> </a:t>
-            </a:r>
-            <a:r>
-              <a:rPr lang="fr-FR" sz="3200" b="1" dirty="0" err="1">
+              <a:rPr lang="fr-FR" sz="3400" b="1" dirty="0">
+                <a:solidFill>
+                  <a:srgbClr val="660033"/>
+                </a:solidFill>
+                <a:effectLst/>
+                <a:latin typeface="Calibri" panose="020F0502020204030204" pitchFamily="34" charset="0"/>
+                <a:ea typeface="微軟正黑體" pitchFamily="34" charset="-120"/>
+                <a:cs typeface="Calibri" panose="020F0502020204030204" pitchFamily="34" charset="0"/>
+              </a:rPr>
+              <a:t> </a:t>
+            </a:r>
+            <a:r>
+              <a:rPr lang="fr-FR" sz="3400" b="1" dirty="0" err="1">
                 <a:solidFill>
                   <a:srgbClr val="660033"/>
                 </a:solidFill>
@@ -9744,19 +9699,19 @@
               <a:t>khổ</a:t>
             </a:r>
             <a:r>
-              <a:rPr lang="fr-FR" sz="3200" b="1" dirty="0">
-                <a:solidFill>
-                  <a:srgbClr val="660033"/>
-                </a:solidFill>
-                <a:effectLst/>
-                <a:latin typeface="Calibri" panose="020F0502020204030204" pitchFamily="34" charset="0"/>
-                <a:ea typeface="微軟正黑體" pitchFamily="34" charset="-120"/>
-                <a:cs typeface="Calibri" panose="020F0502020204030204" pitchFamily="34" charset="0"/>
-              </a:rPr>
-              <a:t> </a:t>
-            </a:r>
-            <a:r>
-              <a:rPr lang="fr-FR" sz="3200" b="1" dirty="0" err="1">
+              <a:rPr lang="fr-FR" sz="3400" b="1" dirty="0">
+                <a:solidFill>
+                  <a:srgbClr val="660033"/>
+                </a:solidFill>
+                <a:effectLst/>
+                <a:latin typeface="Calibri" panose="020F0502020204030204" pitchFamily="34" charset="0"/>
+                <a:ea typeface="微軟正黑體" pitchFamily="34" charset="-120"/>
+                <a:cs typeface="Calibri" panose="020F0502020204030204" pitchFamily="34" charset="0"/>
+              </a:rPr>
+              <a:t> </a:t>
+            </a:r>
+            <a:r>
+              <a:rPr lang="fr-FR" sz="3400" b="1" dirty="0" err="1">
                 <a:solidFill>
                   <a:srgbClr val="660033"/>
                 </a:solidFill>
@@ -9768,19 +9723,19 @@
               <a:t>hận</a:t>
             </a:r>
             <a:r>
-              <a:rPr lang="fr-FR" sz="3200" b="1" dirty="0">
-                <a:solidFill>
-                  <a:srgbClr val="660033"/>
-                </a:solidFill>
-                <a:effectLst/>
-                <a:latin typeface="Calibri" panose="020F0502020204030204" pitchFamily="34" charset="0"/>
-                <a:ea typeface="微軟正黑體" pitchFamily="34" charset="-120"/>
-                <a:cs typeface="Calibri" panose="020F0502020204030204" pitchFamily="34" charset="0"/>
-              </a:rPr>
-              <a:t> </a:t>
-            </a:r>
-            <a:r>
-              <a:rPr lang="fr-FR" sz="3200" b="1" dirty="0" err="1">
+              <a:rPr lang="fr-FR" sz="3400" b="1" dirty="0">
+                <a:solidFill>
+                  <a:srgbClr val="660033"/>
+                </a:solidFill>
+                <a:effectLst/>
+                <a:latin typeface="Calibri" panose="020F0502020204030204" pitchFamily="34" charset="0"/>
+                <a:ea typeface="微軟正黑體" pitchFamily="34" charset="-120"/>
+                <a:cs typeface="Calibri" panose="020F0502020204030204" pitchFamily="34" charset="0"/>
+              </a:rPr>
+              <a:t> </a:t>
+            </a:r>
+            <a:r>
+              <a:rPr lang="fr-FR" sz="3400" b="1" dirty="0" err="1">
                 <a:solidFill>
                   <a:srgbClr val="660033"/>
                 </a:solidFill>
@@ -9792,19 +9747,19 @@
               <a:t>thù</a:t>
             </a:r>
             <a:r>
-              <a:rPr lang="fr-FR" sz="3200" b="1" dirty="0">
-                <a:solidFill>
-                  <a:srgbClr val="660033"/>
-                </a:solidFill>
-                <a:effectLst/>
-                <a:latin typeface="Calibri" panose="020F0502020204030204" pitchFamily="34" charset="0"/>
-                <a:ea typeface="微軟正黑體" pitchFamily="34" charset="-120"/>
-                <a:cs typeface="Calibri" panose="020F0502020204030204" pitchFamily="34" charset="0"/>
-              </a:rPr>
-              <a:t> </a:t>
-            </a:r>
-            <a:r>
-              <a:rPr lang="fr-FR" sz="3200" b="1" dirty="0" err="1">
+              <a:rPr lang="fr-FR" sz="3400" b="1" dirty="0">
+                <a:solidFill>
+                  <a:srgbClr val="660033"/>
+                </a:solidFill>
+                <a:effectLst/>
+                <a:latin typeface="Calibri" panose="020F0502020204030204" pitchFamily="34" charset="0"/>
+                <a:ea typeface="微軟正黑體" pitchFamily="34" charset="-120"/>
+                <a:cs typeface="Calibri" panose="020F0502020204030204" pitchFamily="34" charset="0"/>
+              </a:rPr>
+              <a:t> </a:t>
+            </a:r>
+            <a:r>
+              <a:rPr lang="fr-FR" sz="3400" b="1" dirty="0" err="1">
                 <a:solidFill>
                   <a:srgbClr val="660033"/>
                 </a:solidFill>
@@ -9816,19 +9771,19 @@
               <a:t>không</a:t>
             </a:r>
             <a:r>
-              <a:rPr lang="fr-FR" sz="3200" b="1" dirty="0">
-                <a:solidFill>
-                  <a:srgbClr val="660033"/>
-                </a:solidFill>
-                <a:effectLst/>
-                <a:latin typeface="Calibri" panose="020F0502020204030204" pitchFamily="34" charset="0"/>
-                <a:ea typeface="微軟正黑體" pitchFamily="34" charset="-120"/>
-                <a:cs typeface="Calibri" panose="020F0502020204030204" pitchFamily="34" charset="0"/>
-              </a:rPr>
-              <a:t> </a:t>
-            </a:r>
-            <a:r>
-              <a:rPr lang="fr-FR" sz="3200" b="1" dirty="0" err="1">
+              <a:rPr lang="fr-FR" sz="3400" b="1" dirty="0">
+                <a:solidFill>
+                  <a:srgbClr val="660033"/>
+                </a:solidFill>
+                <a:effectLst/>
+                <a:latin typeface="Calibri" panose="020F0502020204030204" pitchFamily="34" charset="0"/>
+                <a:ea typeface="微軟正黑體" pitchFamily="34" charset="-120"/>
+                <a:cs typeface="Calibri" panose="020F0502020204030204" pitchFamily="34" charset="0"/>
+              </a:rPr>
+              <a:t> </a:t>
+            </a:r>
+            <a:r>
+              <a:rPr lang="fr-FR" sz="3400" b="1" dirty="0" err="1">
                 <a:solidFill>
                   <a:srgbClr val="660033"/>
                 </a:solidFill>
@@ -9840,19 +9795,19 @@
               <a:t>tránh</a:t>
             </a:r>
             <a:r>
-              <a:rPr lang="fr-FR" sz="3200" b="1" dirty="0">
-                <a:solidFill>
-                  <a:srgbClr val="660033"/>
-                </a:solidFill>
-                <a:effectLst/>
-                <a:latin typeface="Calibri" panose="020F0502020204030204" pitchFamily="34" charset="0"/>
-                <a:ea typeface="微軟正黑體" pitchFamily="34" charset="-120"/>
-                <a:cs typeface="Calibri" panose="020F0502020204030204" pitchFamily="34" charset="0"/>
-              </a:rPr>
-              <a:t> </a:t>
-            </a:r>
-            <a:r>
-              <a:rPr lang="fr-FR" sz="3200" b="1" dirty="0" err="1">
+              <a:rPr lang="fr-FR" sz="3400" b="1" dirty="0">
+                <a:solidFill>
+                  <a:srgbClr val="660033"/>
+                </a:solidFill>
+                <a:effectLst/>
+                <a:latin typeface="Calibri" panose="020F0502020204030204" pitchFamily="34" charset="0"/>
+                <a:ea typeface="微軟正黑體" pitchFamily="34" charset="-120"/>
+                <a:cs typeface="Calibri" panose="020F0502020204030204" pitchFamily="34" charset="0"/>
+              </a:rPr>
+              <a:t> </a:t>
+            </a:r>
+            <a:r>
+              <a:rPr lang="fr-FR" sz="3400" b="1" dirty="0" err="1">
                 <a:solidFill>
                   <a:srgbClr val="660033"/>
                 </a:solidFill>
@@ -9863,7 +9818,7 @@
               </a:rPr>
               <a:t>khỏi</a:t>
             </a:r>
-            <a:endParaRPr lang="vi-VN" sz="3200" b="1" dirty="0">
+            <a:endParaRPr lang="vi-VN" sz="3400" b="1" dirty="0">
               <a:solidFill>
                 <a:srgbClr val="660033"/>
               </a:solidFill>
@@ -9884,7 +9839,7 @@
         <p:spPr>
           <a:xfrm>
             <a:off x="0" y="5157192"/>
-            <a:ext cx="12192000" cy="748988"/>
+            <a:ext cx="12192000" cy="646331"/>
           </a:xfrm>
           <a:prstGeom prst="rect">
             <a:avLst/>
@@ -9899,7 +9854,7 @@
           <a:p>
             <a:pPr algn="ctr"/>
             <a:r>
-              <a:rPr lang="en-US" sz="4267" b="1" dirty="0">
+              <a:rPr lang="en-US" sz="3600" b="1" dirty="0">
                 <a:solidFill>
                   <a:srgbClr val="000066"/>
                 </a:solidFill>
@@ -9908,33 +9863,24 @@
               <a:t>( </a:t>
             </a:r>
             <a:r>
-              <a:rPr lang="en-US" altLang="zh-CN" sz="4267" b="1" dirty="0" smtClean="0">
+              <a:rPr lang="en-US" altLang="zh-CN" sz="3600" b="1" dirty="0">
                 <a:solidFill>
                   <a:srgbClr val="000066"/>
                 </a:solidFill>
                 <a:ea typeface="Microsoft JhengHei" panose="020B0604030504040204" pitchFamily="34" charset="-120"/>
               </a:rPr>
-              <a:t>1</a:t>
-            </a:r>
-            <a:r>
-              <a:rPr lang="en-US" sz="4267" b="1" dirty="0" smtClean="0">
+              <a:t>1 / 2</a:t>
+            </a:r>
+            <a:r>
+              <a:rPr lang="en-US" sz="3600" b="1" dirty="0">
                 <a:solidFill>
                   <a:srgbClr val="000066"/>
                 </a:solidFill>
                 <a:ea typeface="Microsoft JhengHei" panose="020B0604030504040204" pitchFamily="34" charset="-120"/>
               </a:rPr>
-              <a:t> </a:t>
-            </a:r>
-            <a:r>
-              <a:rPr lang="en-US" sz="4267" b="1" dirty="0">
-                <a:solidFill>
-                  <a:srgbClr val="000066"/>
-                </a:solidFill>
-                <a:ea typeface="Microsoft JhengHei" panose="020B0604030504040204" pitchFamily="34" charset="-120"/>
-              </a:rPr>
-              <a:t>)</a:t>
-            </a:r>
-            <a:endParaRPr lang="vi-VN" sz="4267" b="1" dirty="0">
+              <a:t> )</a:t>
+            </a:r>
+            <a:endParaRPr lang="vi-VN" sz="3600" b="1" dirty="0">
               <a:solidFill>
                 <a:srgbClr val="000066"/>
               </a:solidFill>
@@ -10221,7 +10167,7 @@
               <a:buNone/>
             </a:pPr>
             <a:r>
-              <a:rPr lang="fr-FR" sz="3200" b="1" dirty="0" err="1">
+              <a:rPr lang="fr-FR" sz="3600" b="1" dirty="0" err="1">
                 <a:solidFill>
                   <a:srgbClr val="660033"/>
                 </a:solidFill>
@@ -10233,19 +10179,19 @@
               <a:t>Không</a:t>
             </a:r>
             <a:r>
-              <a:rPr lang="fr-FR" sz="3200" b="1" dirty="0">
-                <a:solidFill>
-                  <a:srgbClr val="660033"/>
-                </a:solidFill>
-                <a:effectLst/>
-                <a:latin typeface="Calibri" panose="020F0502020204030204" pitchFamily="34" charset="0"/>
-                <a:ea typeface="微軟正黑體" pitchFamily="34" charset="-120"/>
-                <a:cs typeface="Calibri" panose="020F0502020204030204" pitchFamily="34" charset="0"/>
-              </a:rPr>
-              <a:t> </a:t>
-            </a:r>
-            <a:r>
-              <a:rPr lang="fr-FR" sz="3200" b="1" dirty="0" err="1">
+              <a:rPr lang="fr-FR" sz="3600" b="1" dirty="0">
+                <a:solidFill>
+                  <a:srgbClr val="660033"/>
+                </a:solidFill>
+                <a:effectLst/>
+                <a:latin typeface="Calibri" panose="020F0502020204030204" pitchFamily="34" charset="0"/>
+                <a:ea typeface="微軟正黑體" pitchFamily="34" charset="-120"/>
+                <a:cs typeface="Calibri" panose="020F0502020204030204" pitchFamily="34" charset="0"/>
+              </a:rPr>
+              <a:t> </a:t>
+            </a:r>
+            <a:r>
+              <a:rPr lang="fr-FR" sz="3600" b="1" dirty="0" err="1">
                 <a:solidFill>
                   <a:srgbClr val="660033"/>
                 </a:solidFill>
@@ -10257,19 +10203,19 @@
               <a:t>cần</a:t>
             </a:r>
             <a:r>
-              <a:rPr lang="fr-FR" sz="3200" b="1" dirty="0">
-                <a:solidFill>
-                  <a:srgbClr val="660033"/>
-                </a:solidFill>
-                <a:effectLst/>
-                <a:latin typeface="Calibri" panose="020F0502020204030204" pitchFamily="34" charset="0"/>
-                <a:ea typeface="微軟正黑體" pitchFamily="34" charset="-120"/>
-                <a:cs typeface="Calibri" panose="020F0502020204030204" pitchFamily="34" charset="0"/>
-              </a:rPr>
-              <a:t> </a:t>
-            </a:r>
-            <a:r>
-              <a:rPr lang="fr-FR" sz="3200" b="1" dirty="0" err="1">
+              <a:rPr lang="fr-FR" sz="3600" b="1" dirty="0">
+                <a:solidFill>
+                  <a:srgbClr val="660033"/>
+                </a:solidFill>
+                <a:effectLst/>
+                <a:latin typeface="Calibri" panose="020F0502020204030204" pitchFamily="34" charset="0"/>
+                <a:ea typeface="微軟正黑體" pitchFamily="34" charset="-120"/>
+                <a:cs typeface="Calibri" panose="020F0502020204030204" pitchFamily="34" charset="0"/>
+              </a:rPr>
+              <a:t> </a:t>
+            </a:r>
+            <a:r>
+              <a:rPr lang="fr-FR" sz="3600" b="1" dirty="0" err="1">
                 <a:solidFill>
                   <a:srgbClr val="660033"/>
                 </a:solidFill>
@@ -10281,19 +10227,19 @@
               <a:t>phải</a:t>
             </a:r>
             <a:r>
-              <a:rPr lang="fr-FR" sz="3200" b="1" dirty="0">
-                <a:solidFill>
-                  <a:srgbClr val="660033"/>
-                </a:solidFill>
-                <a:effectLst/>
-                <a:latin typeface="Calibri" panose="020F0502020204030204" pitchFamily="34" charset="0"/>
-                <a:ea typeface="微軟正黑體" pitchFamily="34" charset="-120"/>
-                <a:cs typeface="Calibri" panose="020F0502020204030204" pitchFamily="34" charset="0"/>
-              </a:rPr>
-              <a:t> </a:t>
-            </a:r>
-            <a:r>
-              <a:rPr lang="fr-FR" sz="3200" b="1" dirty="0" err="1">
+              <a:rPr lang="fr-FR" sz="3600" b="1" dirty="0">
+                <a:solidFill>
+                  <a:srgbClr val="660033"/>
+                </a:solidFill>
+                <a:effectLst/>
+                <a:latin typeface="Calibri" panose="020F0502020204030204" pitchFamily="34" charset="0"/>
+                <a:ea typeface="微軟正黑體" pitchFamily="34" charset="-120"/>
+                <a:cs typeface="Calibri" panose="020F0502020204030204" pitchFamily="34" charset="0"/>
+              </a:rPr>
+              <a:t> </a:t>
+            </a:r>
+            <a:r>
+              <a:rPr lang="fr-FR" sz="3600" b="1" dirty="0" err="1">
                 <a:solidFill>
                   <a:srgbClr val="660033"/>
                 </a:solidFill>
@@ -10305,19 +10251,19 @@
               <a:t>đau</a:t>
             </a:r>
             <a:r>
-              <a:rPr lang="fr-FR" sz="3200" b="1" dirty="0">
-                <a:solidFill>
-                  <a:srgbClr val="660033"/>
-                </a:solidFill>
-                <a:effectLst/>
-                <a:latin typeface="Calibri" panose="020F0502020204030204" pitchFamily="34" charset="0"/>
-                <a:ea typeface="微軟正黑體" pitchFamily="34" charset="-120"/>
-                <a:cs typeface="Calibri" panose="020F0502020204030204" pitchFamily="34" charset="0"/>
-              </a:rPr>
-              <a:t> </a:t>
-            </a:r>
-            <a:r>
-              <a:rPr lang="fr-FR" sz="3200" b="1" dirty="0" err="1">
+              <a:rPr lang="fr-FR" sz="3600" b="1" dirty="0">
+                <a:solidFill>
+                  <a:srgbClr val="660033"/>
+                </a:solidFill>
+                <a:effectLst/>
+                <a:latin typeface="Calibri" panose="020F0502020204030204" pitchFamily="34" charset="0"/>
+                <a:ea typeface="微軟正黑體" pitchFamily="34" charset="-120"/>
+                <a:cs typeface="Calibri" panose="020F0502020204030204" pitchFamily="34" charset="0"/>
+              </a:rPr>
+              <a:t> </a:t>
+            </a:r>
+            <a:r>
+              <a:rPr lang="fr-FR" sz="3600" b="1" dirty="0" err="1">
                 <a:solidFill>
                   <a:srgbClr val="660033"/>
                 </a:solidFill>
@@ -10329,19 +10275,19 @@
               <a:t>khổ</a:t>
             </a:r>
             <a:r>
-              <a:rPr lang="fr-FR" sz="3200" b="1" dirty="0">
-                <a:solidFill>
-                  <a:srgbClr val="660033"/>
-                </a:solidFill>
-                <a:effectLst/>
-                <a:latin typeface="Calibri" panose="020F0502020204030204" pitchFamily="34" charset="0"/>
-                <a:ea typeface="微軟正黑體" pitchFamily="34" charset="-120"/>
-                <a:cs typeface="Calibri" panose="020F0502020204030204" pitchFamily="34" charset="0"/>
-              </a:rPr>
-              <a:t> </a:t>
-            </a:r>
-            <a:r>
-              <a:rPr lang="fr-FR" sz="3200" b="1" dirty="0" err="1">
+              <a:rPr lang="fr-FR" sz="3600" b="1" dirty="0">
+                <a:solidFill>
+                  <a:srgbClr val="660033"/>
+                </a:solidFill>
+                <a:effectLst/>
+                <a:latin typeface="Calibri" panose="020F0502020204030204" pitchFamily="34" charset="0"/>
+                <a:ea typeface="微軟正黑體" pitchFamily="34" charset="-120"/>
+                <a:cs typeface="Calibri" panose="020F0502020204030204" pitchFamily="34" charset="0"/>
+              </a:rPr>
+              <a:t> </a:t>
+            </a:r>
+            <a:r>
+              <a:rPr lang="fr-FR" sz="3600" b="1" dirty="0" err="1">
                 <a:solidFill>
                   <a:srgbClr val="660033"/>
                 </a:solidFill>
@@ -10353,7 +10299,7 @@
               <a:t>suốt</a:t>
             </a:r>
             <a:r>
-              <a:rPr lang="fr-FR" sz="3200" b="1" dirty="0">
+              <a:rPr lang="fr-FR" sz="3600" b="1" dirty="0">
                 <a:solidFill>
                   <a:srgbClr val="660033"/>
                 </a:solidFill>
@@ -10365,7 +10311,7 @@
               <a:t>, </a:t>
             </a:r>
             <a:r>
-              <a:rPr lang="fr-FR" sz="3200" b="1" dirty="0" err="1">
+              <a:rPr lang="fr-FR" sz="3600" b="1" dirty="0" err="1">
                 <a:solidFill>
                   <a:srgbClr val="660033"/>
                 </a:solidFill>
@@ -10377,19 +10323,19 @@
               <a:t>bởi</a:t>
             </a:r>
             <a:r>
-              <a:rPr lang="fr-FR" sz="3200" b="1" dirty="0">
-                <a:solidFill>
-                  <a:srgbClr val="660033"/>
-                </a:solidFill>
-                <a:effectLst/>
-                <a:latin typeface="Calibri" panose="020F0502020204030204" pitchFamily="34" charset="0"/>
-                <a:ea typeface="微軟正黑體" pitchFamily="34" charset="-120"/>
-                <a:cs typeface="Calibri" panose="020F0502020204030204" pitchFamily="34" charset="0"/>
-              </a:rPr>
-              <a:t> </a:t>
-            </a:r>
-            <a:r>
-              <a:rPr lang="fr-FR" sz="3200" b="1" dirty="0" err="1">
+              <a:rPr lang="fr-FR" sz="3600" b="1" dirty="0">
+                <a:solidFill>
+                  <a:srgbClr val="660033"/>
+                </a:solidFill>
+                <a:effectLst/>
+                <a:latin typeface="Calibri" panose="020F0502020204030204" pitchFamily="34" charset="0"/>
+                <a:ea typeface="微軟正黑體" pitchFamily="34" charset="-120"/>
+                <a:cs typeface="Calibri" panose="020F0502020204030204" pitchFamily="34" charset="0"/>
+              </a:rPr>
+              <a:t> </a:t>
+            </a:r>
+            <a:r>
+              <a:rPr lang="fr-FR" sz="3600" b="1" dirty="0" err="1">
                 <a:solidFill>
                   <a:srgbClr val="660033"/>
                 </a:solidFill>
@@ -10401,19 +10347,19 @@
               <a:t>Thiên</a:t>
             </a:r>
             <a:r>
-              <a:rPr lang="fr-FR" sz="3200" b="1" dirty="0">
-                <a:solidFill>
-                  <a:srgbClr val="660033"/>
-                </a:solidFill>
-                <a:effectLst/>
-                <a:latin typeface="Calibri" panose="020F0502020204030204" pitchFamily="34" charset="0"/>
-                <a:ea typeface="微軟正黑體" pitchFamily="34" charset="-120"/>
-                <a:cs typeface="Calibri" panose="020F0502020204030204" pitchFamily="34" charset="0"/>
-              </a:rPr>
-              <a:t> </a:t>
-            </a:r>
-            <a:r>
-              <a:rPr lang="fr-FR" sz="3200" b="1" dirty="0" err="1">
+              <a:rPr lang="fr-FR" sz="3600" b="1" dirty="0">
+                <a:solidFill>
+                  <a:srgbClr val="660033"/>
+                </a:solidFill>
+                <a:effectLst/>
+                <a:latin typeface="Calibri" panose="020F0502020204030204" pitchFamily="34" charset="0"/>
+                <a:ea typeface="微軟正黑體" pitchFamily="34" charset="-120"/>
+                <a:cs typeface="Calibri" panose="020F0502020204030204" pitchFamily="34" charset="0"/>
+              </a:rPr>
+              <a:t> </a:t>
+            </a:r>
+            <a:r>
+              <a:rPr lang="fr-FR" sz="3600" b="1" dirty="0" err="1">
                 <a:solidFill>
                   <a:srgbClr val="660033"/>
                 </a:solidFill>
@@ -10425,19 +10371,19 @@
               <a:t>Chúa</a:t>
             </a:r>
             <a:r>
-              <a:rPr lang="fr-FR" sz="3200" b="1" dirty="0">
-                <a:solidFill>
-                  <a:srgbClr val="660033"/>
-                </a:solidFill>
-                <a:effectLst/>
-                <a:latin typeface="Calibri" panose="020F0502020204030204" pitchFamily="34" charset="0"/>
-                <a:ea typeface="微軟正黑體" pitchFamily="34" charset="-120"/>
-                <a:cs typeface="Calibri" panose="020F0502020204030204" pitchFamily="34" charset="0"/>
-              </a:rPr>
-              <a:t> </a:t>
-            </a:r>
-            <a:r>
-              <a:rPr lang="fr-FR" sz="3200" b="1" dirty="0" err="1">
+              <a:rPr lang="fr-FR" sz="3600" b="1" dirty="0">
+                <a:solidFill>
+                  <a:srgbClr val="660033"/>
+                </a:solidFill>
+                <a:effectLst/>
+                <a:latin typeface="Calibri" panose="020F0502020204030204" pitchFamily="34" charset="0"/>
+                <a:ea typeface="微軟正黑體" pitchFamily="34" charset="-120"/>
+                <a:cs typeface="Calibri" panose="020F0502020204030204" pitchFamily="34" charset="0"/>
+              </a:rPr>
+              <a:t> </a:t>
+            </a:r>
+            <a:r>
+              <a:rPr lang="fr-FR" sz="3600" b="1" dirty="0" err="1">
                 <a:solidFill>
                   <a:srgbClr val="660033"/>
                 </a:solidFill>
@@ -10449,19 +10395,19 @@
               <a:t>yêu</a:t>
             </a:r>
             <a:r>
-              <a:rPr lang="fr-FR" sz="3200" b="1" dirty="0">
-                <a:solidFill>
-                  <a:srgbClr val="660033"/>
-                </a:solidFill>
-                <a:effectLst/>
-                <a:latin typeface="Calibri" panose="020F0502020204030204" pitchFamily="34" charset="0"/>
-                <a:ea typeface="微軟正黑體" pitchFamily="34" charset="-120"/>
-                <a:cs typeface="Calibri" panose="020F0502020204030204" pitchFamily="34" charset="0"/>
-              </a:rPr>
-              <a:t> </a:t>
-            </a:r>
-            <a:r>
-              <a:rPr lang="fr-FR" sz="3200" b="1" dirty="0" err="1">
+              <a:rPr lang="fr-FR" sz="3600" b="1" dirty="0">
+                <a:solidFill>
+                  <a:srgbClr val="660033"/>
+                </a:solidFill>
+                <a:effectLst/>
+                <a:latin typeface="Calibri" panose="020F0502020204030204" pitchFamily="34" charset="0"/>
+                <a:ea typeface="微軟正黑體" pitchFamily="34" charset="-120"/>
+                <a:cs typeface="Calibri" panose="020F0502020204030204" pitchFamily="34" charset="0"/>
+              </a:rPr>
+              <a:t> </a:t>
+            </a:r>
+            <a:r>
+              <a:rPr lang="fr-FR" sz="3600" b="1" dirty="0" err="1">
                 <a:solidFill>
                   <a:srgbClr val="660033"/>
                 </a:solidFill>
@@ -10472,7 +10418,7 @@
               </a:rPr>
               <a:t>bạn</a:t>
             </a:r>
-            <a:endParaRPr lang="vi-VN" sz="3200" b="1" dirty="0">
+            <a:endParaRPr lang="vi-VN" sz="3600" b="1" dirty="0">
               <a:solidFill>
                 <a:srgbClr val="660033"/>
               </a:solidFill>
@@ -10493,7 +10439,7 @@
         <p:spPr>
           <a:xfrm>
             <a:off x="0" y="5157192"/>
-            <a:ext cx="12192000" cy="748988"/>
+            <a:ext cx="12192000" cy="646331"/>
           </a:xfrm>
           <a:prstGeom prst="rect">
             <a:avLst/>
@@ -10508,7 +10454,7 @@
           <a:p>
             <a:pPr algn="ctr"/>
             <a:r>
-              <a:rPr lang="en-US" sz="4267" b="1" dirty="0">
+              <a:rPr lang="en-US" sz="3600" b="1" dirty="0">
                 <a:solidFill>
                   <a:srgbClr val="000066"/>
                 </a:solidFill>
@@ -10517,33 +10463,24 @@
               <a:t>( </a:t>
             </a:r>
             <a:r>
-              <a:rPr lang="en-US" altLang="zh-CN" sz="4267" b="1" dirty="0" smtClean="0">
+              <a:rPr lang="en-US" altLang="zh-CN" sz="3600" b="1" dirty="0">
                 <a:solidFill>
                   <a:srgbClr val="000066"/>
                 </a:solidFill>
                 <a:ea typeface="Microsoft JhengHei" panose="020B0604030504040204" pitchFamily="34" charset="-120"/>
               </a:rPr>
-              <a:t>1</a:t>
-            </a:r>
-            <a:r>
-              <a:rPr lang="en-US" sz="4267" b="1" dirty="0" smtClean="0">
+              <a:t>1 / 2</a:t>
+            </a:r>
+            <a:r>
+              <a:rPr lang="en-US" sz="3600" b="1" dirty="0">
                 <a:solidFill>
                   <a:srgbClr val="000066"/>
                 </a:solidFill>
                 <a:ea typeface="Microsoft JhengHei" panose="020B0604030504040204" pitchFamily="34" charset="-120"/>
               </a:rPr>
-              <a:t> </a:t>
-            </a:r>
-            <a:r>
-              <a:rPr lang="en-US" sz="4267" b="1" dirty="0">
-                <a:solidFill>
-                  <a:srgbClr val="000066"/>
-                </a:solidFill>
-                <a:ea typeface="Microsoft JhengHei" panose="020B0604030504040204" pitchFamily="34" charset="-120"/>
-              </a:rPr>
-              <a:t>)</a:t>
-            </a:r>
-            <a:endParaRPr lang="vi-VN" sz="4267" b="1" dirty="0">
+              <a:t> )</a:t>
+            </a:r>
+            <a:endParaRPr lang="vi-VN" sz="3600" b="1" dirty="0">
               <a:solidFill>
                 <a:srgbClr val="000066"/>
               </a:solidFill>
@@ -11048,7 +10985,7 @@
         <p:spPr>
           <a:xfrm>
             <a:off x="0" y="5157192"/>
-            <a:ext cx="12192000" cy="748988"/>
+            <a:ext cx="12192000" cy="646331"/>
           </a:xfrm>
           <a:prstGeom prst="rect">
             <a:avLst/>
@@ -11063,7 +11000,7 @@
           <a:p>
             <a:pPr algn="ctr"/>
             <a:r>
-              <a:rPr lang="en-US" sz="4267" b="1" dirty="0">
+              <a:rPr lang="en-US" sz="3600" b="1" dirty="0">
                 <a:solidFill>
                   <a:srgbClr val="000066"/>
                 </a:solidFill>
@@ -11072,33 +11009,24 @@
               <a:t>( </a:t>
             </a:r>
             <a:r>
-              <a:rPr lang="en-US" altLang="zh-CN" sz="4267" b="1" dirty="0" smtClean="0">
+              <a:rPr lang="en-US" altLang="zh-CN" sz="3600" b="1" dirty="0">
                 <a:solidFill>
                   <a:srgbClr val="000066"/>
                 </a:solidFill>
                 <a:ea typeface="Microsoft JhengHei" panose="020B0604030504040204" pitchFamily="34" charset="-120"/>
               </a:rPr>
-              <a:t>1</a:t>
-            </a:r>
-            <a:r>
-              <a:rPr lang="en-US" sz="4267" b="1" dirty="0" smtClean="0">
+              <a:t>1 / 2</a:t>
+            </a:r>
+            <a:r>
+              <a:rPr lang="en-US" sz="3600" b="1" dirty="0">
                 <a:solidFill>
                   <a:srgbClr val="000066"/>
                 </a:solidFill>
                 <a:ea typeface="Microsoft JhengHei" panose="020B0604030504040204" pitchFamily="34" charset="-120"/>
               </a:rPr>
-              <a:t> </a:t>
-            </a:r>
-            <a:r>
-              <a:rPr lang="en-US" sz="4267" b="1" dirty="0">
-                <a:solidFill>
-                  <a:srgbClr val="000066"/>
-                </a:solidFill>
-                <a:ea typeface="Microsoft JhengHei" panose="020B0604030504040204" pitchFamily="34" charset="-120"/>
-              </a:rPr>
-              <a:t>)</a:t>
-            </a:r>
-            <a:endParaRPr lang="vi-VN" sz="4267" b="1" dirty="0">
+              <a:t> )</a:t>
+            </a:r>
+            <a:endParaRPr lang="vi-VN" sz="3600" b="1" dirty="0">
               <a:solidFill>
                 <a:srgbClr val="000066"/>
               </a:solidFill>
@@ -11527,7 +11455,7 @@
         <p:spPr>
           <a:xfrm>
             <a:off x="0" y="5157192"/>
-            <a:ext cx="12192000" cy="748988"/>
+            <a:ext cx="12192000" cy="646331"/>
           </a:xfrm>
           <a:prstGeom prst="rect">
             <a:avLst/>
@@ -11542,7 +11470,7 @@
           <a:p>
             <a:pPr algn="ctr"/>
             <a:r>
-              <a:rPr lang="en-US" sz="4267" b="1" dirty="0">
+              <a:rPr lang="en-US" sz="3600" b="1" dirty="0">
                 <a:solidFill>
                   <a:srgbClr val="000066"/>
                 </a:solidFill>
@@ -11551,33 +11479,24 @@
               <a:t>( </a:t>
             </a:r>
             <a:r>
-              <a:rPr lang="en-US" altLang="zh-CN" sz="4267" b="1" dirty="0" smtClean="0">
+              <a:rPr lang="en-US" altLang="zh-CN" sz="3600" b="1" dirty="0">
                 <a:solidFill>
                   <a:srgbClr val="000066"/>
                 </a:solidFill>
                 <a:ea typeface="Microsoft JhengHei" panose="020B0604030504040204" pitchFamily="34" charset="-120"/>
               </a:rPr>
-              <a:t>1</a:t>
-            </a:r>
-            <a:r>
-              <a:rPr lang="en-US" sz="4267" b="1" dirty="0" smtClean="0">
+              <a:t>1 / 2</a:t>
+            </a:r>
+            <a:r>
+              <a:rPr lang="en-US" sz="3600" b="1" dirty="0">
                 <a:solidFill>
                   <a:srgbClr val="000066"/>
                 </a:solidFill>
                 <a:ea typeface="Microsoft JhengHei" panose="020B0604030504040204" pitchFamily="34" charset="-120"/>
               </a:rPr>
-              <a:t> </a:t>
-            </a:r>
-            <a:r>
-              <a:rPr lang="en-US" sz="4267" b="1" dirty="0">
-                <a:solidFill>
-                  <a:srgbClr val="000066"/>
-                </a:solidFill>
-                <a:ea typeface="Microsoft JhengHei" panose="020B0604030504040204" pitchFamily="34" charset="-120"/>
-              </a:rPr>
-              <a:t>)</a:t>
-            </a:r>
-            <a:endParaRPr lang="vi-VN" sz="4267" b="1" dirty="0">
+              <a:t> )</a:t>
+            </a:r>
+            <a:endParaRPr lang="vi-VN" sz="3600" b="1" dirty="0">
               <a:solidFill>
                 <a:srgbClr val="000066"/>
               </a:solidFill>
@@ -12070,7 +11989,7 @@
         <p:spPr>
           <a:xfrm>
             <a:off x="0" y="5157192"/>
-            <a:ext cx="12192000" cy="748988"/>
+            <a:ext cx="12192000" cy="646331"/>
           </a:xfrm>
           <a:prstGeom prst="rect">
             <a:avLst/>
@@ -12085,7 +12004,7 @@
           <a:p>
             <a:pPr algn="ctr"/>
             <a:r>
-              <a:rPr lang="en-US" sz="4267" b="1" dirty="0">
+              <a:rPr lang="en-US" sz="3600" b="1" dirty="0">
                 <a:solidFill>
                   <a:srgbClr val="000066"/>
                 </a:solidFill>
@@ -12094,33 +12013,24 @@
               <a:t>( </a:t>
             </a:r>
             <a:r>
-              <a:rPr lang="en-US" altLang="zh-CN" sz="4267" b="1" dirty="0" smtClean="0">
+              <a:rPr lang="en-US" altLang="zh-CN" sz="3600" b="1" dirty="0">
                 <a:solidFill>
                   <a:srgbClr val="000066"/>
                 </a:solidFill>
                 <a:ea typeface="Microsoft JhengHei" panose="020B0604030504040204" pitchFamily="34" charset="-120"/>
               </a:rPr>
-              <a:t>1</a:t>
-            </a:r>
-            <a:r>
-              <a:rPr lang="en-US" sz="4267" b="1" dirty="0" smtClean="0">
+              <a:t>1 / 2</a:t>
+            </a:r>
+            <a:r>
+              <a:rPr lang="en-US" sz="3600" b="1" dirty="0">
                 <a:solidFill>
                   <a:srgbClr val="000066"/>
                 </a:solidFill>
                 <a:ea typeface="Microsoft JhengHei" panose="020B0604030504040204" pitchFamily="34" charset="-120"/>
               </a:rPr>
-              <a:t> </a:t>
-            </a:r>
-            <a:r>
-              <a:rPr lang="en-US" sz="4267" b="1" dirty="0">
-                <a:solidFill>
-                  <a:srgbClr val="000066"/>
-                </a:solidFill>
-                <a:ea typeface="Microsoft JhengHei" panose="020B0604030504040204" pitchFamily="34" charset="-120"/>
-              </a:rPr>
-              <a:t>)</a:t>
-            </a:r>
-            <a:endParaRPr lang="vi-VN" sz="4267" b="1" dirty="0">
+              <a:t> )</a:t>
+            </a:r>
+            <a:endParaRPr lang="vi-VN" sz="3600" b="1" dirty="0">
               <a:solidFill>
                 <a:srgbClr val="000066"/>
               </a:solidFill>
@@ -12417,83 +12327,32 @@
               <a:buNone/>
             </a:pPr>
             <a:r>
-              <a:rPr lang="fr-FR" sz="3600" b="1" dirty="0" err="1" smtClean="0">
-                <a:solidFill>
-                  <a:srgbClr val="660033"/>
-                </a:solidFill>
-                <a:effectLst/>
-                <a:latin typeface="Calibri" panose="020F0502020204030204" pitchFamily="34" charset="0"/>
-                <a:ea typeface="微軟正黑體" pitchFamily="34" charset="-120"/>
-                <a:cs typeface="Calibri" panose="020F0502020204030204" pitchFamily="34" charset="0"/>
-              </a:rPr>
-              <a:t>Tất</a:t>
-            </a:r>
-            <a:r>
-              <a:rPr lang="fr-FR" sz="3600" b="1" dirty="0" smtClean="0">
-                <a:solidFill>
-                  <a:srgbClr val="660033"/>
-                </a:solidFill>
-                <a:effectLst/>
-                <a:latin typeface="Calibri" panose="020F0502020204030204" pitchFamily="34" charset="0"/>
-                <a:ea typeface="微軟正黑體" pitchFamily="34" charset="-120"/>
-                <a:cs typeface="Calibri" panose="020F0502020204030204" pitchFamily="34" charset="0"/>
-              </a:rPr>
-              <a:t> </a:t>
-            </a:r>
-            <a:r>
-              <a:rPr lang="fr-FR" sz="3600" b="1" dirty="0" err="1">
-                <a:solidFill>
-                  <a:srgbClr val="660033"/>
-                </a:solidFill>
-                <a:effectLst/>
-                <a:latin typeface="Calibri" panose="020F0502020204030204" pitchFamily="34" charset="0"/>
-                <a:ea typeface="微軟正黑體" pitchFamily="34" charset="-120"/>
-                <a:cs typeface="Calibri" panose="020F0502020204030204" pitchFamily="34" charset="0"/>
-              </a:rPr>
-              <a:t>cả</a:t>
-            </a:r>
-            <a:r>
-              <a:rPr lang="fr-FR" sz="3600" b="1" dirty="0">
-                <a:solidFill>
-                  <a:srgbClr val="660033"/>
-                </a:solidFill>
-                <a:effectLst/>
-                <a:latin typeface="Calibri" panose="020F0502020204030204" pitchFamily="34" charset="0"/>
-                <a:ea typeface="微軟正黑體" pitchFamily="34" charset="-120"/>
-                <a:cs typeface="Calibri" panose="020F0502020204030204" pitchFamily="34" charset="0"/>
-              </a:rPr>
-              <a:t> </a:t>
-            </a:r>
-            <a:r>
-              <a:rPr lang="fr-FR" sz="3600" b="1" dirty="0" err="1">
-                <a:solidFill>
-                  <a:srgbClr val="660033"/>
-                </a:solidFill>
-                <a:effectLst/>
-                <a:latin typeface="Calibri" panose="020F0502020204030204" pitchFamily="34" charset="0"/>
-                <a:ea typeface="微軟正黑體" pitchFamily="34" charset="-120"/>
-                <a:cs typeface="Calibri" panose="020F0502020204030204" pitchFamily="34" charset="0"/>
-              </a:rPr>
-              <a:t>sự</a:t>
-            </a:r>
-            <a:r>
-              <a:rPr lang="fr-FR" sz="3600" b="1" dirty="0">
-                <a:solidFill>
-                  <a:srgbClr val="660033"/>
-                </a:solidFill>
-                <a:effectLst/>
-                <a:latin typeface="Calibri" panose="020F0502020204030204" pitchFamily="34" charset="0"/>
-                <a:ea typeface="微軟正黑體" pitchFamily="34" charset="-120"/>
-                <a:cs typeface="Calibri" panose="020F0502020204030204" pitchFamily="34" charset="0"/>
-              </a:rPr>
-              <a:t> </a:t>
-            </a:r>
-            <a:r>
-              <a:rPr lang="fr-FR" sz="3600" b="1" dirty="0" err="1">
-                <a:solidFill>
-                  <a:srgbClr val="660033"/>
-                </a:solidFill>
-                <a:effectLst/>
+              <a:rPr lang="en-US" sz="3600" b="1" dirty="0" err="1" smtClean="0">
+                <a:solidFill>
+                  <a:srgbClr val="660033"/>
+                </a:solidFill>
+                <a:latin typeface="Calibri" panose="020F0502020204030204" pitchFamily="34" charset="0"/>
+                <a:ea typeface="微軟正黑體" pitchFamily="34" charset="-120"/>
+                <a:cs typeface="Calibri" panose="020F0502020204030204" pitchFamily="34" charset="0"/>
+              </a:rPr>
+              <a:t>Đừng</a:t>
+            </a:r>
+            <a:r>
+              <a:rPr lang="en-US" sz="3600" b="1" dirty="0" smtClean="0">
+                <a:solidFill>
+                  <a:srgbClr val="660033"/>
+                </a:solidFill>
+                <a:latin typeface="Calibri" panose="020F0502020204030204" pitchFamily="34" charset="0"/>
+                <a:ea typeface="微軟正黑體" pitchFamily="34" charset="-120"/>
+                <a:cs typeface="Calibri" panose="020F0502020204030204" pitchFamily="34" charset="0"/>
+              </a:rPr>
+              <a:t> </a:t>
+            </a:r>
+            <a:r>
+              <a:rPr lang="en-US" sz="3600" b="1" dirty="0" err="1">
+                <a:solidFill>
+                  <a:srgbClr val="660033"/>
+                </a:solidFill>
                 <a:latin typeface="Calibri" panose="020F0502020204030204" pitchFamily="34" charset="0"/>
                 <a:ea typeface="微軟正黑體" pitchFamily="34" charset="-120"/>
                 <a:cs typeface="Calibri" panose="020F0502020204030204" pitchFamily="34" charset="0"/>
@@ -12501,23 +12360,21 @@
               <a:t>nương</a:t>
             </a:r>
             <a:r>
-              <a:rPr lang="fr-FR" sz="3600" b="1" dirty="0">
-                <a:solidFill>
-                  <a:srgbClr val="660033"/>
-                </a:solidFill>
-                <a:effectLst/>
-                <a:latin typeface="Calibri" panose="020F0502020204030204" pitchFamily="34" charset="0"/>
-                <a:ea typeface="微軟正黑體" pitchFamily="34" charset="-120"/>
-                <a:cs typeface="Calibri" panose="020F0502020204030204" pitchFamily="34" charset="0"/>
-              </a:rPr>
-              <a:t> </a:t>
-            </a:r>
-            <a:r>
-              <a:rPr lang="fr-FR" sz="3600" b="1" dirty="0" err="1">
-                <a:solidFill>
-                  <a:srgbClr val="660033"/>
-                </a:solidFill>
-                <a:effectLst/>
+              <a:rPr lang="en-US" sz="3600" b="1" dirty="0">
+                <a:solidFill>
+                  <a:srgbClr val="660033"/>
+                </a:solidFill>
+                <a:latin typeface="Calibri" panose="020F0502020204030204" pitchFamily="34" charset="0"/>
+                <a:ea typeface="微軟正黑體" pitchFamily="34" charset="-120"/>
+                <a:cs typeface="Calibri" panose="020F0502020204030204" pitchFamily="34" charset="0"/>
+              </a:rPr>
+              <a:t> </a:t>
+            </a:r>
+            <a:r>
+              <a:rPr lang="en-US" sz="3600" b="1" dirty="0" err="1">
+                <a:solidFill>
+                  <a:srgbClr val="660033"/>
+                </a:solidFill>
                 <a:latin typeface="Calibri" panose="020F0502020204030204" pitchFamily="34" charset="0"/>
                 <a:ea typeface="微軟正黑體" pitchFamily="34" charset="-120"/>
                 <a:cs typeface="Calibri" panose="020F0502020204030204" pitchFamily="34" charset="0"/>
@@ -12525,47 +12382,65 @@
               <a:t>dựa</a:t>
             </a:r>
             <a:r>
-              <a:rPr lang="fr-FR" sz="3600" b="1" dirty="0">
-                <a:solidFill>
-                  <a:srgbClr val="660033"/>
-                </a:solidFill>
-                <a:effectLst/>
-                <a:latin typeface="Calibri" panose="020F0502020204030204" pitchFamily="34" charset="0"/>
-                <a:ea typeface="微軟正黑體" pitchFamily="34" charset="-120"/>
-                <a:cs typeface="Calibri" panose="020F0502020204030204" pitchFamily="34" charset="0"/>
-              </a:rPr>
-              <a:t> </a:t>
-            </a:r>
-            <a:r>
-              <a:rPr lang="fr-FR" sz="3600" b="1" dirty="0" err="1">
-                <a:solidFill>
-                  <a:srgbClr val="660033"/>
-                </a:solidFill>
-                <a:effectLst/>
-                <a:latin typeface="Calibri" panose="020F0502020204030204" pitchFamily="34" charset="0"/>
-                <a:ea typeface="微軟正黑體" pitchFamily="34" charset="-120"/>
-                <a:cs typeface="Calibri" panose="020F0502020204030204" pitchFamily="34" charset="0"/>
-              </a:rPr>
-              <a:t>trên</a:t>
-            </a:r>
-            <a:r>
-              <a:rPr lang="fr-FR" sz="3600" b="1" dirty="0">
-                <a:solidFill>
-                  <a:srgbClr val="660033"/>
-                </a:solidFill>
-                <a:effectLst/>
-                <a:latin typeface="Calibri" panose="020F0502020204030204" pitchFamily="34" charset="0"/>
-                <a:ea typeface="微軟正黑體" pitchFamily="34" charset="-120"/>
-                <a:cs typeface="Calibri" panose="020F0502020204030204" pitchFamily="34" charset="0"/>
-              </a:rPr>
-              <a:t> </a:t>
-            </a:r>
-            <a:r>
-              <a:rPr lang="fr-FR" sz="3600" b="1" dirty="0" err="1">
-                <a:solidFill>
-                  <a:srgbClr val="660033"/>
-                </a:solidFill>
-                <a:effectLst/>
+              <a:rPr lang="en-US" sz="3600" b="1" dirty="0">
+                <a:solidFill>
+                  <a:srgbClr val="660033"/>
+                </a:solidFill>
+                <a:latin typeface="Calibri" panose="020F0502020204030204" pitchFamily="34" charset="0"/>
+                <a:ea typeface="微軟正黑體" pitchFamily="34" charset="-120"/>
+                <a:cs typeface="Calibri" panose="020F0502020204030204" pitchFamily="34" charset="0"/>
+              </a:rPr>
+              <a:t> </a:t>
+            </a:r>
+            <a:r>
+              <a:rPr lang="en-US" sz="3600" b="1" dirty="0" err="1">
+                <a:solidFill>
+                  <a:srgbClr val="660033"/>
+                </a:solidFill>
+                <a:latin typeface="Calibri" panose="020F0502020204030204" pitchFamily="34" charset="0"/>
+                <a:ea typeface="微軟正黑體" pitchFamily="34" charset="-120"/>
+                <a:cs typeface="Calibri" panose="020F0502020204030204" pitchFamily="34" charset="0"/>
+              </a:rPr>
+              <a:t>điều</a:t>
+            </a:r>
+            <a:r>
+              <a:rPr lang="en-US" sz="3600" b="1" dirty="0">
+                <a:solidFill>
+                  <a:srgbClr val="660033"/>
+                </a:solidFill>
+                <a:latin typeface="Calibri" panose="020F0502020204030204" pitchFamily="34" charset="0"/>
+                <a:ea typeface="微軟正黑體" pitchFamily="34" charset="-120"/>
+                <a:cs typeface="Calibri" panose="020F0502020204030204" pitchFamily="34" charset="0"/>
+              </a:rPr>
+              <a:t> chi </a:t>
+            </a:r>
+            <a:r>
+              <a:rPr lang="en-US" sz="3600" b="1" dirty="0" err="1">
+                <a:solidFill>
+                  <a:srgbClr val="660033"/>
+                </a:solidFill>
+                <a:latin typeface="Calibri" panose="020F0502020204030204" pitchFamily="34" charset="0"/>
+                <a:ea typeface="微軟正黑體" pitchFamily="34" charset="-120"/>
+                <a:cs typeface="Calibri" panose="020F0502020204030204" pitchFamily="34" charset="0"/>
+              </a:rPr>
+              <a:t>nơi</a:t>
+            </a:r>
+            <a:r>
+              <a:rPr lang="en-US" sz="3600" b="1" dirty="0">
+                <a:solidFill>
+                  <a:srgbClr val="660033"/>
+                </a:solidFill>
+                <a:latin typeface="Calibri" panose="020F0502020204030204" pitchFamily="34" charset="0"/>
+                <a:ea typeface="微軟正黑體" pitchFamily="34" charset="-120"/>
+                <a:cs typeface="Calibri" panose="020F0502020204030204" pitchFamily="34" charset="0"/>
+              </a:rPr>
+              <a:t> </a:t>
+            </a:r>
+            <a:r>
+              <a:rPr lang="en-US" sz="3600" b="1" dirty="0" err="1">
+                <a:solidFill>
+                  <a:srgbClr val="660033"/>
+                </a:solidFill>
                 <a:latin typeface="Calibri" panose="020F0502020204030204" pitchFamily="34" charset="0"/>
                 <a:ea typeface="微軟正黑體" pitchFamily="34" charset="-120"/>
                 <a:cs typeface="Calibri" panose="020F0502020204030204" pitchFamily="34" charset="0"/>
@@ -12573,47 +12448,21 @@
               <a:t>thế</a:t>
             </a:r>
             <a:r>
-              <a:rPr lang="fr-FR" sz="3600" b="1" dirty="0">
-                <a:solidFill>
-                  <a:srgbClr val="660033"/>
-                </a:solidFill>
-                <a:effectLst/>
-                <a:latin typeface="Calibri" panose="020F0502020204030204" pitchFamily="34" charset="0"/>
-                <a:ea typeface="微軟正黑體" pitchFamily="34" charset="-120"/>
-                <a:cs typeface="Calibri" panose="020F0502020204030204" pitchFamily="34" charset="0"/>
-              </a:rPr>
-              <a:t> </a:t>
-            </a:r>
-            <a:r>
-              <a:rPr lang="fr-FR" sz="3600" b="1" dirty="0" err="1">
-                <a:solidFill>
-                  <a:srgbClr val="660033"/>
-                </a:solidFill>
-                <a:effectLst/>
-                <a:latin typeface="Calibri" panose="020F0502020204030204" pitchFamily="34" charset="0"/>
-                <a:ea typeface="微軟正黑體" pitchFamily="34" charset="-120"/>
-                <a:cs typeface="Calibri" panose="020F0502020204030204" pitchFamily="34" charset="0"/>
-              </a:rPr>
-              <a:t>thế</a:t>
-            </a:r>
-            <a:r>
-              <a:rPr lang="fr-FR" sz="3600" b="1" dirty="0">
-                <a:solidFill>
-                  <a:srgbClr val="660033"/>
-                </a:solidFill>
-                <a:effectLst/>
-                <a:latin typeface="Calibri" panose="020F0502020204030204" pitchFamily="34" charset="0"/>
-                <a:ea typeface="微軟正黑體" pitchFamily="34" charset="-120"/>
-                <a:cs typeface="Calibri" panose="020F0502020204030204" pitchFamily="34" charset="0"/>
-              </a:rPr>
-              <a:t> </a:t>
-            </a:r>
-            <a:r>
-              <a:rPr lang="fr-FR" sz="3600" b="1" dirty="0" err="1">
-                <a:solidFill>
-                  <a:srgbClr val="660033"/>
-                </a:solidFill>
-                <a:effectLst/>
+              <a:rPr lang="en-US" sz="3600" b="1" dirty="0">
+                <a:solidFill>
+                  <a:srgbClr val="660033"/>
+                </a:solidFill>
+                <a:latin typeface="Calibri" panose="020F0502020204030204" pitchFamily="34" charset="0"/>
+                <a:ea typeface="微軟正黑體" pitchFamily="34" charset="-120"/>
+                <a:cs typeface="Calibri" panose="020F0502020204030204" pitchFamily="34" charset="0"/>
+              </a:rPr>
+              <a:t> </a:t>
+            </a:r>
+            <a:r>
+              <a:rPr lang="en-US" sz="3600" b="1" dirty="0" err="1">
+                <a:solidFill>
+                  <a:srgbClr val="660033"/>
+                </a:solidFill>
                 <a:latin typeface="Calibri" panose="020F0502020204030204" pitchFamily="34" charset="0"/>
                 <a:ea typeface="微軟正黑體" pitchFamily="34" charset="-120"/>
                 <a:cs typeface="Calibri" panose="020F0502020204030204" pitchFamily="34" charset="0"/>
@@ -12624,7 +12473,6 @@
               <a:solidFill>
                 <a:srgbClr val="660033"/>
               </a:solidFill>
-              <a:effectLst/>
               <a:latin typeface="Calibri" panose="020F0502020204030204" pitchFamily="34" charset="0"/>
               <a:ea typeface="微軟正黑體" pitchFamily="34" charset="-120"/>
               <a:cs typeface="Calibri" panose="020F0502020204030204" pitchFamily="34" charset="0"/>
@@ -12641,7 +12489,7 @@
         <p:spPr>
           <a:xfrm>
             <a:off x="0" y="5157192"/>
-            <a:ext cx="12192000" cy="748988"/>
+            <a:ext cx="12192000" cy="646331"/>
           </a:xfrm>
           <a:prstGeom prst="rect">
             <a:avLst/>
@@ -12656,7 +12504,7 @@
           <a:p>
             <a:pPr algn="ctr"/>
             <a:r>
-              <a:rPr lang="en-US" sz="4267" b="1" dirty="0">
+              <a:rPr lang="en-US" sz="3600" b="1" dirty="0">
                 <a:solidFill>
                   <a:srgbClr val="000066"/>
                 </a:solidFill>
@@ -12665,33 +12513,24 @@
               <a:t>( </a:t>
             </a:r>
             <a:r>
-              <a:rPr lang="en-US" altLang="zh-CN" sz="4267" b="1" dirty="0" smtClean="0">
+              <a:rPr lang="en-US" altLang="zh-CN" sz="3600" b="1" dirty="0">
                 <a:solidFill>
                   <a:srgbClr val="000066"/>
                 </a:solidFill>
                 <a:ea typeface="Microsoft JhengHei" panose="020B0604030504040204" pitchFamily="34" charset="-120"/>
               </a:rPr>
-              <a:t>1</a:t>
-            </a:r>
-            <a:r>
-              <a:rPr lang="en-US" sz="4267" b="1" dirty="0" smtClean="0">
+              <a:t>1 / 2</a:t>
+            </a:r>
+            <a:r>
+              <a:rPr lang="en-US" sz="3600" b="1" dirty="0">
                 <a:solidFill>
                   <a:srgbClr val="000066"/>
                 </a:solidFill>
                 <a:ea typeface="Microsoft JhengHei" panose="020B0604030504040204" pitchFamily="34" charset="-120"/>
               </a:rPr>
-              <a:t> </a:t>
-            </a:r>
-            <a:r>
-              <a:rPr lang="en-US" sz="4267" b="1" dirty="0">
-                <a:solidFill>
-                  <a:srgbClr val="000066"/>
-                </a:solidFill>
-                <a:ea typeface="Microsoft JhengHei" panose="020B0604030504040204" pitchFamily="34" charset="-120"/>
-              </a:rPr>
-              <a:t>)</a:t>
-            </a:r>
-            <a:endParaRPr lang="vi-VN" sz="4267" b="1" dirty="0">
+              <a:t> )</a:t>
+            </a:r>
+            <a:endParaRPr lang="vi-VN" sz="3600" b="1" dirty="0">
               <a:solidFill>
                 <a:srgbClr val="000066"/>
               </a:solidFill>
